--- a/presentations/2014-01 Tutorials/201401 - San Antonio - Profiling FHIR.pptx
+++ b/presentations/2014-01 Tutorials/201401 - San Antonio - Profiling FHIR.pptx
@@ -233,7 +233,7 @@
           <a:p>
             <a:fld id="{10B9A41D-2C14-4FD9-A8FE-469DBFAB3809}" type="datetimeFigureOut">
               <a:rPr lang="en-CA" smtClean="0"/>
-              <a:t>2014-01-12</a:t>
+              <a:t>2014-01-14</a:t>
             </a:fld>
             <a:endParaRPr lang="en-CA" dirty="0"/>
           </a:p>
@@ -7988,7 +7988,7 @@
           <a:p>
             <a:fld id="{8FCA521A-5C8A-4933-9234-1A0DD0C7D7AC}" type="datetime1">
               <a:rPr lang="en-US" smtClean="0"/>
-              <a:t>1/12/2014</a:t>
+              <a:t>1/14/2014</a:t>
             </a:fld>
             <a:endParaRPr lang="en-US"/>
           </a:p>
@@ -11286,11 +11286,7 @@
             <a:pPr lvl="2"/>
             <a:r>
               <a:rPr lang="en-US" dirty="0" smtClean="0"/>
-              <a:t>Allow additional codes, </a:t>
-            </a:r>
-            <a:r>
-              <a:rPr lang="en-US" dirty="0" smtClean="0"/>
-              <a:t>Restrict to a subset</a:t>
+              <a:t>Allow additional codes, Restrict to a subset</a:t>
             </a:r>
           </a:p>
           <a:p>
@@ -12598,7 +12594,6 @@
               <a:rPr lang="en-US" sz="3200" b="1" dirty="0" smtClean="0"/>
               <a:t>”</a:t>
             </a:r>
-            <a:endParaRPr lang="en-US" sz="3200" b="1" dirty="0" smtClean="0"/>
           </a:p>
           <a:p>
             <a:r>
@@ -14225,16 +14220,6 @@
               </a:rPr>
               <a:t>Observation</a:t>
             </a:r>
-            <a:endParaRPr kumimoji="0" lang="en-US" sz="1800" b="1" i="0" u="none" strike="noStrike" cap="none" normalizeH="0" baseline="0" dirty="0" smtClean="0">
-              <a:ln>
-                <a:noFill/>
-              </a:ln>
-              <a:solidFill>
-                <a:schemeClr val="tx1"/>
-              </a:solidFill>
-              <a:effectLst/>
-              <a:latin typeface="Arial" charset="0"/>
-            </a:endParaRPr>
           </a:p>
           <a:p>
             <a:pPr marL="0" marR="0" indent="0" algn="l" defTabSz="914400" rtl="0" eaLnBrk="0" fontAlgn="base" latinLnBrk="0" hangingPunct="0">
@@ -14328,16 +14313,6 @@
               </a:rPr>
               <a:t>Patient</a:t>
             </a:r>
-            <a:endParaRPr kumimoji="0" lang="en-US" sz="1800" b="1" i="0" u="none" strike="noStrike" cap="none" normalizeH="0" baseline="0" dirty="0" smtClean="0">
-              <a:ln>
-                <a:noFill/>
-              </a:ln>
-              <a:solidFill>
-                <a:schemeClr val="tx1"/>
-              </a:solidFill>
-              <a:effectLst/>
-              <a:latin typeface="Arial" charset="0"/>
-            </a:endParaRPr>
           </a:p>
           <a:p>
             <a:pPr marL="0" marR="0" indent="0" algn="l" defTabSz="914400" rtl="0" eaLnBrk="0" fontAlgn="base" latinLnBrk="0" hangingPunct="0">
@@ -14431,16 +14406,6 @@
               </a:rPr>
               <a:t>Organization</a:t>
             </a:r>
-            <a:endParaRPr kumimoji="0" lang="en-US" sz="1800" b="1" i="0" u="none" strike="noStrike" cap="none" normalizeH="0" baseline="0" dirty="0" smtClean="0">
-              <a:ln>
-                <a:noFill/>
-              </a:ln>
-              <a:solidFill>
-                <a:schemeClr val="tx1"/>
-              </a:solidFill>
-              <a:effectLst/>
-              <a:latin typeface="Arial" charset="0"/>
-            </a:endParaRPr>
           </a:p>
           <a:p>
             <a:pPr marL="0" marR="0" indent="0" algn="l" defTabSz="914400" rtl="0" eaLnBrk="0" fontAlgn="base" latinLnBrk="0" hangingPunct="0">
@@ -14534,16 +14499,6 @@
               </a:rPr>
               <a:t>Location</a:t>
             </a:r>
-            <a:endParaRPr kumimoji="0" lang="en-US" sz="1800" b="1" i="0" u="none" strike="noStrike" cap="none" normalizeH="0" baseline="0" dirty="0" smtClean="0">
-              <a:ln>
-                <a:noFill/>
-              </a:ln>
-              <a:solidFill>
-                <a:schemeClr val="tx1"/>
-              </a:solidFill>
-              <a:effectLst/>
-              <a:latin typeface="Arial" charset="0"/>
-            </a:endParaRPr>
           </a:p>
           <a:p>
             <a:pPr marL="0" marR="0" indent="0" algn="l" defTabSz="914400" rtl="0" eaLnBrk="0" fontAlgn="base" latinLnBrk="0" hangingPunct="0">
@@ -14637,16 +14592,6 @@
               </a:rPr>
               <a:t>Practitioner</a:t>
             </a:r>
-            <a:endParaRPr kumimoji="0" lang="en-US" sz="1800" b="1" i="0" u="none" strike="noStrike" cap="none" normalizeH="0" baseline="0" dirty="0" smtClean="0">
-              <a:ln>
-                <a:noFill/>
-              </a:ln>
-              <a:solidFill>
-                <a:schemeClr val="tx1"/>
-              </a:solidFill>
-              <a:effectLst/>
-              <a:latin typeface="Arial" charset="0"/>
-            </a:endParaRPr>
           </a:p>
           <a:p>
             <a:pPr marL="0" marR="0" indent="0" algn="l" defTabSz="914400" rtl="0" eaLnBrk="0" fontAlgn="base" latinLnBrk="0" hangingPunct="0">
@@ -14843,16 +14788,6 @@
               </a:rPr>
               <a:t>Observation</a:t>
             </a:r>
-            <a:endParaRPr kumimoji="0" lang="en-US" sz="1800" b="1" i="0" u="none" strike="noStrike" cap="none" normalizeH="0" baseline="0" dirty="0" smtClean="0">
-              <a:ln>
-                <a:noFill/>
-              </a:ln>
-              <a:solidFill>
-                <a:schemeClr val="tx1"/>
-              </a:solidFill>
-              <a:effectLst/>
-              <a:latin typeface="Arial" charset="0"/>
-            </a:endParaRPr>
           </a:p>
           <a:p>
             <a:pPr marL="0" marR="0" indent="0" algn="l" defTabSz="914400" rtl="0" eaLnBrk="0" fontAlgn="base" latinLnBrk="0" hangingPunct="0">
@@ -14946,16 +14881,6 @@
               </a:rPr>
               <a:t>Observation</a:t>
             </a:r>
-            <a:endParaRPr kumimoji="0" lang="en-US" sz="1800" b="1" i="0" u="none" strike="noStrike" cap="none" normalizeH="0" baseline="0" dirty="0" smtClean="0">
-              <a:ln>
-                <a:noFill/>
-              </a:ln>
-              <a:solidFill>
-                <a:schemeClr val="tx1"/>
-              </a:solidFill>
-              <a:effectLst/>
-              <a:latin typeface="Arial" charset="0"/>
-            </a:endParaRPr>
           </a:p>
           <a:p>
             <a:pPr marL="0" marR="0" indent="0" algn="l" defTabSz="914400" rtl="0" eaLnBrk="0" fontAlgn="base" latinLnBrk="0" hangingPunct="0">
@@ -15049,16 +14974,6 @@
               </a:rPr>
               <a:t>Practitioner</a:t>
             </a:r>
-            <a:endParaRPr kumimoji="0" lang="en-US" sz="1800" b="1" i="0" u="none" strike="noStrike" cap="none" normalizeH="0" baseline="0" dirty="0" smtClean="0">
-              <a:ln>
-                <a:noFill/>
-              </a:ln>
-              <a:solidFill>
-                <a:schemeClr val="tx1"/>
-              </a:solidFill>
-              <a:effectLst/>
-              <a:latin typeface="Arial" charset="0"/>
-            </a:endParaRPr>
           </a:p>
           <a:p>
             <a:pPr marL="0" marR="0" indent="0" algn="l" defTabSz="914400" rtl="0" eaLnBrk="0" fontAlgn="base" latinLnBrk="0" hangingPunct="0">
@@ -15410,16 +15325,6 @@
               </a:rPr>
               <a:t>Device</a:t>
             </a:r>
-            <a:endParaRPr kumimoji="0" lang="en-US" sz="1800" b="1" i="0" u="none" strike="noStrike" cap="none" normalizeH="0" baseline="0" dirty="0" smtClean="0">
-              <a:ln>
-                <a:noFill/>
-              </a:ln>
-              <a:solidFill>
-                <a:schemeClr val="tx1"/>
-              </a:solidFill>
-              <a:effectLst/>
-              <a:latin typeface="Arial" charset="0"/>
-            </a:endParaRPr>
           </a:p>
           <a:p>
             <a:pPr marL="0" marR="0" indent="0" algn="l" defTabSz="914400" rtl="0" eaLnBrk="0" fontAlgn="base" latinLnBrk="0" hangingPunct="0">
@@ -15633,16 +15538,6 @@
               </a:rPr>
               <a:t>Observation</a:t>
             </a:r>
-            <a:endParaRPr kumimoji="0" lang="en-US" sz="1800" b="1" i="0" u="none" strike="noStrike" cap="none" normalizeH="0" baseline="0" dirty="0" smtClean="0">
-              <a:ln>
-                <a:noFill/>
-              </a:ln>
-              <a:solidFill>
-                <a:schemeClr val="tx1"/>
-              </a:solidFill>
-              <a:effectLst/>
-              <a:latin typeface="Arial" charset="0"/>
-            </a:endParaRPr>
           </a:p>
           <a:p>
             <a:pPr marL="0" marR="0" indent="0" algn="l" defTabSz="914400" rtl="0" eaLnBrk="0" fontAlgn="base" latinLnBrk="0" hangingPunct="0">
@@ -15736,16 +15631,6 @@
               </a:rPr>
               <a:t>Patient</a:t>
             </a:r>
-            <a:endParaRPr kumimoji="0" lang="en-US" sz="1800" b="1" i="0" u="none" strike="noStrike" cap="none" normalizeH="0" baseline="0" dirty="0" smtClean="0">
-              <a:ln>
-                <a:noFill/>
-              </a:ln>
-              <a:solidFill>
-                <a:schemeClr val="tx1"/>
-              </a:solidFill>
-              <a:effectLst/>
-              <a:latin typeface="Arial" charset="0"/>
-            </a:endParaRPr>
           </a:p>
           <a:p>
             <a:pPr marL="0" marR="0" indent="0" algn="l" defTabSz="914400" rtl="0" eaLnBrk="0" fontAlgn="base" latinLnBrk="0" hangingPunct="0">
@@ -15839,16 +15724,6 @@
               </a:rPr>
               <a:t>Organization</a:t>
             </a:r>
-            <a:endParaRPr kumimoji="0" lang="en-US" sz="1800" b="1" i="0" u="none" strike="noStrike" cap="none" normalizeH="0" baseline="0" dirty="0" smtClean="0">
-              <a:ln>
-                <a:noFill/>
-              </a:ln>
-              <a:solidFill>
-                <a:schemeClr val="tx1"/>
-              </a:solidFill>
-              <a:effectLst/>
-              <a:latin typeface="Arial" charset="0"/>
-            </a:endParaRPr>
           </a:p>
           <a:p>
             <a:pPr marL="0" marR="0" indent="0" algn="l" defTabSz="914400" rtl="0" eaLnBrk="0" fontAlgn="base" latinLnBrk="0" hangingPunct="0">
@@ -15942,16 +15817,6 @@
               </a:rPr>
               <a:t>Location</a:t>
             </a:r>
-            <a:endParaRPr kumimoji="0" lang="en-US" sz="1800" b="1" i="0" u="none" strike="noStrike" cap="none" normalizeH="0" baseline="0" dirty="0" smtClean="0">
-              <a:ln>
-                <a:noFill/>
-              </a:ln>
-              <a:solidFill>
-                <a:schemeClr val="tx1"/>
-              </a:solidFill>
-              <a:effectLst/>
-              <a:latin typeface="Arial" charset="0"/>
-            </a:endParaRPr>
           </a:p>
           <a:p>
             <a:pPr marL="0" marR="0" indent="0" algn="l" defTabSz="914400" rtl="0" eaLnBrk="0" fontAlgn="base" latinLnBrk="0" hangingPunct="0">
@@ -16045,16 +15910,6 @@
               </a:rPr>
               <a:t>Practitioner</a:t>
             </a:r>
-            <a:endParaRPr kumimoji="0" lang="en-US" sz="1800" b="1" i="0" u="none" strike="noStrike" cap="none" normalizeH="0" baseline="0" dirty="0" smtClean="0">
-              <a:ln>
-                <a:noFill/>
-              </a:ln>
-              <a:solidFill>
-                <a:schemeClr val="tx1"/>
-              </a:solidFill>
-              <a:effectLst/>
-              <a:latin typeface="Arial" charset="0"/>
-            </a:endParaRPr>
           </a:p>
           <a:p>
             <a:pPr marL="0" marR="0" indent="0" algn="l" defTabSz="914400" rtl="0" eaLnBrk="0" fontAlgn="base" latinLnBrk="0" hangingPunct="0">
@@ -16251,16 +16106,6 @@
               </a:rPr>
               <a:t>Observation</a:t>
             </a:r>
-            <a:endParaRPr kumimoji="0" lang="en-US" sz="1800" b="1" i="0" u="none" strike="noStrike" cap="none" normalizeH="0" baseline="0" dirty="0" smtClean="0">
-              <a:ln>
-                <a:noFill/>
-              </a:ln>
-              <a:solidFill>
-                <a:schemeClr val="tx1"/>
-              </a:solidFill>
-              <a:effectLst/>
-              <a:latin typeface="Arial" charset="0"/>
-            </a:endParaRPr>
           </a:p>
           <a:p>
             <a:pPr marL="0" marR="0" indent="0" algn="l" defTabSz="914400" rtl="0" eaLnBrk="0" fontAlgn="base" latinLnBrk="0" hangingPunct="0">
@@ -16354,16 +16199,6 @@
               </a:rPr>
               <a:t>Observation</a:t>
             </a:r>
-            <a:endParaRPr kumimoji="0" lang="en-US" sz="1800" b="1" i="0" u="none" strike="noStrike" cap="none" normalizeH="0" baseline="0" dirty="0" smtClean="0">
-              <a:ln>
-                <a:noFill/>
-              </a:ln>
-              <a:solidFill>
-                <a:schemeClr val="tx1"/>
-              </a:solidFill>
-              <a:effectLst/>
-              <a:latin typeface="Arial" charset="0"/>
-            </a:endParaRPr>
           </a:p>
           <a:p>
             <a:pPr marL="0" marR="0" indent="0" algn="l" defTabSz="914400" rtl="0" eaLnBrk="0" fontAlgn="base" latinLnBrk="0" hangingPunct="0">
@@ -16457,16 +16292,6 @@
               </a:rPr>
               <a:t>Practitioner</a:t>
             </a:r>
-            <a:endParaRPr kumimoji="0" lang="en-US" sz="1800" b="1" i="0" u="none" strike="noStrike" cap="none" normalizeH="0" baseline="0" dirty="0" smtClean="0">
-              <a:ln>
-                <a:noFill/>
-              </a:ln>
-              <a:solidFill>
-                <a:schemeClr val="tx1"/>
-              </a:solidFill>
-              <a:effectLst/>
-              <a:latin typeface="Arial" charset="0"/>
-            </a:endParaRPr>
           </a:p>
           <a:p>
             <a:pPr marL="0" marR="0" indent="0" algn="l" defTabSz="914400" rtl="0" eaLnBrk="0" fontAlgn="base" latinLnBrk="0" hangingPunct="0">
@@ -16818,16 +16643,6 @@
               </a:rPr>
               <a:t>Device</a:t>
             </a:r>
-            <a:endParaRPr kumimoji="0" lang="en-US" sz="1800" b="1" i="0" u="none" strike="noStrike" cap="none" normalizeH="0" baseline="0" dirty="0" smtClean="0">
-              <a:ln>
-                <a:noFill/>
-              </a:ln>
-              <a:solidFill>
-                <a:schemeClr val="tx1"/>
-              </a:solidFill>
-              <a:effectLst/>
-              <a:latin typeface="Arial" charset="0"/>
-            </a:endParaRPr>
           </a:p>
           <a:p>
             <a:pPr marL="0" marR="0" indent="0" algn="l" defTabSz="914400" rtl="0" eaLnBrk="0" fontAlgn="base" latinLnBrk="0" hangingPunct="0">
@@ -17124,16 +16939,6 @@
               </a:rPr>
               <a:t>Observation</a:t>
             </a:r>
-            <a:endParaRPr kumimoji="0" lang="en-US" sz="1800" b="1" i="0" u="none" strike="noStrike" cap="none" normalizeH="0" baseline="0" dirty="0" smtClean="0">
-              <a:ln>
-                <a:noFill/>
-              </a:ln>
-              <a:solidFill>
-                <a:schemeClr val="tx1"/>
-              </a:solidFill>
-              <a:effectLst/>
-              <a:latin typeface="Arial" charset="0"/>
-            </a:endParaRPr>
           </a:p>
           <a:p>
             <a:pPr marL="0" marR="0" indent="0" algn="l" defTabSz="914400" rtl="0" eaLnBrk="0" fontAlgn="base" latinLnBrk="0" hangingPunct="0">
@@ -17227,16 +17032,6 @@
               </a:rPr>
               <a:t>Patient</a:t>
             </a:r>
-            <a:endParaRPr kumimoji="0" lang="en-US" sz="1800" b="1" i="0" u="none" strike="noStrike" cap="none" normalizeH="0" baseline="0" dirty="0" smtClean="0">
-              <a:ln>
-                <a:noFill/>
-              </a:ln>
-              <a:solidFill>
-                <a:schemeClr val="tx1"/>
-              </a:solidFill>
-              <a:effectLst/>
-              <a:latin typeface="Arial" charset="0"/>
-            </a:endParaRPr>
           </a:p>
           <a:p>
             <a:pPr marL="0" marR="0" indent="0" algn="l" defTabSz="914400" rtl="0" eaLnBrk="0" fontAlgn="base" latinLnBrk="0" hangingPunct="0">
@@ -17330,16 +17125,6 @@
               </a:rPr>
               <a:t>Organization</a:t>
             </a:r>
-            <a:endParaRPr kumimoji="0" lang="en-US" sz="1800" b="1" i="0" u="none" strike="noStrike" cap="none" normalizeH="0" baseline="0" dirty="0" smtClean="0">
-              <a:ln>
-                <a:noFill/>
-              </a:ln>
-              <a:solidFill>
-                <a:schemeClr val="tx1"/>
-              </a:solidFill>
-              <a:effectLst/>
-              <a:latin typeface="Arial" charset="0"/>
-            </a:endParaRPr>
           </a:p>
           <a:p>
             <a:pPr marL="0" marR="0" indent="0" algn="l" defTabSz="914400" rtl="0" eaLnBrk="0" fontAlgn="base" latinLnBrk="0" hangingPunct="0">
@@ -17433,16 +17218,6 @@
               </a:rPr>
               <a:t>Location</a:t>
             </a:r>
-            <a:endParaRPr kumimoji="0" lang="en-US" sz="1800" b="1" i="0" u="none" strike="noStrike" cap="none" normalizeH="0" baseline="0" dirty="0" smtClean="0">
-              <a:ln>
-                <a:noFill/>
-              </a:ln>
-              <a:solidFill>
-                <a:schemeClr val="tx1"/>
-              </a:solidFill>
-              <a:effectLst/>
-              <a:latin typeface="Arial" charset="0"/>
-            </a:endParaRPr>
           </a:p>
           <a:p>
             <a:pPr marL="0" marR="0" indent="0" algn="l" defTabSz="914400" rtl="0" eaLnBrk="0" fontAlgn="base" latinLnBrk="0" hangingPunct="0">
@@ -17536,16 +17311,6 @@
               </a:rPr>
               <a:t>Practitioner</a:t>
             </a:r>
-            <a:endParaRPr kumimoji="0" lang="en-US" sz="1800" b="1" i="0" u="none" strike="noStrike" cap="none" normalizeH="0" baseline="0" dirty="0" smtClean="0">
-              <a:ln>
-                <a:noFill/>
-              </a:ln>
-              <a:solidFill>
-                <a:schemeClr val="tx1"/>
-              </a:solidFill>
-              <a:effectLst/>
-              <a:latin typeface="Arial" charset="0"/>
-            </a:endParaRPr>
           </a:p>
           <a:p>
             <a:pPr marL="0" marR="0" indent="0" algn="l" defTabSz="914400" rtl="0" eaLnBrk="0" fontAlgn="base" latinLnBrk="0" hangingPunct="0">
@@ -17742,16 +17507,6 @@
               </a:rPr>
               <a:t>Observation</a:t>
             </a:r>
-            <a:endParaRPr kumimoji="0" lang="en-US" sz="1800" b="1" i="0" u="none" strike="noStrike" cap="none" normalizeH="0" baseline="0" dirty="0" smtClean="0">
-              <a:ln>
-                <a:noFill/>
-              </a:ln>
-              <a:solidFill>
-                <a:schemeClr val="tx1"/>
-              </a:solidFill>
-              <a:effectLst/>
-              <a:latin typeface="Arial" charset="0"/>
-            </a:endParaRPr>
           </a:p>
           <a:p>
             <a:pPr marL="0" marR="0" indent="0" algn="l" defTabSz="914400" rtl="0" eaLnBrk="0" fontAlgn="base" latinLnBrk="0" hangingPunct="0">
@@ -17845,16 +17600,6 @@
               </a:rPr>
               <a:t>Observation</a:t>
             </a:r>
-            <a:endParaRPr kumimoji="0" lang="en-US" sz="1800" b="1" i="0" u="none" strike="noStrike" cap="none" normalizeH="0" baseline="0" dirty="0" smtClean="0">
-              <a:ln>
-                <a:noFill/>
-              </a:ln>
-              <a:solidFill>
-                <a:schemeClr val="tx1"/>
-              </a:solidFill>
-              <a:effectLst/>
-              <a:latin typeface="Arial" charset="0"/>
-            </a:endParaRPr>
           </a:p>
           <a:p>
             <a:pPr marL="0" marR="0" indent="0" algn="l" defTabSz="914400" rtl="0" eaLnBrk="0" fontAlgn="base" latinLnBrk="0" hangingPunct="0">
@@ -17948,16 +17693,6 @@
               </a:rPr>
               <a:t>Practitioner</a:t>
             </a:r>
-            <a:endParaRPr kumimoji="0" lang="en-US" sz="1800" b="1" i="0" u="none" strike="noStrike" cap="none" normalizeH="0" baseline="0" dirty="0" smtClean="0">
-              <a:ln>
-                <a:noFill/>
-              </a:ln>
-              <a:solidFill>
-                <a:schemeClr val="tx1"/>
-              </a:solidFill>
-              <a:effectLst/>
-              <a:latin typeface="Arial" charset="0"/>
-            </a:endParaRPr>
           </a:p>
           <a:p>
             <a:pPr marL="0" marR="0" indent="0" algn="l" defTabSz="914400" rtl="0" eaLnBrk="0" fontAlgn="base" latinLnBrk="0" hangingPunct="0">
@@ -18309,16 +18044,6 @@
               </a:rPr>
               <a:t>Device</a:t>
             </a:r>
-            <a:endParaRPr kumimoji="0" lang="en-US" sz="1800" b="1" i="0" u="none" strike="noStrike" cap="none" normalizeH="0" baseline="0" dirty="0" smtClean="0">
-              <a:ln>
-                <a:noFill/>
-              </a:ln>
-              <a:solidFill>
-                <a:schemeClr val="tx1"/>
-              </a:solidFill>
-              <a:effectLst/>
-              <a:latin typeface="Arial" charset="0"/>
-            </a:endParaRPr>
           </a:p>
           <a:p>
             <a:pPr marL="0" marR="0" indent="0" algn="l" defTabSz="914400" rtl="0" eaLnBrk="0" fontAlgn="base" latinLnBrk="0" hangingPunct="0">
@@ -18578,6 +18303,306 @@
               <a:t>4</a:t>
             </a:fld>
             <a:endParaRPr lang="en-CA"/>
+          </a:p>
+        </p:txBody>
+      </p:sp>
+      <p:sp>
+        <p:nvSpPr>
+          <p:cNvPr id="5" name="Content Placeholder 2"/>
+          <p:cNvSpPr txBox="1">
+            <a:spLocks/>
+          </p:cNvSpPr>
+          <p:nvPr/>
+        </p:nvSpPr>
+        <p:spPr bwMode="auto">
+          <a:xfrm>
+            <a:off x="395536" y="1828800"/>
+            <a:ext cx="8382000" cy="4480520"/>
+          </a:xfrm>
+          <a:prstGeom prst="rect">
+            <a:avLst/>
+          </a:prstGeom>
+          <a:noFill/>
+          <a:ln>
+            <a:noFill/>
+          </a:ln>
+          <a:effectLst/>
+          <a:extLst>
+            <a:ext uri="{909E8E84-426E-40DD-AFC4-6F175D3DCCD1}">
+              <a14:hiddenFill xmlns:a14="http://schemas.microsoft.com/office/drawing/2010/main">
+                <a:solidFill>
+                  <a:schemeClr val="accent1"/>
+                </a:solidFill>
+              </a14:hiddenFill>
+            </a:ext>
+            <a:ext uri="{91240B29-F687-4F45-9708-019B960494DF}">
+              <a14:hiddenLine xmlns:a14="http://schemas.microsoft.com/office/drawing/2010/main" w="9525">
+                <a:solidFill>
+                  <a:schemeClr val="tx1"/>
+                </a:solidFill>
+                <a:miter lim="800000"/>
+                <a:headEnd/>
+                <a:tailEnd/>
+              </a14:hiddenLine>
+            </a:ext>
+            <a:ext uri="{AF507438-7753-43E0-B8FC-AC1667EBCBE1}">
+              <a14:hiddenEffects xmlns:a14="http://schemas.microsoft.com/office/drawing/2010/main">
+                <a:effectLst>
+                  <a:outerShdw dist="35921" dir="2700000" algn="ctr" rotWithShape="0">
+                    <a:schemeClr val="bg2"/>
+                  </a:outerShdw>
+                </a:effectLst>
+              </a14:hiddenEffects>
+            </a:ext>
+          </a:extLst>
+        </p:spPr>
+        <p:txBody>
+          <a:bodyPr vert="horz" wrap="square" lIns="91440" tIns="45720" rIns="91440" bIns="45720" numCol="1" anchor="t" anchorCtr="0" compatLnSpc="1">
+            <a:prstTxWarp prst="textNoShape">
+              <a:avLst/>
+            </a:prstTxWarp>
+          </a:bodyPr>
+          <a:lstStyle>
+            <a:lvl1pPr marL="342900" indent="-342900" algn="l" rtl="0" eaLnBrk="1" fontAlgn="base" hangingPunct="1">
+              <a:spcBef>
+                <a:spcPct val="20000"/>
+              </a:spcBef>
+              <a:spcAft>
+                <a:spcPct val="0"/>
+              </a:spcAft>
+              <a:buClr>
+                <a:schemeClr val="accent1"/>
+              </a:buClr>
+              <a:buSzPct val="75000"/>
+              <a:buFont typeface="Wingdings" pitchFamily="2" charset="2"/>
+              <a:buChar char="n"/>
+              <a:defRPr sz="3100">
+                <a:solidFill>
+                  <a:schemeClr val="tx1"/>
+                </a:solidFill>
+                <a:latin typeface="+mn-lt"/>
+                <a:ea typeface="+mn-ea"/>
+                <a:cs typeface="+mn-cs"/>
+              </a:defRPr>
+            </a:lvl1pPr>
+            <a:lvl2pPr marL="742950" indent="-285750" algn="l" rtl="0" eaLnBrk="1" fontAlgn="base" hangingPunct="1">
+              <a:spcBef>
+                <a:spcPct val="20000"/>
+              </a:spcBef>
+              <a:spcAft>
+                <a:spcPct val="0"/>
+              </a:spcAft>
+              <a:buClr>
+                <a:schemeClr val="accent1"/>
+              </a:buClr>
+              <a:buSzPct val="65000"/>
+              <a:buFont typeface="Wingdings" pitchFamily="2" charset="2"/>
+              <a:buChar char="Ø"/>
+              <a:defRPr sz="2600">
+                <a:solidFill>
+                  <a:schemeClr val="tx1"/>
+                </a:solidFill>
+                <a:latin typeface="+mn-lt"/>
+              </a:defRPr>
+            </a:lvl2pPr>
+            <a:lvl3pPr marL="1143000" indent="-228600" algn="l" rtl="0" eaLnBrk="1" fontAlgn="base" hangingPunct="1">
+              <a:spcBef>
+                <a:spcPct val="20000"/>
+              </a:spcBef>
+              <a:spcAft>
+                <a:spcPct val="0"/>
+              </a:spcAft>
+              <a:buClr>
+                <a:schemeClr val="folHlink"/>
+              </a:buClr>
+              <a:buSzPct val="55000"/>
+              <a:buFont typeface="Wingdings" pitchFamily="2" charset="2"/>
+              <a:buChar char="n"/>
+              <a:defRPr sz="2400">
+                <a:solidFill>
+                  <a:schemeClr val="tx1"/>
+                </a:solidFill>
+                <a:latin typeface="+mn-lt"/>
+              </a:defRPr>
+            </a:lvl3pPr>
+            <a:lvl4pPr marL="1600200" indent="-228600" algn="l" rtl="0" eaLnBrk="1" fontAlgn="base" hangingPunct="1">
+              <a:spcBef>
+                <a:spcPct val="20000"/>
+              </a:spcBef>
+              <a:spcAft>
+                <a:spcPct val="0"/>
+              </a:spcAft>
+              <a:buClr>
+                <a:schemeClr val="folHlink"/>
+              </a:buClr>
+              <a:buChar char="•"/>
+              <a:defRPr sz="2000">
+                <a:solidFill>
+                  <a:schemeClr val="tx1"/>
+                </a:solidFill>
+                <a:latin typeface="+mn-lt"/>
+              </a:defRPr>
+            </a:lvl4pPr>
+            <a:lvl5pPr marL="2057400" indent="-228600" algn="l" rtl="0" eaLnBrk="1" fontAlgn="base" hangingPunct="1">
+              <a:spcBef>
+                <a:spcPct val="20000"/>
+              </a:spcBef>
+              <a:spcAft>
+                <a:spcPct val="0"/>
+              </a:spcAft>
+              <a:buClr>
+                <a:schemeClr val="folHlink"/>
+              </a:buClr>
+              <a:buSzPct val="85000"/>
+              <a:buFont typeface="Wingdings" pitchFamily="2" charset="2"/>
+              <a:buChar char="ü"/>
+              <a:defRPr sz="2000">
+                <a:solidFill>
+                  <a:schemeClr val="tx1"/>
+                </a:solidFill>
+                <a:latin typeface="+mn-lt"/>
+              </a:defRPr>
+            </a:lvl5pPr>
+            <a:lvl6pPr marL="2514600" indent="-228600" algn="l" rtl="0" eaLnBrk="1" fontAlgn="base" hangingPunct="1">
+              <a:spcBef>
+                <a:spcPct val="20000"/>
+              </a:spcBef>
+              <a:spcAft>
+                <a:spcPct val="0"/>
+              </a:spcAft>
+              <a:buClr>
+                <a:schemeClr val="folHlink"/>
+              </a:buClr>
+              <a:buSzPct val="85000"/>
+              <a:buFont typeface="Wingdings" pitchFamily="2" charset="2"/>
+              <a:buChar char="ü"/>
+              <a:defRPr sz="2000">
+                <a:solidFill>
+                  <a:schemeClr val="tx1"/>
+                </a:solidFill>
+                <a:latin typeface="+mn-lt"/>
+              </a:defRPr>
+            </a:lvl6pPr>
+            <a:lvl7pPr marL="2971800" indent="-228600" algn="l" rtl="0" eaLnBrk="1" fontAlgn="base" hangingPunct="1">
+              <a:spcBef>
+                <a:spcPct val="20000"/>
+              </a:spcBef>
+              <a:spcAft>
+                <a:spcPct val="0"/>
+              </a:spcAft>
+              <a:buClr>
+                <a:schemeClr val="folHlink"/>
+              </a:buClr>
+              <a:buSzPct val="85000"/>
+              <a:buFont typeface="Wingdings" pitchFamily="2" charset="2"/>
+              <a:buChar char="ü"/>
+              <a:defRPr sz="2000">
+                <a:solidFill>
+                  <a:schemeClr val="tx1"/>
+                </a:solidFill>
+                <a:latin typeface="+mn-lt"/>
+              </a:defRPr>
+            </a:lvl7pPr>
+            <a:lvl8pPr marL="3429000" indent="-228600" algn="l" rtl="0" eaLnBrk="1" fontAlgn="base" hangingPunct="1">
+              <a:spcBef>
+                <a:spcPct val="20000"/>
+              </a:spcBef>
+              <a:spcAft>
+                <a:spcPct val="0"/>
+              </a:spcAft>
+              <a:buClr>
+                <a:schemeClr val="folHlink"/>
+              </a:buClr>
+              <a:buSzPct val="85000"/>
+              <a:buFont typeface="Wingdings" pitchFamily="2" charset="2"/>
+              <a:buChar char="ü"/>
+              <a:defRPr sz="2000">
+                <a:solidFill>
+                  <a:schemeClr val="tx1"/>
+                </a:solidFill>
+                <a:latin typeface="+mn-lt"/>
+              </a:defRPr>
+            </a:lvl8pPr>
+            <a:lvl9pPr marL="3886200" indent="-228600" algn="l" rtl="0" eaLnBrk="1" fontAlgn="base" hangingPunct="1">
+              <a:spcBef>
+                <a:spcPct val="20000"/>
+              </a:spcBef>
+              <a:spcAft>
+                <a:spcPct val="0"/>
+              </a:spcAft>
+              <a:buClr>
+                <a:schemeClr val="folHlink"/>
+              </a:buClr>
+              <a:buSzPct val="85000"/>
+              <a:buFont typeface="Wingdings" pitchFamily="2" charset="2"/>
+              <a:buChar char="ü"/>
+              <a:defRPr sz="2000">
+                <a:solidFill>
+                  <a:schemeClr val="tx1"/>
+                </a:solidFill>
+                <a:latin typeface="+mn-lt"/>
+              </a:defRPr>
+            </a:lvl9pPr>
+          </a:lstStyle>
+          <a:p>
+            <a:r>
+              <a:rPr lang="en-US" kern="0" dirty="0" smtClean="0"/>
+              <a:t>Intro to Profiles</a:t>
+            </a:r>
+          </a:p>
+          <a:p>
+            <a:r>
+              <a:rPr lang="en-US" kern="0" dirty="0" smtClean="0"/>
+              <a:t>Extensions</a:t>
+            </a:r>
+          </a:p>
+          <a:p>
+            <a:r>
+              <a:rPr lang="en-US" kern="0" dirty="0" smtClean="0"/>
+              <a:t>Restrictions</a:t>
+            </a:r>
+          </a:p>
+          <a:p>
+            <a:r>
+              <a:rPr lang="en-US" kern="0" dirty="0" smtClean="0"/>
+              <a:t>Bindings &amp; </a:t>
+            </a:r>
+            <a:r>
+              <a:rPr lang="en-US" kern="0" dirty="0" err="1" smtClean="0"/>
+              <a:t>ValueSets</a:t>
+            </a:r>
+            <a:endParaRPr lang="en-US" kern="0" dirty="0" smtClean="0"/>
+          </a:p>
+          <a:p>
+            <a:r>
+              <a:rPr lang="en-US" kern="0" dirty="0" smtClean="0"/>
+              <a:t>Slicing</a:t>
+            </a:r>
+          </a:p>
+          <a:p>
+            <a:r>
+              <a:rPr lang="en-US" kern="0" dirty="0" smtClean="0"/>
+              <a:t>Aggregation</a:t>
+            </a:r>
+          </a:p>
+          <a:p>
+            <a:r>
+              <a:rPr lang="en-US" kern="0" smtClean="0"/>
+              <a:t>A combined example</a:t>
+            </a:r>
+            <a:endParaRPr lang="en-US" kern="0" dirty="0" smtClean="0"/>
+          </a:p>
+          <a:p>
+            <a:endParaRPr lang="en-US" kern="0" dirty="0" smtClean="0"/>
+          </a:p>
+          <a:p>
+            <a:endParaRPr lang="en-US" kern="0" dirty="0" smtClean="0"/>
+          </a:p>
+          <a:p>
+            <a:endParaRPr lang="en-US" sz="2400" kern="0" dirty="0" smtClean="0"/>
+          </a:p>
+          <a:p>
+            <a:endParaRPr lang="nl-NL" kern="0" dirty="0"/>
           </a:p>
         </p:txBody>
       </p:sp>
@@ -19413,13 +19438,7 @@
               <a:rPr lang="en-US" dirty="0" smtClean="0">
                 <a:latin typeface="Arial" charset="0"/>
               </a:rPr>
-              <a:t>event</a:t>
-            </a:r>
-            <a:r>
-              <a:rPr lang="en-US" dirty="0" smtClean="0">
-                <a:latin typeface="Arial" charset="0"/>
-              </a:rPr>
-              <a:t>: Coding</a:t>
+              <a:t>event: Coding</a:t>
             </a:r>
           </a:p>
           <a:p>
@@ -19445,9 +19464,6 @@
               </a:rPr>
               <a:t>data: Any(0..*) -&gt; List(1..1)</a:t>
             </a:r>
-            <a:endParaRPr lang="en-US" dirty="0" smtClean="0">
-              <a:latin typeface="Arial" charset="0"/>
-            </a:endParaRPr>
           </a:p>
           <a:p>
             <a:pPr marL="0" marR="0" indent="0" algn="l" defTabSz="914400" rtl="0" eaLnBrk="0" fontAlgn="base" latinLnBrk="0" hangingPunct="0">
@@ -19685,9 +19701,6 @@
               </a:rPr>
               <a:t>	(bundled | ref)</a:t>
             </a:r>
-            <a:endParaRPr lang="en-US" dirty="0" smtClean="0">
-              <a:latin typeface="Arial" charset="0"/>
-            </a:endParaRPr>
           </a:p>
           <a:p>
             <a:pPr marL="0" marR="0" indent="0" algn="l" defTabSz="914400" rtl="0" eaLnBrk="0" fontAlgn="base" latinLnBrk="0" hangingPunct="0">
@@ -19826,9 +19839,6 @@
               </a:rPr>
               <a:t>  (bundled)</a:t>
             </a:r>
-            <a:endParaRPr lang="en-US" b="1" dirty="0" smtClean="0">
-              <a:latin typeface="Arial" charset="0"/>
-            </a:endParaRPr>
           </a:p>
         </p:txBody>
       </p:sp>
@@ -19946,9 +19956,6 @@
               </a:rPr>
               <a:t>  (bundled)</a:t>
             </a:r>
-            <a:endParaRPr lang="en-US" b="1" dirty="0" smtClean="0">
-              <a:latin typeface="Arial" charset="0"/>
-            </a:endParaRPr>
           </a:p>
         </p:txBody>
       </p:sp>
@@ -20034,16 +20041,6 @@
               </a:rPr>
               <a:t>-Systolic</a:t>
             </a:r>
-            <a:endParaRPr kumimoji="0" lang="en-US" sz="1800" b="1" i="0" u="sng" strike="noStrike" cap="none" normalizeH="0" baseline="0" dirty="0" smtClean="0">
-              <a:ln>
-                <a:noFill/>
-              </a:ln>
-              <a:solidFill>
-                <a:schemeClr val="tx1"/>
-              </a:solidFill>
-              <a:effectLst/>
-              <a:latin typeface="Arial" charset="0"/>
-            </a:endParaRPr>
           </a:p>
           <a:p>
             <a:pPr marL="0" marR="0" indent="0" algn="l" defTabSz="914400" rtl="0" eaLnBrk="0" fontAlgn="base" latinLnBrk="0" hangingPunct="0">
@@ -20120,13 +20117,7 @@
               <a:rPr lang="en-US" dirty="0" smtClean="0">
                 <a:latin typeface="Arial" charset="0"/>
               </a:rPr>
-              <a:t> </a:t>
-            </a:r>
-            <a:r>
-              <a:rPr lang="en-US" dirty="0" smtClean="0">
-                <a:latin typeface="Arial" charset="0"/>
-              </a:rPr>
-              <a:t>(</a:t>
+              <a:t> (</a:t>
             </a:r>
             <a:r>
               <a:rPr lang="en-US" dirty="0" err="1" smtClean="0">
@@ -20246,16 +20237,6 @@
               </a:rPr>
               <a:t>-Diastolic</a:t>
             </a:r>
-            <a:endParaRPr kumimoji="0" lang="en-US" sz="1800" b="1" i="0" u="sng" strike="noStrike" cap="none" normalizeH="0" baseline="0" dirty="0" smtClean="0">
-              <a:ln>
-                <a:noFill/>
-              </a:ln>
-              <a:solidFill>
-                <a:schemeClr val="tx1"/>
-              </a:solidFill>
-              <a:effectLst/>
-              <a:latin typeface="Arial" charset="0"/>
-            </a:endParaRPr>
           </a:p>
           <a:p>
             <a:pPr marL="0" marR="0" indent="0" algn="l" defTabSz="914400" rtl="0" eaLnBrk="0" fontAlgn="base" latinLnBrk="0" hangingPunct="0">
@@ -20332,13 +20313,7 @@
               <a:rPr lang="en-US" dirty="0" smtClean="0">
                 <a:latin typeface="Arial" charset="0"/>
               </a:rPr>
-              <a:t> </a:t>
-            </a:r>
-            <a:r>
-              <a:rPr lang="en-US" dirty="0" smtClean="0">
-                <a:latin typeface="Arial" charset="0"/>
-              </a:rPr>
-              <a:t>(</a:t>
+              <a:t> (</a:t>
             </a:r>
             <a:r>
               <a:rPr lang="en-US" dirty="0" err="1" smtClean="0">

--- a/presentations/2014-01 Tutorials/201401 - San Antonio - Profiling FHIR.pptx
+++ b/presentations/2014-01 Tutorials/201401 - San Antonio - Profiling FHIR.pptx
@@ -5,7 +5,7 @@
     <p:sldMasterId id="2147483660" r:id="rId1"/>
   </p:sldMasterIdLst>
   <p:notesMasterIdLst>
-    <p:notesMasterId r:id="rId44"/>
+    <p:notesMasterId r:id="rId45"/>
   </p:notesMasterIdLst>
   <p:sldIdLst>
     <p:sldId id="256" r:id="rId2"/>
@@ -15,10 +15,10 @@
     <p:sldId id="338" r:id="rId6"/>
     <p:sldId id="328" r:id="rId7"/>
     <p:sldId id="331" r:id="rId8"/>
-    <p:sldId id="333" r:id="rId9"/>
-    <p:sldId id="329" r:id="rId10"/>
-    <p:sldId id="332" r:id="rId11"/>
-    <p:sldId id="334" r:id="rId12"/>
+    <p:sldId id="329" r:id="rId9"/>
+    <p:sldId id="332" r:id="rId10"/>
+    <p:sldId id="334" r:id="rId11"/>
+    <p:sldId id="333" r:id="rId12"/>
     <p:sldId id="339" r:id="rId13"/>
     <p:sldId id="360" r:id="rId14"/>
     <p:sldId id="341" r:id="rId15"/>
@@ -50,6 +50,7 @@
     <p:sldId id="371" r:id="rId41"/>
     <p:sldId id="366" r:id="rId42"/>
     <p:sldId id="367" r:id="rId43"/>
+    <p:sldId id="372" r:id="rId44"/>
   </p:sldIdLst>
   <p:sldSz cx="9144000" cy="6858000" type="screen4x3"/>
   <p:notesSz cx="6858000" cy="9144000"/>
@@ -233,7 +234,7 @@
           <a:p>
             <a:fld id="{10B9A41D-2C14-4FD9-A8FE-469DBFAB3809}" type="datetimeFigureOut">
               <a:rPr lang="en-CA" smtClean="0"/>
-              <a:t>2014-01-14</a:t>
+              <a:t>2014-01-19</a:t>
             </a:fld>
             <a:endParaRPr lang="en-CA" dirty="0"/>
           </a:p>
@@ -781,12 +782,7 @@
             <p:ph type="sldImg"/>
           </p:nvPr>
         </p:nvSpPr>
-        <p:spPr>
-          <a:xfrm>
-            <a:off x="1143000" y="685800"/>
-            <a:ext cx="4572000" cy="3429000"/>
-          </a:xfrm>
-        </p:spPr>
+        <p:spPr/>
       </p:sp>
       <p:sp>
         <p:nvSpPr>
@@ -803,375 +799,50 @@
           <a:bodyPr/>
           <a:lstStyle/>
           <a:p>
-            <a:pPr marL="171428" indent="-171428" defTabSz="914281">
-              <a:buFontTx/>
-              <a:buChar char="-"/>
-              <a:defRPr/>
-            </a:pPr>
-            <a:r>
-              <a:rPr lang="nl-NL" dirty="0" smtClean="0"/>
-              <a:t>“Drive-</a:t>
-            </a:r>
-            <a:r>
-              <a:rPr lang="nl-NL" dirty="0" err="1" smtClean="0"/>
-              <a:t>by</a:t>
-            </a:r>
-            <a:r>
-              <a:rPr lang="nl-NL" dirty="0" smtClean="0"/>
-              <a:t>” or “bottom-up” </a:t>
-            </a:r>
-            <a:r>
-              <a:rPr lang="nl-NL" dirty="0" err="1" smtClean="0"/>
-              <a:t>operability</a:t>
-            </a:r>
-            <a:r>
-              <a:rPr lang="nl-NL" dirty="0" smtClean="0"/>
-              <a:t>: </a:t>
-            </a:r>
-            <a:r>
-              <a:rPr lang="nl-NL" baseline="0" dirty="0" smtClean="0"/>
-              <a:t>“</a:t>
-            </a:r>
-            <a:r>
-              <a:rPr lang="nl-NL" baseline="0" dirty="0" err="1" smtClean="0"/>
-              <a:t>Communicate</a:t>
-            </a:r>
-            <a:r>
-              <a:rPr lang="nl-NL" baseline="0" dirty="0" smtClean="0"/>
-              <a:t> first, </a:t>
-            </a:r>
-            <a:r>
-              <a:rPr lang="nl-NL" baseline="0" dirty="0" err="1" smtClean="0"/>
-              <a:t>standardize</a:t>
-            </a:r>
-            <a:r>
-              <a:rPr lang="nl-NL" baseline="0" dirty="0" smtClean="0"/>
-              <a:t> later”</a:t>
-            </a:r>
-            <a:endParaRPr lang="nl-NL" dirty="0" smtClean="0"/>
-          </a:p>
-          <a:p>
-            <a:pPr marL="171428" indent="-171428">
+            <a:pPr marL="171450" indent="-171450">
               <a:buFontTx/>
               <a:buChar char="-"/>
             </a:pPr>
             <a:r>
-              <a:rPr lang="nl-NL" dirty="0" smtClean="0"/>
-              <a:t>First, business partners. </a:t>
-            </a:r>
-            <a:r>
-              <a:rPr lang="nl-NL" dirty="0" err="1" smtClean="0"/>
-              <a:t>Then</a:t>
-            </a:r>
-            <a:r>
-              <a:rPr lang="nl-NL" dirty="0" smtClean="0"/>
-              <a:t>, </a:t>
-            </a:r>
-            <a:r>
-              <a:rPr lang="nl-NL" dirty="0" err="1" smtClean="0"/>
-              <a:t>collaborations</a:t>
-            </a:r>
-            <a:r>
-              <a:rPr lang="nl-NL" dirty="0" smtClean="0"/>
-              <a:t>, </a:t>
-            </a:r>
-            <a:r>
-              <a:rPr lang="nl-NL" dirty="0" err="1" smtClean="0"/>
-              <a:t>communities</a:t>
-            </a:r>
-            <a:r>
-              <a:rPr lang="nl-NL" dirty="0" smtClean="0"/>
-              <a:t>. </a:t>
-            </a:r>
-            <a:r>
-              <a:rPr lang="nl-NL" dirty="0" err="1" smtClean="0"/>
-              <a:t>Maybe</a:t>
-            </a:r>
-            <a:r>
-              <a:rPr lang="nl-NL" dirty="0" smtClean="0"/>
-              <a:t>, </a:t>
-            </a:r>
-            <a:r>
-              <a:rPr lang="nl-NL" dirty="0" err="1" smtClean="0"/>
-              <a:t>finally</a:t>
-            </a:r>
-            <a:r>
-              <a:rPr lang="nl-NL" dirty="0" smtClean="0"/>
-              <a:t>,</a:t>
-            </a:r>
-            <a:r>
-              <a:rPr lang="nl-NL" baseline="0" dirty="0" smtClean="0"/>
-              <a:t> </a:t>
-            </a:r>
-            <a:r>
-              <a:rPr lang="nl-NL" baseline="0" dirty="0" err="1" smtClean="0"/>
-              <a:t>nation-wide</a:t>
-            </a:r>
-            <a:endParaRPr lang="nl-NL" baseline="0" dirty="0" smtClean="0"/>
-          </a:p>
-          <a:p>
-            <a:pPr marL="171428" indent="-171428">
+              <a:rPr lang="en-US" dirty="0" smtClean="0"/>
+              <a:t>A</a:t>
+            </a:r>
+            <a:r>
+              <a:rPr lang="en-US" baseline="0" dirty="0" smtClean="0"/>
+              <a:t> server might defer validation to another server (because it doesn’t know the profile)</a:t>
+            </a:r>
+          </a:p>
+          <a:p>
+            <a:pPr marL="171450" indent="-171450">
               <a:buFontTx/>
               <a:buChar char="-"/>
             </a:pPr>
             <a:r>
-              <a:rPr lang="nl-NL" baseline="0" dirty="0" smtClean="0"/>
-              <a:t>It’s a </a:t>
-            </a:r>
-            <a:r>
-              <a:rPr lang="nl-NL" baseline="0" dirty="0" err="1" smtClean="0"/>
-              <a:t>natural</a:t>
-            </a:r>
-            <a:r>
-              <a:rPr lang="nl-NL" baseline="0" dirty="0" smtClean="0"/>
-              <a:t> </a:t>
-            </a:r>
-            <a:r>
-              <a:rPr lang="nl-NL" baseline="0" dirty="0" err="1" smtClean="0"/>
-              <a:t>process</a:t>
-            </a:r>
-            <a:r>
-              <a:rPr lang="nl-NL" baseline="0" dirty="0" smtClean="0"/>
-              <a:t> </a:t>
-            </a:r>
-            <a:r>
-              <a:rPr lang="nl-NL" baseline="0" dirty="0" err="1" smtClean="0"/>
-              <a:t>that</a:t>
-            </a:r>
-            <a:r>
-              <a:rPr lang="nl-NL" baseline="0" dirty="0" smtClean="0"/>
-              <a:t> </a:t>
-            </a:r>
-            <a:r>
-              <a:rPr lang="nl-NL" baseline="0" dirty="0" err="1" smtClean="0"/>
-              <a:t>people</a:t>
-            </a:r>
-            <a:r>
-              <a:rPr lang="nl-NL" baseline="0" dirty="0" smtClean="0"/>
-              <a:t> </a:t>
-            </a:r>
-            <a:r>
-              <a:rPr lang="nl-NL" baseline="0" dirty="0" err="1" smtClean="0"/>
-              <a:t>will</a:t>
-            </a:r>
-            <a:r>
-              <a:rPr lang="nl-NL" baseline="0" dirty="0" smtClean="0"/>
-              <a:t> want </a:t>
-            </a:r>
-            <a:r>
-              <a:rPr lang="nl-NL" baseline="0" dirty="0" err="1" smtClean="0"/>
-              <a:t>to</a:t>
-            </a:r>
-            <a:r>
-              <a:rPr lang="nl-NL" baseline="0" dirty="0" smtClean="0"/>
-              <a:t> make </a:t>
-            </a:r>
-            <a:r>
-              <a:rPr lang="nl-NL" baseline="0" dirty="0" err="1" smtClean="0"/>
-              <a:t>it</a:t>
-            </a:r>
-            <a:r>
-              <a:rPr lang="nl-NL" baseline="0" dirty="0" smtClean="0"/>
-              <a:t> </a:t>
-            </a:r>
-            <a:r>
-              <a:rPr lang="nl-NL" baseline="0" dirty="0" err="1" smtClean="0"/>
-              <a:t>work</a:t>
-            </a:r>
-            <a:r>
-              <a:rPr lang="nl-NL" baseline="0" dirty="0" smtClean="0"/>
-              <a:t> first, </a:t>
-            </a:r>
-            <a:r>
-              <a:rPr lang="nl-NL" baseline="0" dirty="0" err="1" smtClean="0"/>
-              <a:t>then</a:t>
-            </a:r>
-            <a:r>
-              <a:rPr lang="nl-NL" baseline="0" dirty="0" smtClean="0"/>
-              <a:t> </a:t>
-            </a:r>
-            <a:r>
-              <a:rPr lang="nl-NL" baseline="0" dirty="0" err="1" smtClean="0"/>
-              <a:t>only</a:t>
-            </a:r>
-            <a:r>
-              <a:rPr lang="nl-NL" baseline="0" dirty="0" smtClean="0"/>
-              <a:t> </a:t>
-            </a:r>
-            <a:r>
-              <a:rPr lang="nl-NL" baseline="0" dirty="0" err="1" smtClean="0"/>
-              <a:t>coordinate</a:t>
-            </a:r>
-            <a:r>
-              <a:rPr lang="nl-NL" baseline="0" dirty="0" smtClean="0"/>
-              <a:t> </a:t>
-            </a:r>
-            <a:r>
-              <a:rPr lang="nl-NL" baseline="0" dirty="0" err="1" smtClean="0"/>
-              <a:t>what</a:t>
-            </a:r>
-            <a:r>
-              <a:rPr lang="nl-NL" baseline="0" dirty="0" smtClean="0"/>
-              <a:t> </a:t>
-            </a:r>
-            <a:r>
-              <a:rPr lang="nl-NL" baseline="0" dirty="0" err="1" smtClean="0"/>
-              <a:t>they</a:t>
-            </a:r>
-            <a:r>
-              <a:rPr lang="nl-NL" baseline="0" dirty="0" smtClean="0"/>
-              <a:t> </a:t>
-            </a:r>
-            <a:r>
-              <a:rPr lang="nl-NL" baseline="0" dirty="0" err="1" smtClean="0"/>
-              <a:t>really</a:t>
-            </a:r>
-            <a:r>
-              <a:rPr lang="nl-NL" baseline="0" dirty="0" smtClean="0"/>
-              <a:t> </a:t>
-            </a:r>
-            <a:r>
-              <a:rPr lang="nl-NL" baseline="0" dirty="0" err="1" smtClean="0"/>
-              <a:t>need</a:t>
-            </a:r>
-            <a:r>
-              <a:rPr lang="nl-NL" baseline="0" dirty="0" smtClean="0"/>
-              <a:t> </a:t>
-            </a:r>
-            <a:r>
-              <a:rPr lang="nl-NL" baseline="0" dirty="0" err="1" smtClean="0"/>
-              <a:t>to</a:t>
-            </a:r>
-            <a:r>
-              <a:rPr lang="nl-NL" baseline="0" dirty="0" smtClean="0"/>
-              <a:t>, </a:t>
-            </a:r>
-            <a:r>
-              <a:rPr lang="nl-NL" baseline="0" dirty="0" err="1" smtClean="0"/>
-              <a:t>and</a:t>
-            </a:r>
-            <a:r>
-              <a:rPr lang="nl-NL" baseline="0" dirty="0" smtClean="0"/>
-              <a:t> </a:t>
-            </a:r>
-            <a:r>
-              <a:rPr lang="nl-NL" baseline="0" dirty="0" err="1" smtClean="0"/>
-              <a:t>then</a:t>
-            </a:r>
-            <a:r>
-              <a:rPr lang="nl-NL" baseline="0" dirty="0" smtClean="0"/>
-              <a:t> </a:t>
-            </a:r>
-            <a:r>
-              <a:rPr lang="nl-NL" baseline="0" dirty="0" err="1" smtClean="0"/>
-              <a:t>realize</a:t>
-            </a:r>
-            <a:r>
-              <a:rPr lang="nl-NL" baseline="0" dirty="0" smtClean="0"/>
-              <a:t> </a:t>
-            </a:r>
-            <a:r>
-              <a:rPr lang="nl-NL" baseline="0" dirty="0" err="1" smtClean="0"/>
-              <a:t>they</a:t>
-            </a:r>
-            <a:r>
-              <a:rPr lang="nl-NL" baseline="0" dirty="0" smtClean="0"/>
-              <a:t> </a:t>
-            </a:r>
-            <a:r>
-              <a:rPr lang="nl-NL" baseline="0" dirty="0" err="1" smtClean="0"/>
-              <a:t>can</a:t>
-            </a:r>
-            <a:r>
-              <a:rPr lang="nl-NL" baseline="0" dirty="0" smtClean="0"/>
-              <a:t> </a:t>
-            </a:r>
-            <a:r>
-              <a:rPr lang="nl-NL" baseline="0" dirty="0" err="1" smtClean="0"/>
-              <a:t>broaden</a:t>
-            </a:r>
-            <a:r>
-              <a:rPr lang="nl-NL" baseline="0" dirty="0" smtClean="0"/>
-              <a:t> </a:t>
-            </a:r>
-            <a:r>
-              <a:rPr lang="nl-NL" baseline="0" dirty="0" err="1" smtClean="0"/>
-              <a:t>their</a:t>
-            </a:r>
-            <a:r>
-              <a:rPr lang="nl-NL" baseline="0" dirty="0" smtClean="0"/>
-              <a:t> approach </a:t>
-            </a:r>
-            <a:r>
-              <a:rPr lang="nl-NL" baseline="0" dirty="0" err="1" smtClean="0"/>
-              <a:t>to</a:t>
-            </a:r>
-            <a:r>
-              <a:rPr lang="nl-NL" baseline="0" dirty="0" smtClean="0"/>
-              <a:t> a community.</a:t>
-            </a:r>
-          </a:p>
-          <a:p>
-            <a:pPr marL="171428" indent="-171428">
+              <a:rPr lang="en-US" baseline="0" dirty="0" smtClean="0"/>
+              <a:t>A server may fetch the “unknown” profile and validate it itself</a:t>
+            </a:r>
+          </a:p>
+          <a:p>
+            <a:pPr marL="171450" indent="-171450">
               <a:buFontTx/>
               <a:buChar char="-"/>
             </a:pPr>
             <a:r>
-              <a:rPr lang="nl-NL" baseline="0" dirty="0" smtClean="0"/>
-              <a:t>“Support”, of course top-down </a:t>
-            </a:r>
-            <a:r>
-              <a:rPr lang="nl-NL" baseline="0" dirty="0" err="1" smtClean="0"/>
-              <a:t>should</a:t>
-            </a:r>
-            <a:r>
-              <a:rPr lang="nl-NL" baseline="0" dirty="0" smtClean="0"/>
-              <a:t> </a:t>
-            </a:r>
-            <a:r>
-              <a:rPr lang="nl-NL" baseline="0" dirty="0" err="1" smtClean="0"/>
-              <a:t>still</a:t>
-            </a:r>
-            <a:r>
-              <a:rPr lang="nl-NL" baseline="0" dirty="0" smtClean="0"/>
-              <a:t> </a:t>
-            </a:r>
-            <a:r>
-              <a:rPr lang="nl-NL" baseline="0" dirty="0" err="1" smtClean="0"/>
-              <a:t>be</a:t>
-            </a:r>
-            <a:r>
-              <a:rPr lang="nl-NL" baseline="0" dirty="0" smtClean="0"/>
-              <a:t> </a:t>
-            </a:r>
-            <a:r>
-              <a:rPr lang="nl-NL" baseline="0" dirty="0" err="1" smtClean="0"/>
-              <a:t>possible</a:t>
-            </a:r>
-            <a:r>
-              <a:rPr lang="nl-NL" baseline="0" dirty="0" smtClean="0"/>
-              <a:t>! </a:t>
-            </a:r>
-            <a:r>
-              <a:rPr lang="nl-NL" baseline="0" dirty="0" err="1" smtClean="0"/>
-              <a:t>Maybe</a:t>
-            </a:r>
-            <a:r>
-              <a:rPr lang="nl-NL" baseline="0" dirty="0" smtClean="0"/>
-              <a:t> even a combi in the long-term</a:t>
-            </a:r>
-            <a:endParaRPr lang="nl-NL" dirty="0" smtClean="0"/>
-          </a:p>
-        </p:txBody>
-      </p:sp>
-      <p:sp>
-        <p:nvSpPr>
-          <p:cNvPr id="4" name="Date Placeholder 3"/>
+              <a:rPr lang="en-US" baseline="0" dirty="0" smtClean="0"/>
+              <a:t>There may be several servers sharing the work</a:t>
+            </a:r>
+            <a:endParaRPr lang="nl-NL" dirty="0"/>
+          </a:p>
+        </p:txBody>
+      </p:sp>
+      <p:sp>
+        <p:nvSpPr>
+          <p:cNvPr id="4" name="Slide Number Placeholder 3"/>
           <p:cNvSpPr>
             <a:spLocks noGrp="1"/>
           </p:cNvSpPr>
           <p:nvPr>
-            <p:ph type="dt" idx="10"/>
+            <p:ph type="sldNum" sz="quarter" idx="10"/>
           </p:nvPr>
         </p:nvSpPr>
         <p:spPr/>
@@ -1179,81 +850,18 @@
           <a:bodyPr/>
           <a:lstStyle/>
           <a:p>
-            <a:r>
-              <a:rPr lang="nl-NL" smtClean="0">
-                <a:solidFill>
-                  <a:prstClr val="black"/>
-                </a:solidFill>
-              </a:rPr>
-              <a:t>25-6-2010</a:t>
-            </a:r>
-            <a:endParaRPr lang="nl-NL">
-              <a:solidFill>
-                <a:prstClr val="black"/>
-              </a:solidFill>
-            </a:endParaRPr>
-          </a:p>
-        </p:txBody>
-      </p:sp>
-      <p:sp>
-        <p:nvSpPr>
-          <p:cNvPr id="5" name="Footer Placeholder 4"/>
-          <p:cNvSpPr>
-            <a:spLocks noGrp="1"/>
-          </p:cNvSpPr>
-          <p:nvPr>
-            <p:ph type="ftr" sz="quarter" idx="11"/>
-          </p:nvPr>
-        </p:nvSpPr>
-        <p:spPr/>
-        <p:txBody>
-          <a:bodyPr/>
-          <a:lstStyle/>
-          <a:p>
-            <a:endParaRPr lang="nl-NL">
-              <a:solidFill>
-                <a:prstClr val="black"/>
-              </a:solidFill>
-            </a:endParaRPr>
-          </a:p>
-        </p:txBody>
-      </p:sp>
-      <p:sp>
-        <p:nvSpPr>
-          <p:cNvPr id="6" name="Slide Number Placeholder 5"/>
-          <p:cNvSpPr>
-            <a:spLocks noGrp="1"/>
-          </p:cNvSpPr>
-          <p:nvPr>
-            <p:ph type="sldNum" sz="quarter" idx="12"/>
-          </p:nvPr>
-        </p:nvSpPr>
-        <p:spPr/>
-        <p:txBody>
-          <a:bodyPr/>
-          <a:lstStyle/>
-          <a:p>
-            <a:fld id="{016844DE-39AC-45D5-92A8-262EC95D3BAB}" type="slidenum">
-              <a:rPr lang="nl-NL" smtClean="0">
-                <a:solidFill>
-                  <a:prstClr val="black"/>
-                </a:solidFill>
-              </a:rPr>
-              <a:pPr/>
-              <a:t>8</a:t>
+            <a:fld id="{3A1F50BE-48AE-4332-BF46-C112AB8C5E91}" type="slidenum">
+              <a:rPr lang="en-CA" smtClean="0"/>
+              <a:t>10</a:t>
             </a:fld>
-            <a:endParaRPr lang="nl-NL">
-              <a:solidFill>
-                <a:prstClr val="black"/>
-              </a:solidFill>
-            </a:endParaRPr>
+            <a:endParaRPr lang="en-CA" dirty="0"/>
           </a:p>
         </p:txBody>
       </p:sp>
     </p:spTree>
     <p:extLst>
       <p:ext uri="{BB962C8B-B14F-4D97-AF65-F5344CB8AC3E}">
-        <p14:creationId xmlns:p14="http://schemas.microsoft.com/office/powerpoint/2010/main" val="471287451"/>
+        <p14:creationId xmlns:p14="http://schemas.microsoft.com/office/powerpoint/2010/main" val="1748329785"/>
       </p:ext>
     </p:extLst>
   </p:cSld>
@@ -1290,7 +898,12 @@
             <p:ph type="sldImg"/>
           </p:nvPr>
         </p:nvSpPr>
-        <p:spPr/>
+        <p:spPr>
+          <a:xfrm>
+            <a:off x="1143000" y="685800"/>
+            <a:ext cx="4572000" cy="3429000"/>
+          </a:xfrm>
+        </p:spPr>
       </p:sp>
       <p:sp>
         <p:nvSpPr>
@@ -1307,50 +920,375 @@
           <a:bodyPr/>
           <a:lstStyle/>
           <a:p>
-            <a:pPr marL="171450" indent="-171450">
+            <a:pPr marL="171428" indent="-171428" defTabSz="914281">
+              <a:buFontTx/>
+              <a:buChar char="-"/>
+              <a:defRPr/>
+            </a:pPr>
+            <a:r>
+              <a:rPr lang="nl-NL" dirty="0" smtClean="0"/>
+              <a:t>“Drive-</a:t>
+            </a:r>
+            <a:r>
+              <a:rPr lang="nl-NL" dirty="0" err="1" smtClean="0"/>
+              <a:t>by</a:t>
+            </a:r>
+            <a:r>
+              <a:rPr lang="nl-NL" dirty="0" smtClean="0"/>
+              <a:t>” or “bottom-up” </a:t>
+            </a:r>
+            <a:r>
+              <a:rPr lang="nl-NL" dirty="0" err="1" smtClean="0"/>
+              <a:t>operability</a:t>
+            </a:r>
+            <a:r>
+              <a:rPr lang="nl-NL" dirty="0" smtClean="0"/>
+              <a:t>: </a:t>
+            </a:r>
+            <a:r>
+              <a:rPr lang="nl-NL" baseline="0" dirty="0" smtClean="0"/>
+              <a:t>“</a:t>
+            </a:r>
+            <a:r>
+              <a:rPr lang="nl-NL" baseline="0" dirty="0" err="1" smtClean="0"/>
+              <a:t>Communicate</a:t>
+            </a:r>
+            <a:r>
+              <a:rPr lang="nl-NL" baseline="0" dirty="0" smtClean="0"/>
+              <a:t> first, </a:t>
+            </a:r>
+            <a:r>
+              <a:rPr lang="nl-NL" baseline="0" dirty="0" err="1" smtClean="0"/>
+              <a:t>standardize</a:t>
+            </a:r>
+            <a:r>
+              <a:rPr lang="nl-NL" baseline="0" dirty="0" smtClean="0"/>
+              <a:t> later”</a:t>
+            </a:r>
+            <a:endParaRPr lang="nl-NL" dirty="0" smtClean="0"/>
+          </a:p>
+          <a:p>
+            <a:pPr marL="171428" indent="-171428">
               <a:buFontTx/>
               <a:buChar char="-"/>
             </a:pPr>
             <a:r>
-              <a:rPr lang="en-US" dirty="0" smtClean="0"/>
-              <a:t>A</a:t>
-            </a:r>
-            <a:r>
-              <a:rPr lang="en-US" baseline="0" dirty="0" smtClean="0"/>
-              <a:t> server might defer validation to another server (because it doesn’t know the profile)</a:t>
-            </a:r>
-          </a:p>
-          <a:p>
-            <a:pPr marL="171450" indent="-171450">
+              <a:rPr lang="nl-NL" dirty="0" smtClean="0"/>
+              <a:t>First, business partners. </a:t>
+            </a:r>
+            <a:r>
+              <a:rPr lang="nl-NL" dirty="0" err="1" smtClean="0"/>
+              <a:t>Then</a:t>
+            </a:r>
+            <a:r>
+              <a:rPr lang="nl-NL" dirty="0" smtClean="0"/>
+              <a:t>, </a:t>
+            </a:r>
+            <a:r>
+              <a:rPr lang="nl-NL" dirty="0" err="1" smtClean="0"/>
+              <a:t>collaborations</a:t>
+            </a:r>
+            <a:r>
+              <a:rPr lang="nl-NL" dirty="0" smtClean="0"/>
+              <a:t>, </a:t>
+            </a:r>
+            <a:r>
+              <a:rPr lang="nl-NL" dirty="0" err="1" smtClean="0"/>
+              <a:t>communities</a:t>
+            </a:r>
+            <a:r>
+              <a:rPr lang="nl-NL" dirty="0" smtClean="0"/>
+              <a:t>. </a:t>
+            </a:r>
+            <a:r>
+              <a:rPr lang="nl-NL" dirty="0" err="1" smtClean="0"/>
+              <a:t>Maybe</a:t>
+            </a:r>
+            <a:r>
+              <a:rPr lang="nl-NL" dirty="0" smtClean="0"/>
+              <a:t>, </a:t>
+            </a:r>
+            <a:r>
+              <a:rPr lang="nl-NL" dirty="0" err="1" smtClean="0"/>
+              <a:t>finally</a:t>
+            </a:r>
+            <a:r>
+              <a:rPr lang="nl-NL" dirty="0" smtClean="0"/>
+              <a:t>,</a:t>
+            </a:r>
+            <a:r>
+              <a:rPr lang="nl-NL" baseline="0" dirty="0" smtClean="0"/>
+              <a:t> </a:t>
+            </a:r>
+            <a:r>
+              <a:rPr lang="nl-NL" baseline="0" dirty="0" err="1" smtClean="0"/>
+              <a:t>nation-wide</a:t>
+            </a:r>
+            <a:endParaRPr lang="nl-NL" baseline="0" dirty="0" smtClean="0"/>
+          </a:p>
+          <a:p>
+            <a:pPr marL="171428" indent="-171428">
               <a:buFontTx/>
               <a:buChar char="-"/>
             </a:pPr>
             <a:r>
-              <a:rPr lang="en-US" baseline="0" dirty="0" smtClean="0"/>
-              <a:t>A server may fetch the “unknown” profile and validate it itself</a:t>
-            </a:r>
-          </a:p>
-          <a:p>
-            <a:pPr marL="171450" indent="-171450">
+              <a:rPr lang="nl-NL" baseline="0" dirty="0" smtClean="0"/>
+              <a:t>It’s a </a:t>
+            </a:r>
+            <a:r>
+              <a:rPr lang="nl-NL" baseline="0" dirty="0" err="1" smtClean="0"/>
+              <a:t>natural</a:t>
+            </a:r>
+            <a:r>
+              <a:rPr lang="nl-NL" baseline="0" dirty="0" smtClean="0"/>
+              <a:t> </a:t>
+            </a:r>
+            <a:r>
+              <a:rPr lang="nl-NL" baseline="0" dirty="0" err="1" smtClean="0"/>
+              <a:t>process</a:t>
+            </a:r>
+            <a:r>
+              <a:rPr lang="nl-NL" baseline="0" dirty="0" smtClean="0"/>
+              <a:t> </a:t>
+            </a:r>
+            <a:r>
+              <a:rPr lang="nl-NL" baseline="0" dirty="0" err="1" smtClean="0"/>
+              <a:t>that</a:t>
+            </a:r>
+            <a:r>
+              <a:rPr lang="nl-NL" baseline="0" dirty="0" smtClean="0"/>
+              <a:t> </a:t>
+            </a:r>
+            <a:r>
+              <a:rPr lang="nl-NL" baseline="0" dirty="0" err="1" smtClean="0"/>
+              <a:t>people</a:t>
+            </a:r>
+            <a:r>
+              <a:rPr lang="nl-NL" baseline="0" dirty="0" smtClean="0"/>
+              <a:t> </a:t>
+            </a:r>
+            <a:r>
+              <a:rPr lang="nl-NL" baseline="0" dirty="0" err="1" smtClean="0"/>
+              <a:t>will</a:t>
+            </a:r>
+            <a:r>
+              <a:rPr lang="nl-NL" baseline="0" dirty="0" smtClean="0"/>
+              <a:t> want </a:t>
+            </a:r>
+            <a:r>
+              <a:rPr lang="nl-NL" baseline="0" dirty="0" err="1" smtClean="0"/>
+              <a:t>to</a:t>
+            </a:r>
+            <a:r>
+              <a:rPr lang="nl-NL" baseline="0" dirty="0" smtClean="0"/>
+              <a:t> make </a:t>
+            </a:r>
+            <a:r>
+              <a:rPr lang="nl-NL" baseline="0" dirty="0" err="1" smtClean="0"/>
+              <a:t>it</a:t>
+            </a:r>
+            <a:r>
+              <a:rPr lang="nl-NL" baseline="0" dirty="0" smtClean="0"/>
+              <a:t> </a:t>
+            </a:r>
+            <a:r>
+              <a:rPr lang="nl-NL" baseline="0" dirty="0" err="1" smtClean="0"/>
+              <a:t>work</a:t>
+            </a:r>
+            <a:r>
+              <a:rPr lang="nl-NL" baseline="0" dirty="0" smtClean="0"/>
+              <a:t> first, </a:t>
+            </a:r>
+            <a:r>
+              <a:rPr lang="nl-NL" baseline="0" dirty="0" err="1" smtClean="0"/>
+              <a:t>then</a:t>
+            </a:r>
+            <a:r>
+              <a:rPr lang="nl-NL" baseline="0" dirty="0" smtClean="0"/>
+              <a:t> </a:t>
+            </a:r>
+            <a:r>
+              <a:rPr lang="nl-NL" baseline="0" dirty="0" err="1" smtClean="0"/>
+              <a:t>only</a:t>
+            </a:r>
+            <a:r>
+              <a:rPr lang="nl-NL" baseline="0" dirty="0" smtClean="0"/>
+              <a:t> </a:t>
+            </a:r>
+            <a:r>
+              <a:rPr lang="nl-NL" baseline="0" dirty="0" err="1" smtClean="0"/>
+              <a:t>coordinate</a:t>
+            </a:r>
+            <a:r>
+              <a:rPr lang="nl-NL" baseline="0" dirty="0" smtClean="0"/>
+              <a:t> </a:t>
+            </a:r>
+            <a:r>
+              <a:rPr lang="nl-NL" baseline="0" dirty="0" err="1" smtClean="0"/>
+              <a:t>what</a:t>
+            </a:r>
+            <a:r>
+              <a:rPr lang="nl-NL" baseline="0" dirty="0" smtClean="0"/>
+              <a:t> </a:t>
+            </a:r>
+            <a:r>
+              <a:rPr lang="nl-NL" baseline="0" dirty="0" err="1" smtClean="0"/>
+              <a:t>they</a:t>
+            </a:r>
+            <a:r>
+              <a:rPr lang="nl-NL" baseline="0" dirty="0" smtClean="0"/>
+              <a:t> </a:t>
+            </a:r>
+            <a:r>
+              <a:rPr lang="nl-NL" baseline="0" dirty="0" err="1" smtClean="0"/>
+              <a:t>really</a:t>
+            </a:r>
+            <a:r>
+              <a:rPr lang="nl-NL" baseline="0" dirty="0" smtClean="0"/>
+              <a:t> </a:t>
+            </a:r>
+            <a:r>
+              <a:rPr lang="nl-NL" baseline="0" dirty="0" err="1" smtClean="0"/>
+              <a:t>need</a:t>
+            </a:r>
+            <a:r>
+              <a:rPr lang="nl-NL" baseline="0" dirty="0" smtClean="0"/>
+              <a:t> </a:t>
+            </a:r>
+            <a:r>
+              <a:rPr lang="nl-NL" baseline="0" dirty="0" err="1" smtClean="0"/>
+              <a:t>to</a:t>
+            </a:r>
+            <a:r>
+              <a:rPr lang="nl-NL" baseline="0" dirty="0" smtClean="0"/>
+              <a:t>, </a:t>
+            </a:r>
+            <a:r>
+              <a:rPr lang="nl-NL" baseline="0" dirty="0" err="1" smtClean="0"/>
+              <a:t>and</a:t>
+            </a:r>
+            <a:r>
+              <a:rPr lang="nl-NL" baseline="0" dirty="0" smtClean="0"/>
+              <a:t> </a:t>
+            </a:r>
+            <a:r>
+              <a:rPr lang="nl-NL" baseline="0" dirty="0" err="1" smtClean="0"/>
+              <a:t>then</a:t>
+            </a:r>
+            <a:r>
+              <a:rPr lang="nl-NL" baseline="0" dirty="0" smtClean="0"/>
+              <a:t> </a:t>
+            </a:r>
+            <a:r>
+              <a:rPr lang="nl-NL" baseline="0" dirty="0" err="1" smtClean="0"/>
+              <a:t>realize</a:t>
+            </a:r>
+            <a:r>
+              <a:rPr lang="nl-NL" baseline="0" dirty="0" smtClean="0"/>
+              <a:t> </a:t>
+            </a:r>
+            <a:r>
+              <a:rPr lang="nl-NL" baseline="0" dirty="0" err="1" smtClean="0"/>
+              <a:t>they</a:t>
+            </a:r>
+            <a:r>
+              <a:rPr lang="nl-NL" baseline="0" dirty="0" smtClean="0"/>
+              <a:t> </a:t>
+            </a:r>
+            <a:r>
+              <a:rPr lang="nl-NL" baseline="0" dirty="0" err="1" smtClean="0"/>
+              <a:t>can</a:t>
+            </a:r>
+            <a:r>
+              <a:rPr lang="nl-NL" baseline="0" dirty="0" smtClean="0"/>
+              <a:t> </a:t>
+            </a:r>
+            <a:r>
+              <a:rPr lang="nl-NL" baseline="0" dirty="0" err="1" smtClean="0"/>
+              <a:t>broaden</a:t>
+            </a:r>
+            <a:r>
+              <a:rPr lang="nl-NL" baseline="0" dirty="0" smtClean="0"/>
+              <a:t> </a:t>
+            </a:r>
+            <a:r>
+              <a:rPr lang="nl-NL" baseline="0" dirty="0" err="1" smtClean="0"/>
+              <a:t>their</a:t>
+            </a:r>
+            <a:r>
+              <a:rPr lang="nl-NL" baseline="0" dirty="0" smtClean="0"/>
+              <a:t> approach </a:t>
+            </a:r>
+            <a:r>
+              <a:rPr lang="nl-NL" baseline="0" dirty="0" err="1" smtClean="0"/>
+              <a:t>to</a:t>
+            </a:r>
+            <a:r>
+              <a:rPr lang="nl-NL" baseline="0" dirty="0" smtClean="0"/>
+              <a:t> a community.</a:t>
+            </a:r>
+          </a:p>
+          <a:p>
+            <a:pPr marL="171428" indent="-171428">
               <a:buFontTx/>
               <a:buChar char="-"/>
             </a:pPr>
             <a:r>
-              <a:rPr lang="en-US" baseline="0" dirty="0" smtClean="0"/>
-              <a:t>There may be several servers sharing the work</a:t>
-            </a:r>
-            <a:endParaRPr lang="nl-NL" dirty="0"/>
-          </a:p>
-        </p:txBody>
-      </p:sp>
-      <p:sp>
-        <p:nvSpPr>
-          <p:cNvPr id="4" name="Slide Number Placeholder 3"/>
+              <a:rPr lang="nl-NL" baseline="0" dirty="0" smtClean="0"/>
+              <a:t>“Support”, of course top-down </a:t>
+            </a:r>
+            <a:r>
+              <a:rPr lang="nl-NL" baseline="0" dirty="0" err="1" smtClean="0"/>
+              <a:t>should</a:t>
+            </a:r>
+            <a:r>
+              <a:rPr lang="nl-NL" baseline="0" dirty="0" smtClean="0"/>
+              <a:t> </a:t>
+            </a:r>
+            <a:r>
+              <a:rPr lang="nl-NL" baseline="0" dirty="0" err="1" smtClean="0"/>
+              <a:t>still</a:t>
+            </a:r>
+            <a:r>
+              <a:rPr lang="nl-NL" baseline="0" dirty="0" smtClean="0"/>
+              <a:t> </a:t>
+            </a:r>
+            <a:r>
+              <a:rPr lang="nl-NL" baseline="0" dirty="0" err="1" smtClean="0"/>
+              <a:t>be</a:t>
+            </a:r>
+            <a:r>
+              <a:rPr lang="nl-NL" baseline="0" dirty="0" smtClean="0"/>
+              <a:t> </a:t>
+            </a:r>
+            <a:r>
+              <a:rPr lang="nl-NL" baseline="0" dirty="0" err="1" smtClean="0"/>
+              <a:t>possible</a:t>
+            </a:r>
+            <a:r>
+              <a:rPr lang="nl-NL" baseline="0" dirty="0" smtClean="0"/>
+              <a:t>! </a:t>
+            </a:r>
+            <a:r>
+              <a:rPr lang="nl-NL" baseline="0" dirty="0" err="1" smtClean="0"/>
+              <a:t>Maybe</a:t>
+            </a:r>
+            <a:r>
+              <a:rPr lang="nl-NL" baseline="0" dirty="0" smtClean="0"/>
+              <a:t> even a combi in the long-term</a:t>
+            </a:r>
+            <a:endParaRPr lang="nl-NL" dirty="0" smtClean="0"/>
+          </a:p>
+        </p:txBody>
+      </p:sp>
+      <p:sp>
+        <p:nvSpPr>
+          <p:cNvPr id="4" name="Date Placeholder 3"/>
           <p:cNvSpPr>
             <a:spLocks noGrp="1"/>
           </p:cNvSpPr>
           <p:nvPr>
-            <p:ph type="sldNum" sz="quarter" idx="10"/>
+            <p:ph type="dt" idx="10"/>
           </p:nvPr>
         </p:nvSpPr>
         <p:spPr/>
@@ -1358,18 +1296,81 @@
           <a:bodyPr/>
           <a:lstStyle/>
           <a:p>
-            <a:fld id="{3A1F50BE-48AE-4332-BF46-C112AB8C5E91}" type="slidenum">
-              <a:rPr lang="en-CA" smtClean="0"/>
+            <a:r>
+              <a:rPr lang="nl-NL" smtClean="0">
+                <a:solidFill>
+                  <a:prstClr val="black"/>
+                </a:solidFill>
+              </a:rPr>
+              <a:t>25-6-2010</a:t>
+            </a:r>
+            <a:endParaRPr lang="nl-NL">
+              <a:solidFill>
+                <a:prstClr val="black"/>
+              </a:solidFill>
+            </a:endParaRPr>
+          </a:p>
+        </p:txBody>
+      </p:sp>
+      <p:sp>
+        <p:nvSpPr>
+          <p:cNvPr id="5" name="Footer Placeholder 4"/>
+          <p:cNvSpPr>
+            <a:spLocks noGrp="1"/>
+          </p:cNvSpPr>
+          <p:nvPr>
+            <p:ph type="ftr" sz="quarter" idx="11"/>
+          </p:nvPr>
+        </p:nvSpPr>
+        <p:spPr/>
+        <p:txBody>
+          <a:bodyPr/>
+          <a:lstStyle/>
+          <a:p>
+            <a:endParaRPr lang="nl-NL">
+              <a:solidFill>
+                <a:prstClr val="black"/>
+              </a:solidFill>
+            </a:endParaRPr>
+          </a:p>
+        </p:txBody>
+      </p:sp>
+      <p:sp>
+        <p:nvSpPr>
+          <p:cNvPr id="6" name="Slide Number Placeholder 5"/>
+          <p:cNvSpPr>
+            <a:spLocks noGrp="1"/>
+          </p:cNvSpPr>
+          <p:nvPr>
+            <p:ph type="sldNum" sz="quarter" idx="12"/>
+          </p:nvPr>
+        </p:nvSpPr>
+        <p:spPr/>
+        <p:txBody>
+          <a:bodyPr/>
+          <a:lstStyle/>
+          <a:p>
+            <a:fld id="{016844DE-39AC-45D5-92A8-262EC95D3BAB}" type="slidenum">
+              <a:rPr lang="nl-NL" smtClean="0">
+                <a:solidFill>
+                  <a:prstClr val="black"/>
+                </a:solidFill>
+              </a:rPr>
+              <a:pPr/>
               <a:t>11</a:t>
             </a:fld>
-            <a:endParaRPr lang="en-CA" dirty="0"/>
+            <a:endParaRPr lang="nl-NL">
+              <a:solidFill>
+                <a:prstClr val="black"/>
+              </a:solidFill>
+            </a:endParaRPr>
           </a:p>
         </p:txBody>
       </p:sp>
     </p:spTree>
     <p:extLst>
       <p:ext uri="{BB962C8B-B14F-4D97-AF65-F5344CB8AC3E}">
-        <p14:creationId xmlns:p14="http://schemas.microsoft.com/office/powerpoint/2010/main" val="1748329785"/>
+        <p14:creationId xmlns:p14="http://schemas.microsoft.com/office/powerpoint/2010/main" val="471287451"/>
       </p:ext>
     </p:extLst>
   </p:cSld>
@@ -4481,11 +4482,15 @@
           <a:p>
             <a:r>
               <a:rPr lang="en-AU" dirty="0" err="1" smtClean="0"/>
-              <a:t>januari</a:t>
+              <a:t>january</a:t>
             </a:r>
             <a:r>
               <a:rPr lang="en-AU" dirty="0" smtClean="0"/>
-              <a:t> 2014</a:t>
+              <a:t> </a:t>
+            </a:r>
+            <a:r>
+              <a:rPr lang="en-AU" dirty="0" smtClean="0"/>
+              <a:t>2014</a:t>
             </a:r>
             <a:endParaRPr lang="en-AU" dirty="0"/>
           </a:p>
@@ -4545,631 +4550,6 @@
           <a:p>
             <a:r>
               <a:rPr lang="en-US" dirty="0" smtClean="0"/>
-              <a:t>Tagging a Resource</a:t>
-            </a:r>
-            <a:endParaRPr lang="nl-NL" dirty="0"/>
-          </a:p>
-        </p:txBody>
-      </p:sp>
-      <p:sp>
-        <p:nvSpPr>
-          <p:cNvPr id="5" name="Rectangle 4"/>
-          <p:cNvSpPr/>
-          <p:nvPr/>
-        </p:nvSpPr>
-        <p:spPr bwMode="auto">
-          <a:xfrm>
-            <a:off x="1043608" y="1844824"/>
-            <a:ext cx="2448272" cy="3672408"/>
-          </a:xfrm>
-          <a:prstGeom prst="rect">
-            <a:avLst/>
-          </a:prstGeom>
-          <a:solidFill>
-            <a:schemeClr val="accent1">
-              <a:lumMod val="40000"/>
-              <a:lumOff val="60000"/>
-            </a:schemeClr>
-          </a:solidFill>
-          <a:ln w="9525" cap="flat" cmpd="sng" algn="ctr">
-            <a:solidFill>
-              <a:schemeClr val="tx1"/>
-            </a:solidFill>
-            <a:prstDash val="solid"/>
-            <a:round/>
-            <a:headEnd type="none" w="med" len="med"/>
-            <a:tailEnd type="none" w="med" len="med"/>
-          </a:ln>
-          <a:effectLst/>
-          <a:extLst/>
-        </p:spPr>
-        <p:txBody>
-          <a:bodyPr vert="horz" wrap="square" lIns="91440" tIns="45720" rIns="91440" bIns="45720" numCol="1" rtlCol="0" anchor="t" anchorCtr="0" compatLnSpc="1">
-            <a:prstTxWarp prst="textNoShape">
-              <a:avLst/>
-            </a:prstTxWarp>
-          </a:bodyPr>
-          <a:lstStyle/>
-          <a:p>
-            <a:pPr marL="0" marR="0" indent="0" algn="l" defTabSz="914400" rtl="0" eaLnBrk="0" fontAlgn="base" latinLnBrk="0" hangingPunct="0">
-              <a:lnSpc>
-                <a:spcPct val="100000"/>
-              </a:lnSpc>
-              <a:spcBef>
-                <a:spcPct val="0"/>
-              </a:spcBef>
-              <a:spcAft>
-                <a:spcPct val="0"/>
-              </a:spcAft>
-              <a:buClrTx/>
-              <a:buSzTx/>
-              <a:buFontTx/>
-              <a:buNone/>
-              <a:tabLst/>
-            </a:pPr>
-            <a:r>
-              <a:rPr kumimoji="0" lang="en-US" sz="1800" b="1" i="0" u="none" strike="noStrike" cap="none" normalizeH="0" baseline="0" dirty="0" smtClean="0">
-                <a:ln>
-                  <a:noFill/>
-                </a:ln>
-                <a:solidFill>
-                  <a:schemeClr val="tx1"/>
-                </a:solidFill>
-                <a:effectLst/>
-                <a:latin typeface="Arial" charset="0"/>
-              </a:rPr>
-              <a:t>Patient</a:t>
-            </a:r>
-          </a:p>
-          <a:p>
-            <a:pPr marL="0" marR="0" indent="0" algn="l" defTabSz="914400" rtl="0" eaLnBrk="0" fontAlgn="base" latinLnBrk="0" hangingPunct="0">
-              <a:lnSpc>
-                <a:spcPct val="100000"/>
-              </a:lnSpc>
-              <a:spcBef>
-                <a:spcPct val="0"/>
-              </a:spcBef>
-              <a:spcAft>
-                <a:spcPct val="0"/>
-              </a:spcAft>
-              <a:buClrTx/>
-              <a:buSzTx/>
-              <a:buFontTx/>
-              <a:buNone/>
-              <a:tabLst/>
-            </a:pPr>
-            <a:endParaRPr lang="en-US" b="1" dirty="0" smtClean="0">
-              <a:latin typeface="Arial" charset="0"/>
-            </a:endParaRPr>
-          </a:p>
-          <a:p>
-            <a:pPr marL="0" marR="0" indent="0" algn="l" defTabSz="914400" rtl="0" eaLnBrk="0" fontAlgn="base" latinLnBrk="0" hangingPunct="0">
-              <a:lnSpc>
-                <a:spcPct val="100000"/>
-              </a:lnSpc>
-              <a:spcBef>
-                <a:spcPct val="0"/>
-              </a:spcBef>
-              <a:spcAft>
-                <a:spcPct val="0"/>
-              </a:spcAft>
-              <a:buClrTx/>
-              <a:buSzTx/>
-              <a:buFontTx/>
-              <a:buNone/>
-              <a:tabLst/>
-            </a:pPr>
-            <a:r>
-              <a:rPr lang="en-US" sz="1400" dirty="0" smtClean="0">
-                <a:latin typeface="Arial" charset="0"/>
-              </a:rPr>
-              <a:t>MRN </a:t>
-            </a:r>
-            <a:r>
-              <a:rPr lang="en-US" sz="1400" dirty="0">
-                <a:latin typeface="Arial" charset="0"/>
-              </a:rPr>
-              <a:t>22234</a:t>
-            </a:r>
-          </a:p>
-          <a:p>
-            <a:pPr marL="0" marR="0" indent="0" algn="l" defTabSz="914400" rtl="0" eaLnBrk="0" fontAlgn="base" latinLnBrk="0" hangingPunct="0">
-              <a:lnSpc>
-                <a:spcPct val="100000"/>
-              </a:lnSpc>
-              <a:spcBef>
-                <a:spcPct val="0"/>
-              </a:spcBef>
-              <a:spcAft>
-                <a:spcPct val="0"/>
-              </a:spcAft>
-              <a:buClrTx/>
-              <a:buSzTx/>
-              <a:buFontTx/>
-              <a:buNone/>
-              <a:tabLst/>
-            </a:pPr>
-            <a:r>
-              <a:rPr kumimoji="0" lang="en-US" sz="1400" i="0" u="none" strike="noStrike" cap="none" normalizeH="0" baseline="0" dirty="0" smtClean="0">
-                <a:ln>
-                  <a:noFill/>
-                </a:ln>
-                <a:solidFill>
-                  <a:schemeClr val="tx1"/>
-                </a:solidFill>
-                <a:effectLst/>
-                <a:latin typeface="Arial" charset="0"/>
-              </a:rPr>
-              <a:t>“</a:t>
-            </a:r>
-            <a:r>
-              <a:rPr kumimoji="0" lang="en-US" sz="1400" i="0" u="none" strike="noStrike" cap="none" normalizeH="0" baseline="0" dirty="0" err="1" smtClean="0">
-                <a:ln>
-                  <a:noFill/>
-                </a:ln>
-                <a:solidFill>
-                  <a:schemeClr val="tx1"/>
-                </a:solidFill>
-                <a:effectLst/>
-                <a:latin typeface="Arial" charset="0"/>
-              </a:rPr>
-              <a:t>Ewout</a:t>
-            </a:r>
-            <a:r>
-              <a:rPr kumimoji="0" lang="en-US" sz="1400" i="0" u="none" strike="noStrike" cap="none" normalizeH="0" baseline="0" dirty="0" smtClean="0">
-                <a:ln>
-                  <a:noFill/>
-                </a:ln>
-                <a:solidFill>
-                  <a:schemeClr val="tx1"/>
-                </a:solidFill>
-                <a:effectLst/>
-                <a:latin typeface="Arial" charset="0"/>
-              </a:rPr>
-              <a:t> Kramer”</a:t>
-            </a:r>
-          </a:p>
-          <a:p>
-            <a:pPr marL="0" marR="0" indent="0" algn="l" defTabSz="914400" rtl="0" eaLnBrk="0" fontAlgn="base" latinLnBrk="0" hangingPunct="0">
-              <a:lnSpc>
-                <a:spcPct val="100000"/>
-              </a:lnSpc>
-              <a:spcBef>
-                <a:spcPct val="0"/>
-              </a:spcBef>
-              <a:spcAft>
-                <a:spcPct val="0"/>
-              </a:spcAft>
-              <a:buClrTx/>
-              <a:buSzTx/>
-              <a:buFontTx/>
-              <a:buNone/>
-              <a:tabLst/>
-            </a:pPr>
-            <a:r>
-              <a:rPr lang="en-US" sz="1400" dirty="0" smtClean="0">
-                <a:latin typeface="Arial" charset="0"/>
-              </a:rPr>
-              <a:t>30-11-1972</a:t>
-            </a:r>
-          </a:p>
-          <a:p>
-            <a:pPr marL="0" marR="0" indent="0" algn="l" defTabSz="914400" rtl="0" eaLnBrk="0" fontAlgn="base" latinLnBrk="0" hangingPunct="0">
-              <a:lnSpc>
-                <a:spcPct val="100000"/>
-              </a:lnSpc>
-              <a:spcBef>
-                <a:spcPct val="0"/>
-              </a:spcBef>
-              <a:spcAft>
-                <a:spcPct val="0"/>
-              </a:spcAft>
-              <a:buClrTx/>
-              <a:buSzTx/>
-              <a:buFontTx/>
-              <a:buNone/>
-              <a:tabLst/>
-            </a:pPr>
-            <a:r>
-              <a:rPr kumimoji="0" lang="en-US" sz="1400" i="0" u="none" strike="noStrike" cap="none" normalizeH="0" baseline="0" dirty="0" smtClean="0">
-                <a:ln>
-                  <a:noFill/>
-                </a:ln>
-                <a:solidFill>
-                  <a:schemeClr val="tx1"/>
-                </a:solidFill>
-                <a:effectLst/>
-                <a:latin typeface="Arial" charset="0"/>
-              </a:rPr>
-              <a:t>Amsterdam</a:t>
-            </a:r>
-          </a:p>
-          <a:p>
-            <a:pPr marL="0" marR="0" indent="0" algn="l" defTabSz="914400" rtl="0" eaLnBrk="0" fontAlgn="base" latinLnBrk="0" hangingPunct="0">
-              <a:lnSpc>
-                <a:spcPct val="100000"/>
-              </a:lnSpc>
-              <a:spcBef>
-                <a:spcPct val="0"/>
-              </a:spcBef>
-              <a:spcAft>
-                <a:spcPct val="0"/>
-              </a:spcAft>
-              <a:buClrTx/>
-              <a:buSzTx/>
-              <a:buFontTx/>
-              <a:buNone/>
-              <a:tabLst/>
-            </a:pPr>
-            <a:endParaRPr kumimoji="0" lang="nl-NL" sz="1800" b="1" i="0" u="none" strike="noStrike" cap="none" normalizeH="0" baseline="0" dirty="0" smtClean="0">
-              <a:ln>
-                <a:noFill/>
-              </a:ln>
-              <a:solidFill>
-                <a:schemeClr val="tx1"/>
-              </a:solidFill>
-              <a:effectLst/>
-              <a:latin typeface="Arial" charset="0"/>
-            </a:endParaRPr>
-          </a:p>
-        </p:txBody>
-      </p:sp>
-      <p:sp>
-        <p:nvSpPr>
-          <p:cNvPr id="6" name="Flowchart: Card 5"/>
-          <p:cNvSpPr/>
-          <p:nvPr/>
-        </p:nvSpPr>
-        <p:spPr bwMode="auto">
-          <a:xfrm>
-            <a:off x="2843808" y="1853054"/>
-            <a:ext cx="3600400" cy="1071889"/>
-          </a:xfrm>
-          <a:prstGeom prst="flowChartPunchedCard">
-            <a:avLst/>
-          </a:prstGeom>
-          <a:solidFill>
-            <a:srgbClr val="FFFF00"/>
-          </a:solidFill>
-          <a:ln w="9525" cap="flat" cmpd="sng" algn="ctr">
-            <a:solidFill>
-              <a:schemeClr val="tx1"/>
-            </a:solidFill>
-            <a:prstDash val="solid"/>
-            <a:round/>
-            <a:headEnd type="none" w="med" len="med"/>
-            <a:tailEnd type="none" w="med" len="med"/>
-          </a:ln>
-          <a:effectLst/>
-          <a:extLst/>
-        </p:spPr>
-        <p:txBody>
-          <a:bodyPr vert="horz" wrap="square" lIns="91440" tIns="45720" rIns="91440" bIns="45720" numCol="1" rtlCol="0" anchor="t" anchorCtr="0" compatLnSpc="1">
-            <a:prstTxWarp prst="textNoShape">
-              <a:avLst/>
-            </a:prstTxWarp>
-          </a:bodyPr>
-          <a:lstStyle/>
-          <a:p>
-            <a:pPr eaLnBrk="0" fontAlgn="base" hangingPunct="0">
-              <a:spcBef>
-                <a:spcPct val="0"/>
-              </a:spcBef>
-              <a:spcAft>
-                <a:spcPct val="0"/>
-              </a:spcAft>
-            </a:pPr>
-            <a:r>
-              <a:rPr lang="nl-NL" sz="1600" i="1" dirty="0"/>
-              <a:t>http://</a:t>
-            </a:r>
-            <a:r>
-              <a:rPr lang="nl-NL" sz="1600" i="1" dirty="0" smtClean="0"/>
-              <a:t>hl7.org/fhir/tag/security</a:t>
-            </a:r>
-          </a:p>
-          <a:p>
-            <a:pPr eaLnBrk="0" fontAlgn="base" hangingPunct="0">
-              <a:spcBef>
-                <a:spcPct val="0"/>
-              </a:spcBef>
-              <a:spcAft>
-                <a:spcPct val="0"/>
-              </a:spcAft>
-            </a:pPr>
-            <a:r>
-              <a:rPr lang="nl-NL" sz="1600" dirty="0" smtClean="0"/>
-              <a:t>http</a:t>
-            </a:r>
-            <a:r>
-              <a:rPr lang="nl-NL" sz="1600" dirty="0"/>
-              <a:t>://hl7.org/fhir/v3/ActCode#TABOO</a:t>
-            </a:r>
-            <a:endParaRPr lang="nl-NL" sz="1600" dirty="0" smtClean="0"/>
-          </a:p>
-          <a:p>
-            <a:pPr eaLnBrk="0" fontAlgn="base" hangingPunct="0">
-              <a:spcBef>
-                <a:spcPct val="0"/>
-              </a:spcBef>
-              <a:spcAft>
-                <a:spcPct val="0"/>
-              </a:spcAft>
-            </a:pPr>
-            <a:endParaRPr kumimoji="0" lang="nl-NL" sz="1800" b="0" i="0" u="none" strike="noStrike" cap="none" normalizeH="0" baseline="0" dirty="0" smtClean="0">
-              <a:ln>
-                <a:noFill/>
-              </a:ln>
-              <a:solidFill>
-                <a:schemeClr val="tx1"/>
-              </a:solidFill>
-              <a:effectLst/>
-              <a:latin typeface="Arial" charset="0"/>
-            </a:endParaRPr>
-          </a:p>
-        </p:txBody>
-      </p:sp>
-      <p:sp>
-        <p:nvSpPr>
-          <p:cNvPr id="8" name="Flowchart: Card 7"/>
-          <p:cNvSpPr/>
-          <p:nvPr/>
-        </p:nvSpPr>
-        <p:spPr bwMode="auto">
-          <a:xfrm>
-            <a:off x="2195736" y="3356992"/>
-            <a:ext cx="3600400" cy="1008112"/>
-          </a:xfrm>
-          <a:prstGeom prst="flowChartPunchedCard">
-            <a:avLst/>
-          </a:prstGeom>
-          <a:solidFill>
-            <a:srgbClr val="FFFF00"/>
-          </a:solidFill>
-          <a:ln w="9525" cap="flat" cmpd="sng" algn="ctr">
-            <a:solidFill>
-              <a:schemeClr val="tx1"/>
-            </a:solidFill>
-            <a:prstDash val="solid"/>
-            <a:round/>
-            <a:headEnd type="none" w="med" len="med"/>
-            <a:tailEnd type="none" w="med" len="med"/>
-          </a:ln>
-          <a:effectLst/>
-          <a:extLst/>
-        </p:spPr>
-        <p:txBody>
-          <a:bodyPr vert="horz" wrap="square" lIns="91440" tIns="45720" rIns="91440" bIns="45720" numCol="1" rtlCol="0" anchor="t" anchorCtr="0" compatLnSpc="1">
-            <a:prstTxWarp prst="textNoShape">
-              <a:avLst/>
-            </a:prstTxWarp>
-          </a:bodyPr>
-          <a:lstStyle/>
-          <a:p>
-            <a:pPr eaLnBrk="0" fontAlgn="base" hangingPunct="0">
-              <a:spcBef>
-                <a:spcPct val="0"/>
-              </a:spcBef>
-              <a:spcAft>
-                <a:spcPct val="0"/>
-              </a:spcAft>
-            </a:pPr>
-            <a:r>
-              <a:rPr lang="nl-NL" sz="1600" i="1" dirty="0"/>
-              <a:t>http://</a:t>
-            </a:r>
-            <a:r>
-              <a:rPr lang="nl-NL" sz="1600" i="1" dirty="0" smtClean="0"/>
-              <a:t>hl7.org/fhir/tag</a:t>
-            </a:r>
-            <a:br>
-              <a:rPr lang="nl-NL" sz="1600" i="1" dirty="0" smtClean="0"/>
-            </a:br>
-            <a:r>
-              <a:rPr lang="nl-NL" sz="1600" dirty="0" smtClean="0"/>
-              <a:t>http://example.org/fhir/Status#Test</a:t>
-            </a:r>
-          </a:p>
-          <a:p>
-            <a:pPr eaLnBrk="0" fontAlgn="base" hangingPunct="0">
-              <a:spcBef>
-                <a:spcPct val="0"/>
-              </a:spcBef>
-              <a:spcAft>
-                <a:spcPct val="0"/>
-              </a:spcAft>
-            </a:pPr>
-            <a:endParaRPr kumimoji="0" lang="nl-NL" sz="1800" b="0" i="0" u="none" strike="noStrike" cap="none" normalizeH="0" baseline="0" dirty="0" smtClean="0">
-              <a:ln>
-                <a:noFill/>
-              </a:ln>
-              <a:solidFill>
-                <a:schemeClr val="tx1"/>
-              </a:solidFill>
-              <a:effectLst/>
-              <a:latin typeface="Arial" charset="0"/>
-            </a:endParaRPr>
-          </a:p>
-        </p:txBody>
-      </p:sp>
-      <p:sp>
-        <p:nvSpPr>
-          <p:cNvPr id="9" name="Flowchart: Card 8"/>
-          <p:cNvSpPr/>
-          <p:nvPr/>
-        </p:nvSpPr>
-        <p:spPr bwMode="auto">
-          <a:xfrm>
-            <a:off x="1187624" y="4653136"/>
-            <a:ext cx="3600400" cy="987152"/>
-          </a:xfrm>
-          <a:prstGeom prst="flowChartPunchedCard">
-            <a:avLst/>
-          </a:prstGeom>
-          <a:solidFill>
-            <a:srgbClr val="FFFF00"/>
-          </a:solidFill>
-          <a:ln w="9525" cap="flat" cmpd="sng" algn="ctr">
-            <a:solidFill>
-              <a:schemeClr val="tx1"/>
-            </a:solidFill>
-            <a:prstDash val="solid"/>
-            <a:round/>
-            <a:headEnd type="none" w="med" len="med"/>
-            <a:tailEnd type="none" w="med" len="med"/>
-          </a:ln>
-          <a:effectLst/>
-          <a:extLst/>
-        </p:spPr>
-        <p:txBody>
-          <a:bodyPr vert="horz" wrap="square" lIns="91440" tIns="45720" rIns="91440" bIns="45720" numCol="1" rtlCol="0" anchor="t" anchorCtr="0" compatLnSpc="1">
-            <a:prstTxWarp prst="textNoShape">
-              <a:avLst/>
-            </a:prstTxWarp>
-          </a:bodyPr>
-          <a:lstStyle/>
-          <a:p>
-            <a:pPr eaLnBrk="0" fontAlgn="base" hangingPunct="0">
-              <a:spcBef>
-                <a:spcPct val="0"/>
-              </a:spcBef>
-              <a:spcAft>
-                <a:spcPct val="0"/>
-              </a:spcAft>
-            </a:pPr>
-            <a:r>
-              <a:rPr lang="nl-NL" sz="1600" i="1" dirty="0"/>
-              <a:t>http://</a:t>
-            </a:r>
-            <a:r>
-              <a:rPr lang="nl-NL" sz="1600" i="1" dirty="0" smtClean="0"/>
-              <a:t>hl7.org/fhir/tag/profile</a:t>
-            </a:r>
-            <a:br>
-              <a:rPr lang="nl-NL" sz="1600" i="1" dirty="0" smtClean="0"/>
-            </a:br>
-            <a:r>
-              <a:rPr lang="nl-NL" sz="1600" dirty="0" smtClean="0"/>
-              <a:t>http://hl7.org/fhir/Profile/us-core</a:t>
-            </a:r>
-          </a:p>
-          <a:p>
-            <a:pPr eaLnBrk="0" fontAlgn="base" hangingPunct="0">
-              <a:spcBef>
-                <a:spcPct val="0"/>
-              </a:spcBef>
-              <a:spcAft>
-                <a:spcPct val="0"/>
-              </a:spcAft>
-            </a:pPr>
-            <a:endParaRPr kumimoji="0" lang="nl-NL" sz="1800" b="0" i="0" u="none" strike="noStrike" cap="none" normalizeH="0" baseline="0" dirty="0" smtClean="0">
-              <a:ln>
-                <a:noFill/>
-              </a:ln>
-              <a:solidFill>
-                <a:schemeClr val="tx1"/>
-              </a:solidFill>
-              <a:effectLst/>
-              <a:latin typeface="Arial" charset="0"/>
-            </a:endParaRPr>
-          </a:p>
-        </p:txBody>
-      </p:sp>
-      <p:sp>
-        <p:nvSpPr>
-          <p:cNvPr id="11" name="Oval Callout 10"/>
-          <p:cNvSpPr/>
-          <p:nvPr/>
-        </p:nvSpPr>
-        <p:spPr bwMode="auto">
-          <a:xfrm>
-            <a:off x="4860032" y="4753488"/>
-            <a:ext cx="4032448" cy="1527488"/>
-          </a:xfrm>
-          <a:prstGeom prst="wedgeEllipseCallout">
-            <a:avLst>
-              <a:gd name="adj1" fmla="val -61065"/>
-              <a:gd name="adj2" fmla="val -3156"/>
-            </a:avLst>
-          </a:prstGeom>
-          <a:solidFill>
-            <a:schemeClr val="bg1"/>
-          </a:solidFill>
-          <a:ln w="9525" cap="flat" cmpd="sng" algn="ctr">
-            <a:solidFill>
-              <a:schemeClr val="tx1"/>
-            </a:solidFill>
-            <a:prstDash val="solid"/>
-            <a:round/>
-            <a:headEnd type="none" w="med" len="med"/>
-            <a:tailEnd type="none" w="med" len="med"/>
-          </a:ln>
-          <a:effectLst/>
-          <a:extLst/>
-        </p:spPr>
-        <p:txBody>
-          <a:bodyPr vert="horz" wrap="square" lIns="91440" tIns="45720" rIns="91440" bIns="45720" numCol="1" rtlCol="0" anchor="t" anchorCtr="0" compatLnSpc="1">
-            <a:prstTxWarp prst="textNoShape">
-              <a:avLst/>
-            </a:prstTxWarp>
-          </a:bodyPr>
-          <a:lstStyle/>
-          <a:p>
-            <a:r>
-              <a:rPr lang="en-US" dirty="0"/>
-              <a:t>“a claim that the Resource conforms to the profile identified in the term”</a:t>
-            </a:r>
-            <a:endParaRPr lang="nl-NL" dirty="0"/>
-          </a:p>
-        </p:txBody>
-      </p:sp>
-    </p:spTree>
-    <p:extLst>
-      <p:ext uri="{BB962C8B-B14F-4D97-AF65-F5344CB8AC3E}">
-        <p14:creationId xmlns:p14="http://schemas.microsoft.com/office/powerpoint/2010/main" val="1200966379"/>
-      </p:ext>
-    </p:extLst>
-  </p:cSld>
-  <p:clrMapOvr>
-    <a:masterClrMapping/>
-  </p:clrMapOvr>
-</p:sld>
-</file>
-
-<file path=ppt/slides/slide11.xml><?xml version="1.0" encoding="utf-8"?>
-<p:sld xmlns:a="http://schemas.openxmlformats.org/drawingml/2006/main" xmlns:r="http://schemas.openxmlformats.org/officeDocument/2006/relationships" xmlns:p="http://schemas.openxmlformats.org/presentationml/2006/main">
-  <p:cSld>
-    <p:spTree>
-      <p:nvGrpSpPr>
-        <p:cNvPr id="1" name=""/>
-        <p:cNvGrpSpPr/>
-        <p:nvPr/>
-      </p:nvGrpSpPr>
-      <p:grpSpPr>
-        <a:xfrm>
-          <a:off x="0" y="0"/>
-          <a:ext cx="0" cy="0"/>
-          <a:chOff x="0" y="0"/>
-          <a:chExt cx="0" cy="0"/>
-        </a:xfrm>
-      </p:grpSpPr>
-      <p:sp>
-        <p:nvSpPr>
-          <p:cNvPr id="2" name="Title 1"/>
-          <p:cNvSpPr>
-            <a:spLocks noGrp="1"/>
-          </p:cNvSpPr>
-          <p:nvPr>
-            <p:ph type="title"/>
-          </p:nvPr>
-        </p:nvSpPr>
-        <p:spPr/>
-        <p:txBody>
-          <a:bodyPr/>
-          <a:lstStyle/>
-          <a:p>
-            <a:r>
-              <a:rPr lang="en-US" dirty="0" smtClean="0"/>
               <a:t>(Distributed) validation</a:t>
             </a:r>
             <a:endParaRPr lang="nl-NL" dirty="0"/>
@@ -5194,7 +4574,7 @@
             <a:fld id="{5CC3E5C4-3E2B-40F1-9F2B-C46CEB0C88DF}" type="slidenum">
               <a:rPr lang="en-CA" smtClean="0"/>
               <a:pPr/>
-              <a:t>11</a:t>
+              <a:t>10</a:t>
             </a:fld>
             <a:endParaRPr lang="en-CA" dirty="0"/>
           </a:p>
@@ -5340,7 +4720,7 @@
         <p:spPr bwMode="auto">
           <a:xfrm>
             <a:off x="2411760" y="2708920"/>
-            <a:ext cx="1224136" cy="576064"/>
+            <a:ext cx="1224136" cy="936104"/>
           </a:xfrm>
           <a:prstGeom prst="rightArrow">
             <a:avLst/>
@@ -5377,6 +4757,37 @@
             </a:prstTxWarp>
           </a:bodyPr>
           <a:lstStyle/>
+          <a:p>
+            <a:pPr marL="0" marR="0" indent="0" algn="l" defTabSz="914400" rtl="0" eaLnBrk="0" fontAlgn="base" latinLnBrk="0" hangingPunct="0">
+              <a:lnSpc>
+                <a:spcPct val="100000"/>
+              </a:lnSpc>
+              <a:spcBef>
+                <a:spcPct val="0"/>
+              </a:spcBef>
+              <a:spcAft>
+                <a:spcPct val="0"/>
+              </a:spcAft>
+              <a:buClrTx/>
+              <a:buSzTx/>
+              <a:buFontTx/>
+              <a:buNone/>
+              <a:tabLst/>
+            </a:pPr>
+            <a:r>
+              <a:rPr kumimoji="0" lang="en-US" sz="1400" b="0" i="0" u="none" strike="noStrike" cap="none" normalizeH="0" baseline="0" dirty="0" smtClean="0">
+                <a:ln>
+                  <a:noFill/>
+                </a:ln>
+                <a:solidFill>
+                  <a:schemeClr val="tx1"/>
+                </a:solidFill>
+                <a:effectLst/>
+                <a:latin typeface="Arial" charset="0"/>
+              </a:rPr>
+              <a:t>Store &amp;</a:t>
+            </a:r>
+          </a:p>
           <a:p>
             <a:pPr marL="0" marR="0" indent="0" algn="l" defTabSz="914400" rtl="0" eaLnBrk="0" fontAlgn="base" latinLnBrk="0" hangingPunct="0">
               <a:lnSpc>
@@ -5922,6 +5333,1435 @@
   <p:clrMapOvr>
     <a:masterClrMapping/>
   </p:clrMapOvr>
+  <p:timing>
+    <p:tnLst>
+      <p:par>
+        <p:cTn id="1" dur="indefinite" restart="never" nodeType="tmRoot">
+          <p:childTnLst>
+            <p:seq concurrent="1" nextAc="seek">
+              <p:cTn id="2" dur="indefinite" nodeType="mainSeq">
+                <p:childTnLst>
+                  <p:par>
+                    <p:cTn id="3" fill="hold">
+                      <p:stCondLst>
+                        <p:cond delay="indefinite"/>
+                      </p:stCondLst>
+                      <p:childTnLst>
+                        <p:par>
+                          <p:cTn id="4" fill="hold">
+                            <p:stCondLst>
+                              <p:cond delay="0"/>
+                            </p:stCondLst>
+                            <p:childTnLst>
+                              <p:par>
+                                <p:cTn id="5" presetID="10" presetClass="entr" presetSubtype="0" fill="hold" nodeType="clickEffect">
+                                  <p:stCondLst>
+                                    <p:cond delay="0"/>
+                                  </p:stCondLst>
+                                  <p:childTnLst>
+                                    <p:set>
+                                      <p:cBhvr>
+                                        <p:cTn id="6" dur="1" fill="hold">
+                                          <p:stCondLst>
+                                            <p:cond delay="0"/>
+                                          </p:stCondLst>
+                                        </p:cTn>
+                                        <p:tgtEl>
+                                          <p:spTgt spid="5"/>
+                                        </p:tgtEl>
+                                        <p:attrNameLst>
+                                          <p:attrName>style.visibility</p:attrName>
+                                        </p:attrNameLst>
+                                      </p:cBhvr>
+                                      <p:to>
+                                        <p:strVal val="visible"/>
+                                      </p:to>
+                                    </p:set>
+                                    <p:animEffect transition="in" filter="fade">
+                                      <p:cBhvr>
+                                        <p:cTn id="7" dur="500"/>
+                                        <p:tgtEl>
+                                          <p:spTgt spid="5"/>
+                                        </p:tgtEl>
+                                      </p:cBhvr>
+                                    </p:animEffect>
+                                  </p:childTnLst>
+                                </p:cTn>
+                              </p:par>
+                            </p:childTnLst>
+                          </p:cTn>
+                        </p:par>
+                      </p:childTnLst>
+                    </p:cTn>
+                  </p:par>
+                  <p:par>
+                    <p:cTn id="8" fill="hold">
+                      <p:stCondLst>
+                        <p:cond delay="indefinite"/>
+                      </p:stCondLst>
+                      <p:childTnLst>
+                        <p:par>
+                          <p:cTn id="9" fill="hold">
+                            <p:stCondLst>
+                              <p:cond delay="0"/>
+                            </p:stCondLst>
+                            <p:childTnLst>
+                              <p:par>
+                                <p:cTn id="10" presetID="10" presetClass="entr" presetSubtype="0" fill="hold" grpId="0" nodeType="clickEffect">
+                                  <p:stCondLst>
+                                    <p:cond delay="0"/>
+                                  </p:stCondLst>
+                                  <p:childTnLst>
+                                    <p:set>
+                                      <p:cBhvr>
+                                        <p:cTn id="11" dur="1" fill="hold">
+                                          <p:stCondLst>
+                                            <p:cond delay="0"/>
+                                          </p:stCondLst>
+                                        </p:cTn>
+                                        <p:tgtEl>
+                                          <p:spTgt spid="7"/>
+                                        </p:tgtEl>
+                                        <p:attrNameLst>
+                                          <p:attrName>style.visibility</p:attrName>
+                                        </p:attrNameLst>
+                                      </p:cBhvr>
+                                      <p:to>
+                                        <p:strVal val="visible"/>
+                                      </p:to>
+                                    </p:set>
+                                    <p:animEffect transition="in" filter="fade">
+                                      <p:cBhvr>
+                                        <p:cTn id="12" dur="500"/>
+                                        <p:tgtEl>
+                                          <p:spTgt spid="7"/>
+                                        </p:tgtEl>
+                                      </p:cBhvr>
+                                    </p:animEffect>
+                                  </p:childTnLst>
+                                </p:cTn>
+                              </p:par>
+                              <p:par>
+                                <p:cTn id="13" presetID="10" presetClass="entr" presetSubtype="0" fill="hold" nodeType="withEffect">
+                                  <p:stCondLst>
+                                    <p:cond delay="0"/>
+                                  </p:stCondLst>
+                                  <p:childTnLst>
+                                    <p:set>
+                                      <p:cBhvr>
+                                        <p:cTn id="14" dur="1" fill="hold">
+                                          <p:stCondLst>
+                                            <p:cond delay="0"/>
+                                          </p:stCondLst>
+                                        </p:cTn>
+                                        <p:tgtEl>
+                                          <p:spTgt spid="2050"/>
+                                        </p:tgtEl>
+                                        <p:attrNameLst>
+                                          <p:attrName>style.visibility</p:attrName>
+                                        </p:attrNameLst>
+                                      </p:cBhvr>
+                                      <p:to>
+                                        <p:strVal val="visible"/>
+                                      </p:to>
+                                    </p:set>
+                                    <p:animEffect transition="in" filter="fade">
+                                      <p:cBhvr>
+                                        <p:cTn id="15" dur="500"/>
+                                        <p:tgtEl>
+                                          <p:spTgt spid="2050"/>
+                                        </p:tgtEl>
+                                      </p:cBhvr>
+                                    </p:animEffect>
+                                  </p:childTnLst>
+                                </p:cTn>
+                              </p:par>
+                              <p:par>
+                                <p:cTn id="16" presetID="10" presetClass="entr" presetSubtype="0" fill="hold" grpId="0" nodeType="withEffect">
+                                  <p:stCondLst>
+                                    <p:cond delay="0"/>
+                                  </p:stCondLst>
+                                  <p:childTnLst>
+                                    <p:set>
+                                      <p:cBhvr>
+                                        <p:cTn id="17" dur="1" fill="hold">
+                                          <p:stCondLst>
+                                            <p:cond delay="0"/>
+                                          </p:stCondLst>
+                                        </p:cTn>
+                                        <p:tgtEl>
+                                          <p:spTgt spid="12"/>
+                                        </p:tgtEl>
+                                        <p:attrNameLst>
+                                          <p:attrName>style.visibility</p:attrName>
+                                        </p:attrNameLst>
+                                      </p:cBhvr>
+                                      <p:to>
+                                        <p:strVal val="visible"/>
+                                      </p:to>
+                                    </p:set>
+                                    <p:animEffect transition="in" filter="fade">
+                                      <p:cBhvr>
+                                        <p:cTn id="18" dur="500"/>
+                                        <p:tgtEl>
+                                          <p:spTgt spid="12"/>
+                                        </p:tgtEl>
+                                      </p:cBhvr>
+                                    </p:animEffect>
+                                  </p:childTnLst>
+                                </p:cTn>
+                              </p:par>
+                              <p:par>
+                                <p:cTn id="19" presetID="10" presetClass="entr" presetSubtype="0" fill="hold" grpId="0" nodeType="withEffect">
+                                  <p:stCondLst>
+                                    <p:cond delay="0"/>
+                                  </p:stCondLst>
+                                  <p:childTnLst>
+                                    <p:set>
+                                      <p:cBhvr>
+                                        <p:cTn id="20" dur="1" fill="hold">
+                                          <p:stCondLst>
+                                            <p:cond delay="0"/>
+                                          </p:stCondLst>
+                                        </p:cTn>
+                                        <p:tgtEl>
+                                          <p:spTgt spid="13"/>
+                                        </p:tgtEl>
+                                        <p:attrNameLst>
+                                          <p:attrName>style.visibility</p:attrName>
+                                        </p:attrNameLst>
+                                      </p:cBhvr>
+                                      <p:to>
+                                        <p:strVal val="visible"/>
+                                      </p:to>
+                                    </p:set>
+                                    <p:animEffect transition="in" filter="fade">
+                                      <p:cBhvr>
+                                        <p:cTn id="21" dur="500"/>
+                                        <p:tgtEl>
+                                          <p:spTgt spid="13"/>
+                                        </p:tgtEl>
+                                      </p:cBhvr>
+                                    </p:animEffect>
+                                  </p:childTnLst>
+                                </p:cTn>
+                              </p:par>
+                              <p:par>
+                                <p:cTn id="22" presetID="10" presetClass="entr" presetSubtype="0" fill="hold" grpId="0" nodeType="withEffect">
+                                  <p:stCondLst>
+                                    <p:cond delay="0"/>
+                                  </p:stCondLst>
+                                  <p:childTnLst>
+                                    <p:set>
+                                      <p:cBhvr>
+                                        <p:cTn id="23" dur="1" fill="hold">
+                                          <p:stCondLst>
+                                            <p:cond delay="0"/>
+                                          </p:stCondLst>
+                                        </p:cTn>
+                                        <p:tgtEl>
+                                          <p:spTgt spid="6"/>
+                                        </p:tgtEl>
+                                        <p:attrNameLst>
+                                          <p:attrName>style.visibility</p:attrName>
+                                        </p:attrNameLst>
+                                      </p:cBhvr>
+                                      <p:to>
+                                        <p:strVal val="visible"/>
+                                      </p:to>
+                                    </p:set>
+                                    <p:animEffect transition="in" filter="fade">
+                                      <p:cBhvr>
+                                        <p:cTn id="24" dur="500"/>
+                                        <p:tgtEl>
+                                          <p:spTgt spid="6"/>
+                                        </p:tgtEl>
+                                      </p:cBhvr>
+                                    </p:animEffect>
+                                  </p:childTnLst>
+                                </p:cTn>
+                              </p:par>
+                            </p:childTnLst>
+                          </p:cTn>
+                        </p:par>
+                      </p:childTnLst>
+                    </p:cTn>
+                  </p:par>
+                  <p:par>
+                    <p:cTn id="25" fill="hold">
+                      <p:stCondLst>
+                        <p:cond delay="indefinite"/>
+                      </p:stCondLst>
+                      <p:childTnLst>
+                        <p:par>
+                          <p:cTn id="26" fill="hold">
+                            <p:stCondLst>
+                              <p:cond delay="0"/>
+                            </p:stCondLst>
+                            <p:childTnLst>
+                              <p:par>
+                                <p:cTn id="27" presetID="10" presetClass="entr" presetSubtype="0" fill="hold" grpId="0" nodeType="clickEffect">
+                                  <p:stCondLst>
+                                    <p:cond delay="0"/>
+                                  </p:stCondLst>
+                                  <p:childTnLst>
+                                    <p:set>
+                                      <p:cBhvr>
+                                        <p:cTn id="28" dur="1" fill="hold">
+                                          <p:stCondLst>
+                                            <p:cond delay="0"/>
+                                          </p:stCondLst>
+                                        </p:cTn>
+                                        <p:tgtEl>
+                                          <p:spTgt spid="11"/>
+                                        </p:tgtEl>
+                                        <p:attrNameLst>
+                                          <p:attrName>style.visibility</p:attrName>
+                                        </p:attrNameLst>
+                                      </p:cBhvr>
+                                      <p:to>
+                                        <p:strVal val="visible"/>
+                                      </p:to>
+                                    </p:set>
+                                    <p:animEffect transition="in" filter="fade">
+                                      <p:cBhvr>
+                                        <p:cTn id="29" dur="500"/>
+                                        <p:tgtEl>
+                                          <p:spTgt spid="11"/>
+                                        </p:tgtEl>
+                                      </p:cBhvr>
+                                    </p:animEffect>
+                                  </p:childTnLst>
+                                </p:cTn>
+                              </p:par>
+                              <p:par>
+                                <p:cTn id="30" presetID="10" presetClass="entr" presetSubtype="0" fill="hold" nodeType="withEffect">
+                                  <p:stCondLst>
+                                    <p:cond delay="0"/>
+                                  </p:stCondLst>
+                                  <p:childTnLst>
+                                    <p:set>
+                                      <p:cBhvr>
+                                        <p:cTn id="31" dur="1" fill="hold">
+                                          <p:stCondLst>
+                                            <p:cond delay="0"/>
+                                          </p:stCondLst>
+                                        </p:cTn>
+                                        <p:tgtEl>
+                                          <p:spTgt spid="9"/>
+                                        </p:tgtEl>
+                                        <p:attrNameLst>
+                                          <p:attrName>style.visibility</p:attrName>
+                                        </p:attrNameLst>
+                                      </p:cBhvr>
+                                      <p:to>
+                                        <p:strVal val="visible"/>
+                                      </p:to>
+                                    </p:set>
+                                    <p:animEffect transition="in" filter="fade">
+                                      <p:cBhvr>
+                                        <p:cTn id="32" dur="500"/>
+                                        <p:tgtEl>
+                                          <p:spTgt spid="9"/>
+                                        </p:tgtEl>
+                                      </p:cBhvr>
+                                    </p:animEffect>
+                                  </p:childTnLst>
+                                </p:cTn>
+                              </p:par>
+                              <p:par>
+                                <p:cTn id="33" presetID="10" presetClass="entr" presetSubtype="0" fill="hold" grpId="0" nodeType="withEffect">
+                                  <p:stCondLst>
+                                    <p:cond delay="0"/>
+                                  </p:stCondLst>
+                                  <p:childTnLst>
+                                    <p:set>
+                                      <p:cBhvr>
+                                        <p:cTn id="34" dur="1" fill="hold">
+                                          <p:stCondLst>
+                                            <p:cond delay="0"/>
+                                          </p:stCondLst>
+                                        </p:cTn>
+                                        <p:tgtEl>
+                                          <p:spTgt spid="10"/>
+                                        </p:tgtEl>
+                                        <p:attrNameLst>
+                                          <p:attrName>style.visibility</p:attrName>
+                                        </p:attrNameLst>
+                                      </p:cBhvr>
+                                      <p:to>
+                                        <p:strVal val="visible"/>
+                                      </p:to>
+                                    </p:set>
+                                    <p:animEffect transition="in" filter="fade">
+                                      <p:cBhvr>
+                                        <p:cTn id="35" dur="500"/>
+                                        <p:tgtEl>
+                                          <p:spTgt spid="10"/>
+                                        </p:tgtEl>
+                                      </p:cBhvr>
+                                    </p:animEffect>
+                                  </p:childTnLst>
+                                </p:cTn>
+                              </p:par>
+                            </p:childTnLst>
+                          </p:cTn>
+                        </p:par>
+                      </p:childTnLst>
+                    </p:cTn>
+                  </p:par>
+                  <p:par>
+                    <p:cTn id="36" fill="hold">
+                      <p:stCondLst>
+                        <p:cond delay="indefinite"/>
+                      </p:stCondLst>
+                      <p:childTnLst>
+                        <p:par>
+                          <p:cTn id="37" fill="hold">
+                            <p:stCondLst>
+                              <p:cond delay="0"/>
+                            </p:stCondLst>
+                            <p:childTnLst>
+                              <p:par>
+                                <p:cTn id="38" presetID="10" presetClass="entr" presetSubtype="0" fill="hold" grpId="0" nodeType="clickEffect">
+                                  <p:stCondLst>
+                                    <p:cond delay="0"/>
+                                  </p:stCondLst>
+                                  <p:childTnLst>
+                                    <p:set>
+                                      <p:cBhvr>
+                                        <p:cTn id="39" dur="1" fill="hold">
+                                          <p:stCondLst>
+                                            <p:cond delay="0"/>
+                                          </p:stCondLst>
+                                        </p:cTn>
+                                        <p:tgtEl>
+                                          <p:spTgt spid="14"/>
+                                        </p:tgtEl>
+                                        <p:attrNameLst>
+                                          <p:attrName>style.visibility</p:attrName>
+                                        </p:attrNameLst>
+                                      </p:cBhvr>
+                                      <p:to>
+                                        <p:strVal val="visible"/>
+                                      </p:to>
+                                    </p:set>
+                                    <p:animEffect transition="in" filter="fade">
+                                      <p:cBhvr>
+                                        <p:cTn id="40" dur="500"/>
+                                        <p:tgtEl>
+                                          <p:spTgt spid="14"/>
+                                        </p:tgtEl>
+                                      </p:cBhvr>
+                                    </p:animEffect>
+                                  </p:childTnLst>
+                                </p:cTn>
+                              </p:par>
+                              <p:par>
+                                <p:cTn id="41" presetID="10" presetClass="entr" presetSubtype="0" fill="hold" grpId="0" nodeType="withEffect">
+                                  <p:stCondLst>
+                                    <p:cond delay="0"/>
+                                  </p:stCondLst>
+                                  <p:childTnLst>
+                                    <p:set>
+                                      <p:cBhvr>
+                                        <p:cTn id="42" dur="1" fill="hold">
+                                          <p:stCondLst>
+                                            <p:cond delay="0"/>
+                                          </p:stCondLst>
+                                        </p:cTn>
+                                        <p:tgtEl>
+                                          <p:spTgt spid="8"/>
+                                        </p:tgtEl>
+                                        <p:attrNameLst>
+                                          <p:attrName>style.visibility</p:attrName>
+                                        </p:attrNameLst>
+                                      </p:cBhvr>
+                                      <p:to>
+                                        <p:strVal val="visible"/>
+                                      </p:to>
+                                    </p:set>
+                                    <p:animEffect transition="in" filter="fade">
+                                      <p:cBhvr>
+                                        <p:cTn id="43" dur="500"/>
+                                        <p:tgtEl>
+                                          <p:spTgt spid="8"/>
+                                        </p:tgtEl>
+                                      </p:cBhvr>
+                                    </p:animEffect>
+                                  </p:childTnLst>
+                                </p:cTn>
+                              </p:par>
+                              <p:par>
+                                <p:cTn id="44" presetID="10" presetClass="entr" presetSubtype="0" fill="hold" grpId="0" nodeType="withEffect">
+                                  <p:stCondLst>
+                                    <p:cond delay="0"/>
+                                  </p:stCondLst>
+                                  <p:childTnLst>
+                                    <p:set>
+                                      <p:cBhvr>
+                                        <p:cTn id="45" dur="1" fill="hold">
+                                          <p:stCondLst>
+                                            <p:cond delay="0"/>
+                                          </p:stCondLst>
+                                        </p:cTn>
+                                        <p:tgtEl>
+                                          <p:spTgt spid="16"/>
+                                        </p:tgtEl>
+                                        <p:attrNameLst>
+                                          <p:attrName>style.visibility</p:attrName>
+                                        </p:attrNameLst>
+                                      </p:cBhvr>
+                                      <p:to>
+                                        <p:strVal val="visible"/>
+                                      </p:to>
+                                    </p:set>
+                                    <p:animEffect transition="in" filter="fade">
+                                      <p:cBhvr>
+                                        <p:cTn id="46" dur="500"/>
+                                        <p:tgtEl>
+                                          <p:spTgt spid="16"/>
+                                        </p:tgtEl>
+                                      </p:cBhvr>
+                                    </p:animEffect>
+                                  </p:childTnLst>
+                                </p:cTn>
+                              </p:par>
+                            </p:childTnLst>
+                          </p:cTn>
+                        </p:par>
+                      </p:childTnLst>
+                    </p:cTn>
+                  </p:par>
+                </p:childTnLst>
+              </p:cTn>
+              <p:prevCondLst>
+                <p:cond evt="onPrev" delay="0">
+                  <p:tgtEl>
+                    <p:sldTgt/>
+                  </p:tgtEl>
+                </p:cond>
+              </p:prevCondLst>
+              <p:nextCondLst>
+                <p:cond evt="onNext" delay="0">
+                  <p:tgtEl>
+                    <p:sldTgt/>
+                  </p:tgtEl>
+                </p:cond>
+              </p:nextCondLst>
+            </p:seq>
+          </p:childTnLst>
+        </p:cTn>
+      </p:par>
+    </p:tnLst>
+    <p:bldLst>
+      <p:bldP spid="6" grpId="0"/>
+      <p:bldP spid="7" grpId="0" animBg="1"/>
+      <p:bldP spid="10" grpId="0"/>
+      <p:bldP spid="11" grpId="0" animBg="1"/>
+      <p:bldP spid="12" grpId="0" animBg="1"/>
+      <p:bldP spid="13" grpId="0" animBg="1"/>
+      <p:bldP spid="14" grpId="0" animBg="1"/>
+      <p:bldP spid="8" grpId="0" animBg="1"/>
+      <p:bldP spid="16" grpId="0"/>
+    </p:bldLst>
+  </p:timing>
+</p:sld>
+</file>
+
+<file path=ppt/slides/slide11.xml><?xml version="1.0" encoding="utf-8"?>
+<p:sld xmlns:a="http://schemas.openxmlformats.org/drawingml/2006/main" xmlns:r="http://schemas.openxmlformats.org/officeDocument/2006/relationships" xmlns:p="http://schemas.openxmlformats.org/presentationml/2006/main">
+  <p:cSld>
+    <p:spTree>
+      <p:nvGrpSpPr>
+        <p:cNvPr id="1" name=""/>
+        <p:cNvGrpSpPr/>
+        <p:nvPr/>
+      </p:nvGrpSpPr>
+      <p:grpSpPr>
+        <a:xfrm>
+          <a:off x="0" y="0"/>
+          <a:ext cx="0" cy="0"/>
+          <a:chOff x="0" y="0"/>
+          <a:chExt cx="0" cy="0"/>
+        </a:xfrm>
+      </p:grpSpPr>
+      <p:sp>
+        <p:nvSpPr>
+          <p:cNvPr id="13" name="Down Arrow 12"/>
+          <p:cNvSpPr/>
+          <p:nvPr/>
+        </p:nvSpPr>
+        <p:spPr>
+          <a:xfrm>
+            <a:off x="2729305" y="2312064"/>
+            <a:ext cx="1008112" cy="3201176"/>
+          </a:xfrm>
+          <a:prstGeom prst="downArrow">
+            <a:avLst/>
+          </a:prstGeom>
+        </p:spPr>
+        <p:style>
+          <a:lnRef idx="0">
+            <a:schemeClr val="accent5"/>
+          </a:lnRef>
+          <a:fillRef idx="3">
+            <a:schemeClr val="accent5"/>
+          </a:fillRef>
+          <a:effectRef idx="3">
+            <a:schemeClr val="accent5"/>
+          </a:effectRef>
+          <a:fontRef idx="minor">
+            <a:schemeClr val="lt1"/>
+          </a:fontRef>
+        </p:style>
+        <p:txBody>
+          <a:bodyPr rtlCol="0" anchor="ctr"/>
+          <a:lstStyle/>
+          <a:p>
+            <a:pPr algn="ctr"/>
+            <a:endParaRPr lang="nl-NL">
+              <a:solidFill>
+                <a:prstClr val="white"/>
+              </a:solidFill>
+            </a:endParaRPr>
+          </a:p>
+        </p:txBody>
+      </p:sp>
+      <p:pic>
+        <p:nvPicPr>
+          <p:cNvPr id="21" name="Picture 7" descr="http://www.freeworldmaps.net/europe/netherlands/netherlands-politcal-map-highres.jpg"/>
+          <p:cNvPicPr>
+            <a:picLocks noChangeAspect="1" noChangeArrowheads="1"/>
+          </p:cNvPicPr>
+          <p:nvPr/>
+        </p:nvPicPr>
+        <p:blipFill>
+          <a:blip r:embed="rId3" cstate="print">
+            <a:extLst>
+              <a:ext uri="{28A0092B-C50C-407E-A947-70E740481C1C}">
+                <a14:useLocalDpi xmlns:a14="http://schemas.microsoft.com/office/drawing/2010/main" val="0"/>
+              </a:ext>
+            </a:extLst>
+          </a:blip>
+          <a:stretch>
+            <a:fillRect/>
+          </a:stretch>
+        </p:blipFill>
+        <p:spPr bwMode="auto">
+          <a:xfrm>
+            <a:off x="1547664" y="3229031"/>
+            <a:ext cx="781396" cy="1136073"/>
+          </a:xfrm>
+          <a:prstGeom prst="rect">
+            <a:avLst/>
+          </a:prstGeom>
+          <a:ln>
+            <a:noFill/>
+          </a:ln>
+          <a:effectLst>
+            <a:outerShdw blurRad="292100" dist="139700" dir="2700000" algn="tl" rotWithShape="0">
+              <a:srgbClr val="333333">
+                <a:alpha val="65000"/>
+              </a:srgbClr>
+            </a:outerShdw>
+          </a:effectLst>
+          <a:extLst>
+            <a:ext uri="{909E8E84-426E-40DD-AFC4-6F175D3DCCD1}">
+              <a14:hiddenFill xmlns:a14="http://schemas.microsoft.com/office/drawing/2010/main">
+                <a:solidFill>
+                  <a:srgbClr val="FFFFFF"/>
+                </a:solidFill>
+              </a14:hiddenFill>
+            </a:ext>
+          </a:extLst>
+        </p:spPr>
+      </p:pic>
+      <p:grpSp>
+        <p:nvGrpSpPr>
+          <p:cNvPr id="2" name="Group 1"/>
+          <p:cNvGrpSpPr/>
+          <p:nvPr/>
+        </p:nvGrpSpPr>
+        <p:grpSpPr>
+          <a:xfrm>
+            <a:off x="971600" y="4684303"/>
+            <a:ext cx="1757705" cy="1553009"/>
+            <a:chOff x="1068853" y="3382231"/>
+            <a:chExt cx="1757705" cy="1164757"/>
+          </a:xfrm>
+        </p:grpSpPr>
+        <p:pic>
+          <p:nvPicPr>
+            <p:cNvPr id="25" name="Picture 10"/>
+            <p:cNvPicPr>
+              <a:picLocks noChangeAspect="1" noChangeArrowheads="1"/>
+            </p:cNvPicPr>
+            <p:nvPr/>
+          </p:nvPicPr>
+          <p:blipFill>
+            <a:blip r:embed="rId4">
+              <a:extLst>
+                <a:ext uri="{28A0092B-C50C-407E-A947-70E740481C1C}">
+                  <a14:useLocalDpi xmlns:a14="http://schemas.microsoft.com/office/drawing/2010/main" val="0"/>
+                </a:ext>
+              </a:extLst>
+            </a:blip>
+            <a:srcRect/>
+            <a:stretch>
+              <a:fillRect/>
+            </a:stretch>
+          </p:blipFill>
+          <p:spPr bwMode="auto">
+            <a:xfrm>
+              <a:off x="1068853" y="3614434"/>
+              <a:ext cx="957064" cy="621703"/>
+            </a:xfrm>
+            <a:prstGeom prst="rect">
+              <a:avLst/>
+            </a:prstGeom>
+            <a:ln>
+              <a:noFill/>
+            </a:ln>
+            <a:effectLst>
+              <a:outerShdw blurRad="292100" dist="139700" dir="2700000" algn="tl" rotWithShape="0">
+                <a:srgbClr val="333333">
+                  <a:alpha val="65000"/>
+                </a:srgbClr>
+              </a:outerShdw>
+            </a:effectLst>
+            <a:extLst>
+              <a:ext uri="{909E8E84-426E-40DD-AFC4-6F175D3DCCD1}">
+                <a14:hiddenFill xmlns:a14="http://schemas.microsoft.com/office/drawing/2010/main">
+                  <a:solidFill>
+                    <a:schemeClr val="accent1"/>
+                  </a:solidFill>
+                </a14:hiddenFill>
+              </a:ext>
+              <a:ext uri="{91240B29-F687-4F45-9708-019B960494DF}">
+                <a14:hiddenLine xmlns:a14="http://schemas.microsoft.com/office/drawing/2010/main" w="9525">
+                  <a:solidFill>
+                    <a:schemeClr val="tx1"/>
+                  </a:solidFill>
+                  <a:miter lim="800000"/>
+                  <a:headEnd/>
+                  <a:tailEnd/>
+                </a14:hiddenLine>
+              </a:ext>
+            </a:extLst>
+          </p:spPr>
+        </p:pic>
+        <p:pic>
+          <p:nvPicPr>
+            <p:cNvPr id="29" name="Picture 10"/>
+            <p:cNvPicPr>
+              <a:picLocks noChangeAspect="1" noChangeArrowheads="1"/>
+            </p:cNvPicPr>
+            <p:nvPr/>
+          </p:nvPicPr>
+          <p:blipFill>
+            <a:blip r:embed="rId4">
+              <a:extLst>
+                <a:ext uri="{28A0092B-C50C-407E-A947-70E740481C1C}">
+                  <a14:useLocalDpi xmlns:a14="http://schemas.microsoft.com/office/drawing/2010/main" val="0"/>
+                </a:ext>
+              </a:extLst>
+            </a:blip>
+            <a:srcRect/>
+            <a:stretch>
+              <a:fillRect/>
+            </a:stretch>
+          </p:blipFill>
+          <p:spPr bwMode="auto">
+            <a:xfrm>
+              <a:off x="1742449" y="3382231"/>
+              <a:ext cx="957064" cy="621703"/>
+            </a:xfrm>
+            <a:prstGeom prst="rect">
+              <a:avLst/>
+            </a:prstGeom>
+            <a:ln>
+              <a:noFill/>
+            </a:ln>
+            <a:effectLst>
+              <a:outerShdw blurRad="292100" dist="139700" dir="2700000" algn="tl" rotWithShape="0">
+                <a:srgbClr val="333333">
+                  <a:alpha val="65000"/>
+                </a:srgbClr>
+              </a:outerShdw>
+            </a:effectLst>
+            <a:extLst>
+              <a:ext uri="{909E8E84-426E-40DD-AFC4-6F175D3DCCD1}">
+                <a14:hiddenFill xmlns:a14="http://schemas.microsoft.com/office/drawing/2010/main">
+                  <a:solidFill>
+                    <a:schemeClr val="accent1"/>
+                  </a:solidFill>
+                </a14:hiddenFill>
+              </a:ext>
+              <a:ext uri="{91240B29-F687-4F45-9708-019B960494DF}">
+                <a14:hiddenLine xmlns:a14="http://schemas.microsoft.com/office/drawing/2010/main" w="9525">
+                  <a:solidFill>
+                    <a:schemeClr val="tx1"/>
+                  </a:solidFill>
+                  <a:miter lim="800000"/>
+                  <a:headEnd/>
+                  <a:tailEnd/>
+                </a14:hiddenLine>
+              </a:ext>
+            </a:extLst>
+          </p:spPr>
+        </p:pic>
+        <p:pic>
+          <p:nvPicPr>
+            <p:cNvPr id="30" name="Picture 10"/>
+            <p:cNvPicPr>
+              <a:picLocks noChangeAspect="1" noChangeArrowheads="1"/>
+            </p:cNvPicPr>
+            <p:nvPr/>
+          </p:nvPicPr>
+          <p:blipFill>
+            <a:blip r:embed="rId4">
+              <a:extLst>
+                <a:ext uri="{28A0092B-C50C-407E-A947-70E740481C1C}">
+                  <a14:useLocalDpi xmlns:a14="http://schemas.microsoft.com/office/drawing/2010/main" val="0"/>
+                </a:ext>
+              </a:extLst>
+            </a:blip>
+            <a:srcRect/>
+            <a:stretch>
+              <a:fillRect/>
+            </a:stretch>
+          </p:blipFill>
+          <p:spPr bwMode="auto">
+            <a:xfrm>
+              <a:off x="1869494" y="3925285"/>
+              <a:ext cx="957064" cy="621703"/>
+            </a:xfrm>
+            <a:prstGeom prst="rect">
+              <a:avLst/>
+            </a:prstGeom>
+            <a:ln>
+              <a:noFill/>
+            </a:ln>
+            <a:effectLst>
+              <a:outerShdw blurRad="292100" dist="139700" dir="2700000" algn="tl" rotWithShape="0">
+                <a:srgbClr val="333333">
+                  <a:alpha val="65000"/>
+                </a:srgbClr>
+              </a:outerShdw>
+            </a:effectLst>
+            <a:extLst>
+              <a:ext uri="{909E8E84-426E-40DD-AFC4-6F175D3DCCD1}">
+                <a14:hiddenFill xmlns:a14="http://schemas.microsoft.com/office/drawing/2010/main">
+                  <a:solidFill>
+                    <a:schemeClr val="accent1"/>
+                  </a:solidFill>
+                </a14:hiddenFill>
+              </a:ext>
+              <a:ext uri="{91240B29-F687-4F45-9708-019B960494DF}">
+                <a14:hiddenLine xmlns:a14="http://schemas.microsoft.com/office/drawing/2010/main" w="9525">
+                  <a:solidFill>
+                    <a:schemeClr val="tx1"/>
+                  </a:solidFill>
+                  <a:miter lim="800000"/>
+                  <a:headEnd/>
+                  <a:tailEnd/>
+                </a14:hiddenLine>
+              </a:ext>
+            </a:extLst>
+          </p:spPr>
+        </p:pic>
+      </p:grpSp>
+      <p:sp>
+        <p:nvSpPr>
+          <p:cNvPr id="4" name="Title 3"/>
+          <p:cNvSpPr>
+            <a:spLocks noGrp="1"/>
+          </p:cNvSpPr>
+          <p:nvPr>
+            <p:ph type="title"/>
+          </p:nvPr>
+        </p:nvSpPr>
+        <p:spPr>
+          <a:xfrm>
+            <a:off x="395536" y="332657"/>
+            <a:ext cx="6552728" cy="1152128"/>
+          </a:xfrm>
+        </p:spPr>
+        <p:txBody>
+          <a:bodyPr/>
+          <a:lstStyle/>
+          <a:p>
+            <a:r>
+              <a:rPr lang="en-US" dirty="0" smtClean="0"/>
+              <a:t>Who publishes?</a:t>
+            </a:r>
+            <a:endParaRPr lang="nl-NL" dirty="0"/>
+          </a:p>
+        </p:txBody>
+      </p:sp>
+      <p:sp>
+        <p:nvSpPr>
+          <p:cNvPr id="6" name="TextBox 5"/>
+          <p:cNvSpPr txBox="1"/>
+          <p:nvPr/>
+        </p:nvSpPr>
+        <p:spPr>
+          <a:xfrm>
+            <a:off x="3851920" y="2339588"/>
+            <a:ext cx="4608512" cy="369332"/>
+          </a:xfrm>
+          <a:prstGeom prst="rect">
+            <a:avLst/>
+          </a:prstGeom>
+          <a:noFill/>
+        </p:spPr>
+        <p:txBody>
+          <a:bodyPr wrap="square" rtlCol="0">
+            <a:spAutoFit/>
+          </a:bodyPr>
+          <a:lstStyle/>
+          <a:p>
+            <a:r>
+              <a:rPr lang="en-US" dirty="0" smtClean="0"/>
+              <a:t>http://www.hl7.org/fhir/Profile/iso-21090</a:t>
+            </a:r>
+            <a:endParaRPr lang="nl-NL" dirty="0"/>
+          </a:p>
+        </p:txBody>
+      </p:sp>
+      <p:pic>
+        <p:nvPicPr>
+          <p:cNvPr id="1026" name="Picture 2" descr=" by Allen Enterprises"/>
+          <p:cNvPicPr>
+            <a:picLocks noChangeAspect="1" noChangeArrowheads="1"/>
+          </p:cNvPicPr>
+          <p:nvPr/>
+        </p:nvPicPr>
+        <p:blipFill>
+          <a:blip r:embed="rId5" cstate="print">
+            <a:extLst>
+              <a:ext uri="{28A0092B-C50C-407E-A947-70E740481C1C}">
+                <a14:useLocalDpi xmlns:a14="http://schemas.microsoft.com/office/drawing/2010/main" val="0"/>
+              </a:ext>
+            </a:extLst>
+          </a:blip>
+          <a:srcRect/>
+          <a:stretch>
+            <a:fillRect/>
+          </a:stretch>
+        </p:blipFill>
+        <p:spPr bwMode="auto">
+          <a:xfrm>
+            <a:off x="1153431" y="1673464"/>
+            <a:ext cx="1432132" cy="1432132"/>
+          </a:xfrm>
+          <a:prstGeom prst="rect">
+            <a:avLst/>
+          </a:prstGeom>
+          <a:noFill/>
+          <a:extLst>
+            <a:ext uri="{909E8E84-426E-40DD-AFC4-6F175D3DCCD1}">
+              <a14:hiddenFill xmlns:a14="http://schemas.microsoft.com/office/drawing/2010/main">
+                <a:solidFill>
+                  <a:srgbClr val="FFFFFF"/>
+                </a:solidFill>
+              </a14:hiddenFill>
+            </a:ext>
+          </a:extLst>
+        </p:spPr>
+      </p:pic>
+      <p:sp>
+        <p:nvSpPr>
+          <p:cNvPr id="18" name="TextBox 17"/>
+          <p:cNvSpPr txBox="1"/>
+          <p:nvPr/>
+        </p:nvSpPr>
+        <p:spPr>
+          <a:xfrm>
+            <a:off x="3851921" y="3638249"/>
+            <a:ext cx="4608512" cy="369332"/>
+          </a:xfrm>
+          <a:prstGeom prst="rect">
+            <a:avLst/>
+          </a:prstGeom>
+          <a:noFill/>
+        </p:spPr>
+        <p:txBody>
+          <a:bodyPr wrap="square" rtlCol="0">
+            <a:spAutoFit/>
+          </a:bodyPr>
+          <a:lstStyle/>
+          <a:p>
+            <a:r>
+              <a:rPr lang="en-US" dirty="0" smtClean="0"/>
+              <a:t>http://www.hl7.nl/fhir/Profile/patient-nl</a:t>
+            </a:r>
+            <a:endParaRPr lang="nl-NL" dirty="0"/>
+          </a:p>
+        </p:txBody>
+      </p:sp>
+      <p:sp>
+        <p:nvSpPr>
+          <p:cNvPr id="19" name="TextBox 18"/>
+          <p:cNvSpPr txBox="1"/>
+          <p:nvPr/>
+        </p:nvSpPr>
+        <p:spPr>
+          <a:xfrm>
+            <a:off x="3851920" y="5147900"/>
+            <a:ext cx="4608512" cy="369332"/>
+          </a:xfrm>
+          <a:prstGeom prst="rect">
+            <a:avLst/>
+          </a:prstGeom>
+          <a:noFill/>
+        </p:spPr>
+        <p:txBody>
+          <a:bodyPr wrap="square" rtlCol="0">
+            <a:spAutoFit/>
+          </a:bodyPr>
+          <a:lstStyle/>
+          <a:p>
+            <a:r>
+              <a:rPr lang="en-US" dirty="0" smtClean="0"/>
+              <a:t>http://www.health4all.org/fhir/Profile/</a:t>
+            </a:r>
+            <a:endParaRPr lang="nl-NL" dirty="0"/>
+          </a:p>
+        </p:txBody>
+      </p:sp>
+      <p:sp>
+        <p:nvSpPr>
+          <p:cNvPr id="12" name="Down Arrow 11"/>
+          <p:cNvSpPr/>
+          <p:nvPr/>
+        </p:nvSpPr>
+        <p:spPr>
+          <a:xfrm rot="10800000">
+            <a:off x="165336" y="2207199"/>
+            <a:ext cx="1008112" cy="3201176"/>
+          </a:xfrm>
+          <a:prstGeom prst="downArrow">
+            <a:avLst/>
+          </a:prstGeom>
+        </p:spPr>
+        <p:style>
+          <a:lnRef idx="0">
+            <a:schemeClr val="accent5"/>
+          </a:lnRef>
+          <a:fillRef idx="3">
+            <a:schemeClr val="accent5"/>
+          </a:fillRef>
+          <a:effectRef idx="3">
+            <a:schemeClr val="accent5"/>
+          </a:effectRef>
+          <a:fontRef idx="minor">
+            <a:schemeClr val="lt1"/>
+          </a:fontRef>
+        </p:style>
+        <p:txBody>
+          <a:bodyPr rtlCol="0" anchor="ctr"/>
+          <a:lstStyle/>
+          <a:p>
+            <a:pPr algn="ctr"/>
+            <a:endParaRPr lang="nl-NL">
+              <a:solidFill>
+                <a:prstClr val="white"/>
+              </a:solidFill>
+            </a:endParaRPr>
+          </a:p>
+        </p:txBody>
+      </p:sp>
+    </p:spTree>
+    <p:extLst>
+      <p:ext uri="{BB962C8B-B14F-4D97-AF65-F5344CB8AC3E}">
+        <p14:creationId xmlns:p14="http://schemas.microsoft.com/office/powerpoint/2010/main" val="3291092443"/>
+      </p:ext>
+    </p:extLst>
+  </p:cSld>
+  <p:clrMapOvr>
+    <a:masterClrMapping/>
+  </p:clrMapOvr>
+  <mc:AlternateContent xmlns:mc="http://schemas.openxmlformats.org/markup-compatibility/2006" xmlns:p14="http://schemas.microsoft.com/office/powerpoint/2010/main">
+    <mc:Choice Requires="p14">
+      <p:transition spd="slow" p14:dur="2000"/>
+    </mc:Choice>
+    <mc:Fallback xmlns="">
+      <p:transition spd="slow"/>
+    </mc:Fallback>
+  </mc:AlternateContent>
+  <p:timing>
+    <p:tnLst>
+      <p:par>
+        <p:cTn id="1" dur="indefinite" restart="never" nodeType="tmRoot">
+          <p:childTnLst>
+            <p:seq concurrent="1" nextAc="seek">
+              <p:cTn id="2" dur="indefinite" nodeType="mainSeq">
+                <p:childTnLst>
+                  <p:par>
+                    <p:cTn id="3" fill="hold">
+                      <p:stCondLst>
+                        <p:cond delay="indefinite"/>
+                      </p:stCondLst>
+                      <p:childTnLst>
+                        <p:par>
+                          <p:cTn id="4" fill="hold">
+                            <p:stCondLst>
+                              <p:cond delay="0"/>
+                            </p:stCondLst>
+                            <p:childTnLst>
+                              <p:par>
+                                <p:cTn id="5" presetID="10" presetClass="entr" presetSubtype="0" fill="hold" nodeType="clickEffect">
+                                  <p:stCondLst>
+                                    <p:cond delay="0"/>
+                                  </p:stCondLst>
+                                  <p:childTnLst>
+                                    <p:set>
+                                      <p:cBhvr>
+                                        <p:cTn id="6" dur="1" fill="hold">
+                                          <p:stCondLst>
+                                            <p:cond delay="0"/>
+                                          </p:stCondLst>
+                                        </p:cTn>
+                                        <p:tgtEl>
+                                          <p:spTgt spid="1026"/>
+                                        </p:tgtEl>
+                                        <p:attrNameLst>
+                                          <p:attrName>style.visibility</p:attrName>
+                                        </p:attrNameLst>
+                                      </p:cBhvr>
+                                      <p:to>
+                                        <p:strVal val="visible"/>
+                                      </p:to>
+                                    </p:set>
+                                    <p:animEffect transition="in" filter="fade">
+                                      <p:cBhvr>
+                                        <p:cTn id="7" dur="500"/>
+                                        <p:tgtEl>
+                                          <p:spTgt spid="1026"/>
+                                        </p:tgtEl>
+                                      </p:cBhvr>
+                                    </p:animEffect>
+                                  </p:childTnLst>
+                                </p:cTn>
+                              </p:par>
+                              <p:par>
+                                <p:cTn id="8" presetID="10" presetClass="entr" presetSubtype="0" fill="hold" grpId="0" nodeType="withEffect">
+                                  <p:stCondLst>
+                                    <p:cond delay="0"/>
+                                  </p:stCondLst>
+                                  <p:childTnLst>
+                                    <p:set>
+                                      <p:cBhvr>
+                                        <p:cTn id="9" dur="1" fill="hold">
+                                          <p:stCondLst>
+                                            <p:cond delay="0"/>
+                                          </p:stCondLst>
+                                        </p:cTn>
+                                        <p:tgtEl>
+                                          <p:spTgt spid="6"/>
+                                        </p:tgtEl>
+                                        <p:attrNameLst>
+                                          <p:attrName>style.visibility</p:attrName>
+                                        </p:attrNameLst>
+                                      </p:cBhvr>
+                                      <p:to>
+                                        <p:strVal val="visible"/>
+                                      </p:to>
+                                    </p:set>
+                                    <p:animEffect transition="in" filter="fade">
+                                      <p:cBhvr>
+                                        <p:cTn id="10" dur="500"/>
+                                        <p:tgtEl>
+                                          <p:spTgt spid="6"/>
+                                        </p:tgtEl>
+                                      </p:cBhvr>
+                                    </p:animEffect>
+                                  </p:childTnLst>
+                                </p:cTn>
+                              </p:par>
+                            </p:childTnLst>
+                          </p:cTn>
+                        </p:par>
+                      </p:childTnLst>
+                    </p:cTn>
+                  </p:par>
+                  <p:par>
+                    <p:cTn id="11" fill="hold">
+                      <p:stCondLst>
+                        <p:cond delay="indefinite"/>
+                      </p:stCondLst>
+                      <p:childTnLst>
+                        <p:par>
+                          <p:cTn id="12" fill="hold">
+                            <p:stCondLst>
+                              <p:cond delay="0"/>
+                            </p:stCondLst>
+                            <p:childTnLst>
+                              <p:par>
+                                <p:cTn id="13" presetID="10" presetClass="entr" presetSubtype="0" fill="hold" grpId="0" nodeType="clickEffect">
+                                  <p:stCondLst>
+                                    <p:cond delay="0"/>
+                                  </p:stCondLst>
+                                  <p:childTnLst>
+                                    <p:set>
+                                      <p:cBhvr>
+                                        <p:cTn id="14" dur="1" fill="hold">
+                                          <p:stCondLst>
+                                            <p:cond delay="0"/>
+                                          </p:stCondLst>
+                                        </p:cTn>
+                                        <p:tgtEl>
+                                          <p:spTgt spid="13"/>
+                                        </p:tgtEl>
+                                        <p:attrNameLst>
+                                          <p:attrName>style.visibility</p:attrName>
+                                        </p:attrNameLst>
+                                      </p:cBhvr>
+                                      <p:to>
+                                        <p:strVal val="visible"/>
+                                      </p:to>
+                                    </p:set>
+                                    <p:animEffect transition="in" filter="fade">
+                                      <p:cBhvr>
+                                        <p:cTn id="15" dur="500"/>
+                                        <p:tgtEl>
+                                          <p:spTgt spid="13"/>
+                                        </p:tgtEl>
+                                      </p:cBhvr>
+                                    </p:animEffect>
+                                  </p:childTnLst>
+                                </p:cTn>
+                              </p:par>
+                              <p:par>
+                                <p:cTn id="16" presetID="10" presetClass="entr" presetSubtype="0" fill="hold" nodeType="withEffect">
+                                  <p:stCondLst>
+                                    <p:cond delay="0"/>
+                                  </p:stCondLst>
+                                  <p:childTnLst>
+                                    <p:set>
+                                      <p:cBhvr>
+                                        <p:cTn id="17" dur="1" fill="hold">
+                                          <p:stCondLst>
+                                            <p:cond delay="0"/>
+                                          </p:stCondLst>
+                                        </p:cTn>
+                                        <p:tgtEl>
+                                          <p:spTgt spid="2"/>
+                                        </p:tgtEl>
+                                        <p:attrNameLst>
+                                          <p:attrName>style.visibility</p:attrName>
+                                        </p:attrNameLst>
+                                      </p:cBhvr>
+                                      <p:to>
+                                        <p:strVal val="visible"/>
+                                      </p:to>
+                                    </p:set>
+                                    <p:animEffect transition="in" filter="fade">
+                                      <p:cBhvr>
+                                        <p:cTn id="18" dur="500"/>
+                                        <p:tgtEl>
+                                          <p:spTgt spid="2"/>
+                                        </p:tgtEl>
+                                      </p:cBhvr>
+                                    </p:animEffect>
+                                  </p:childTnLst>
+                                </p:cTn>
+                              </p:par>
+                              <p:par>
+                                <p:cTn id="19" presetID="10" presetClass="entr" presetSubtype="0" fill="hold" grpId="0" nodeType="withEffect">
+                                  <p:stCondLst>
+                                    <p:cond delay="0"/>
+                                  </p:stCondLst>
+                                  <p:childTnLst>
+                                    <p:set>
+                                      <p:cBhvr>
+                                        <p:cTn id="20" dur="1" fill="hold">
+                                          <p:stCondLst>
+                                            <p:cond delay="0"/>
+                                          </p:stCondLst>
+                                        </p:cTn>
+                                        <p:tgtEl>
+                                          <p:spTgt spid="19"/>
+                                        </p:tgtEl>
+                                        <p:attrNameLst>
+                                          <p:attrName>style.visibility</p:attrName>
+                                        </p:attrNameLst>
+                                      </p:cBhvr>
+                                      <p:to>
+                                        <p:strVal val="visible"/>
+                                      </p:to>
+                                    </p:set>
+                                    <p:animEffect transition="in" filter="fade">
+                                      <p:cBhvr>
+                                        <p:cTn id="21" dur="500"/>
+                                        <p:tgtEl>
+                                          <p:spTgt spid="19"/>
+                                        </p:tgtEl>
+                                      </p:cBhvr>
+                                    </p:animEffect>
+                                  </p:childTnLst>
+                                </p:cTn>
+                              </p:par>
+                            </p:childTnLst>
+                          </p:cTn>
+                        </p:par>
+                      </p:childTnLst>
+                    </p:cTn>
+                  </p:par>
+                  <p:par>
+                    <p:cTn id="22" fill="hold">
+                      <p:stCondLst>
+                        <p:cond delay="indefinite"/>
+                      </p:stCondLst>
+                      <p:childTnLst>
+                        <p:par>
+                          <p:cTn id="23" fill="hold">
+                            <p:stCondLst>
+                              <p:cond delay="0"/>
+                            </p:stCondLst>
+                            <p:childTnLst>
+                              <p:par>
+                                <p:cTn id="24" presetID="10" presetClass="entr" presetSubtype="0" fill="hold" nodeType="clickEffect">
+                                  <p:stCondLst>
+                                    <p:cond delay="0"/>
+                                  </p:stCondLst>
+                                  <p:childTnLst>
+                                    <p:set>
+                                      <p:cBhvr>
+                                        <p:cTn id="25" dur="1" fill="hold">
+                                          <p:stCondLst>
+                                            <p:cond delay="0"/>
+                                          </p:stCondLst>
+                                        </p:cTn>
+                                        <p:tgtEl>
+                                          <p:spTgt spid="21"/>
+                                        </p:tgtEl>
+                                        <p:attrNameLst>
+                                          <p:attrName>style.visibility</p:attrName>
+                                        </p:attrNameLst>
+                                      </p:cBhvr>
+                                      <p:to>
+                                        <p:strVal val="visible"/>
+                                      </p:to>
+                                    </p:set>
+                                    <p:animEffect transition="in" filter="fade">
+                                      <p:cBhvr>
+                                        <p:cTn id="26" dur="500"/>
+                                        <p:tgtEl>
+                                          <p:spTgt spid="21"/>
+                                        </p:tgtEl>
+                                      </p:cBhvr>
+                                    </p:animEffect>
+                                  </p:childTnLst>
+                                </p:cTn>
+                              </p:par>
+                              <p:par>
+                                <p:cTn id="27" presetID="10" presetClass="entr" presetSubtype="0" fill="hold" grpId="0" nodeType="withEffect">
+                                  <p:stCondLst>
+                                    <p:cond delay="0"/>
+                                  </p:stCondLst>
+                                  <p:childTnLst>
+                                    <p:set>
+                                      <p:cBhvr>
+                                        <p:cTn id="28" dur="1" fill="hold">
+                                          <p:stCondLst>
+                                            <p:cond delay="0"/>
+                                          </p:stCondLst>
+                                        </p:cTn>
+                                        <p:tgtEl>
+                                          <p:spTgt spid="12"/>
+                                        </p:tgtEl>
+                                        <p:attrNameLst>
+                                          <p:attrName>style.visibility</p:attrName>
+                                        </p:attrNameLst>
+                                      </p:cBhvr>
+                                      <p:to>
+                                        <p:strVal val="visible"/>
+                                      </p:to>
+                                    </p:set>
+                                    <p:animEffect transition="in" filter="fade">
+                                      <p:cBhvr>
+                                        <p:cTn id="29" dur="500"/>
+                                        <p:tgtEl>
+                                          <p:spTgt spid="12"/>
+                                        </p:tgtEl>
+                                      </p:cBhvr>
+                                    </p:animEffect>
+                                  </p:childTnLst>
+                                </p:cTn>
+                              </p:par>
+                              <p:par>
+                                <p:cTn id="30" presetID="10" presetClass="entr" presetSubtype="0" fill="hold" grpId="0" nodeType="withEffect">
+                                  <p:stCondLst>
+                                    <p:cond delay="0"/>
+                                  </p:stCondLst>
+                                  <p:childTnLst>
+                                    <p:set>
+                                      <p:cBhvr>
+                                        <p:cTn id="31" dur="1" fill="hold">
+                                          <p:stCondLst>
+                                            <p:cond delay="0"/>
+                                          </p:stCondLst>
+                                        </p:cTn>
+                                        <p:tgtEl>
+                                          <p:spTgt spid="18"/>
+                                        </p:tgtEl>
+                                        <p:attrNameLst>
+                                          <p:attrName>style.visibility</p:attrName>
+                                        </p:attrNameLst>
+                                      </p:cBhvr>
+                                      <p:to>
+                                        <p:strVal val="visible"/>
+                                      </p:to>
+                                    </p:set>
+                                    <p:animEffect transition="in" filter="fade">
+                                      <p:cBhvr>
+                                        <p:cTn id="32" dur="500"/>
+                                        <p:tgtEl>
+                                          <p:spTgt spid="18"/>
+                                        </p:tgtEl>
+                                      </p:cBhvr>
+                                    </p:animEffect>
+                                  </p:childTnLst>
+                                </p:cTn>
+                              </p:par>
+                            </p:childTnLst>
+                          </p:cTn>
+                        </p:par>
+                      </p:childTnLst>
+                    </p:cTn>
+                  </p:par>
+                </p:childTnLst>
+              </p:cTn>
+              <p:prevCondLst>
+                <p:cond evt="onPrev" delay="0">
+                  <p:tgtEl>
+                    <p:sldTgt/>
+                  </p:tgtEl>
+                </p:cond>
+              </p:prevCondLst>
+              <p:nextCondLst>
+                <p:cond evt="onNext" delay="0">
+                  <p:tgtEl>
+                    <p:sldTgt/>
+                  </p:tgtEl>
+                </p:cond>
+              </p:nextCondLst>
+            </p:seq>
+          </p:childTnLst>
+        </p:cTn>
+      </p:par>
+    </p:tnLst>
+    <p:bldLst>
+      <p:bldP spid="13" grpId="0" animBg="1"/>
+      <p:bldP spid="6" grpId="0"/>
+      <p:bldP spid="18" grpId="0"/>
+      <p:bldP spid="19" grpId="0"/>
+      <p:bldP spid="12" grpId="0" animBg="1"/>
+    </p:bldLst>
+  </p:timing>
 </p:sld>
 </file>
 
@@ -7336,9 +8176,587 @@
   <p:timing>
     <p:tnLst>
       <p:par>
-        <p:cTn id="1" dur="indefinite" restart="never" nodeType="tmRoot"/>
+        <p:cTn id="1" dur="indefinite" restart="never" nodeType="tmRoot">
+          <p:childTnLst>
+            <p:seq concurrent="1" nextAc="seek">
+              <p:cTn id="2" dur="indefinite" nodeType="mainSeq">
+                <p:childTnLst>
+                  <p:par>
+                    <p:cTn id="3" fill="hold">
+                      <p:stCondLst>
+                        <p:cond delay="indefinite"/>
+                      </p:stCondLst>
+                      <p:childTnLst>
+                        <p:par>
+                          <p:cTn id="4" fill="hold">
+                            <p:stCondLst>
+                              <p:cond delay="0"/>
+                            </p:stCondLst>
+                            <p:childTnLst>
+                              <p:par>
+                                <p:cTn id="5" presetID="10" presetClass="entr" presetSubtype="0" fill="hold" grpId="0" nodeType="clickEffect">
+                                  <p:stCondLst>
+                                    <p:cond delay="0"/>
+                                  </p:stCondLst>
+                                  <p:childTnLst>
+                                    <p:set>
+                                      <p:cBhvr>
+                                        <p:cTn id="6" dur="1" fill="hold">
+                                          <p:stCondLst>
+                                            <p:cond delay="0"/>
+                                          </p:stCondLst>
+                                        </p:cTn>
+                                        <p:tgtEl>
+                                          <p:spTgt spid="5"/>
+                                        </p:tgtEl>
+                                        <p:attrNameLst>
+                                          <p:attrName>style.visibility</p:attrName>
+                                        </p:attrNameLst>
+                                      </p:cBhvr>
+                                      <p:to>
+                                        <p:strVal val="visible"/>
+                                      </p:to>
+                                    </p:set>
+                                    <p:animEffect transition="in" filter="fade">
+                                      <p:cBhvr>
+                                        <p:cTn id="7" dur="500"/>
+                                        <p:tgtEl>
+                                          <p:spTgt spid="5"/>
+                                        </p:tgtEl>
+                                      </p:cBhvr>
+                                    </p:animEffect>
+                                  </p:childTnLst>
+                                </p:cTn>
+                              </p:par>
+                            </p:childTnLst>
+                          </p:cTn>
+                        </p:par>
+                      </p:childTnLst>
+                    </p:cTn>
+                  </p:par>
+                  <p:par>
+                    <p:cTn id="8" fill="hold">
+                      <p:stCondLst>
+                        <p:cond delay="indefinite"/>
+                      </p:stCondLst>
+                      <p:childTnLst>
+                        <p:par>
+                          <p:cTn id="9" fill="hold">
+                            <p:stCondLst>
+                              <p:cond delay="0"/>
+                            </p:stCondLst>
+                            <p:childTnLst>
+                              <p:par>
+                                <p:cTn id="10" presetID="10" presetClass="entr" presetSubtype="0" fill="hold" grpId="0" nodeType="clickEffect">
+                                  <p:stCondLst>
+                                    <p:cond delay="0"/>
+                                  </p:stCondLst>
+                                  <p:childTnLst>
+                                    <p:set>
+                                      <p:cBhvr>
+                                        <p:cTn id="11" dur="1" fill="hold">
+                                          <p:stCondLst>
+                                            <p:cond delay="0"/>
+                                          </p:stCondLst>
+                                        </p:cTn>
+                                        <p:tgtEl>
+                                          <p:spTgt spid="7"/>
+                                        </p:tgtEl>
+                                        <p:attrNameLst>
+                                          <p:attrName>style.visibility</p:attrName>
+                                        </p:attrNameLst>
+                                      </p:cBhvr>
+                                      <p:to>
+                                        <p:strVal val="visible"/>
+                                      </p:to>
+                                    </p:set>
+                                    <p:animEffect transition="in" filter="fade">
+                                      <p:cBhvr>
+                                        <p:cTn id="12" dur="500"/>
+                                        <p:tgtEl>
+                                          <p:spTgt spid="7"/>
+                                        </p:tgtEl>
+                                      </p:cBhvr>
+                                    </p:animEffect>
+                                  </p:childTnLst>
+                                </p:cTn>
+                              </p:par>
+                            </p:childTnLst>
+                          </p:cTn>
+                        </p:par>
+                      </p:childTnLst>
+                    </p:cTn>
+                  </p:par>
+                  <p:par>
+                    <p:cTn id="13" fill="hold">
+                      <p:stCondLst>
+                        <p:cond delay="indefinite"/>
+                      </p:stCondLst>
+                      <p:childTnLst>
+                        <p:par>
+                          <p:cTn id="14" fill="hold">
+                            <p:stCondLst>
+                              <p:cond delay="0"/>
+                            </p:stCondLst>
+                            <p:childTnLst>
+                              <p:par>
+                                <p:cTn id="15" presetID="10" presetClass="entr" presetSubtype="0" fill="hold" grpId="0" nodeType="clickEffect">
+                                  <p:stCondLst>
+                                    <p:cond delay="0"/>
+                                  </p:stCondLst>
+                                  <p:childTnLst>
+                                    <p:set>
+                                      <p:cBhvr>
+                                        <p:cTn id="16" dur="1" fill="hold">
+                                          <p:stCondLst>
+                                            <p:cond delay="0"/>
+                                          </p:stCondLst>
+                                        </p:cTn>
+                                        <p:tgtEl>
+                                          <p:spTgt spid="8"/>
+                                        </p:tgtEl>
+                                        <p:attrNameLst>
+                                          <p:attrName>style.visibility</p:attrName>
+                                        </p:attrNameLst>
+                                      </p:cBhvr>
+                                      <p:to>
+                                        <p:strVal val="visible"/>
+                                      </p:to>
+                                    </p:set>
+                                    <p:animEffect transition="in" filter="fade">
+                                      <p:cBhvr>
+                                        <p:cTn id="17" dur="500"/>
+                                        <p:tgtEl>
+                                          <p:spTgt spid="8"/>
+                                        </p:tgtEl>
+                                      </p:cBhvr>
+                                    </p:animEffect>
+                                  </p:childTnLst>
+                                </p:cTn>
+                              </p:par>
+                            </p:childTnLst>
+                          </p:cTn>
+                        </p:par>
+                      </p:childTnLst>
+                    </p:cTn>
+                  </p:par>
+                  <p:par>
+                    <p:cTn id="18" fill="hold">
+                      <p:stCondLst>
+                        <p:cond delay="indefinite"/>
+                      </p:stCondLst>
+                      <p:childTnLst>
+                        <p:par>
+                          <p:cTn id="19" fill="hold">
+                            <p:stCondLst>
+                              <p:cond delay="0"/>
+                            </p:stCondLst>
+                            <p:childTnLst>
+                              <p:par>
+                                <p:cTn id="20" presetID="10" presetClass="entr" presetSubtype="0" fill="hold" nodeType="clickEffect">
+                                  <p:stCondLst>
+                                    <p:cond delay="0"/>
+                                  </p:stCondLst>
+                                  <p:childTnLst>
+                                    <p:set>
+                                      <p:cBhvr>
+                                        <p:cTn id="21" dur="1" fill="hold">
+                                          <p:stCondLst>
+                                            <p:cond delay="0"/>
+                                          </p:stCondLst>
+                                        </p:cTn>
+                                        <p:tgtEl>
+                                          <p:spTgt spid="22"/>
+                                        </p:tgtEl>
+                                        <p:attrNameLst>
+                                          <p:attrName>style.visibility</p:attrName>
+                                        </p:attrNameLst>
+                                      </p:cBhvr>
+                                      <p:to>
+                                        <p:strVal val="visible"/>
+                                      </p:to>
+                                    </p:set>
+                                    <p:animEffect transition="in" filter="fade">
+                                      <p:cBhvr>
+                                        <p:cTn id="22" dur="500"/>
+                                        <p:tgtEl>
+                                          <p:spTgt spid="22"/>
+                                        </p:tgtEl>
+                                      </p:cBhvr>
+                                    </p:animEffect>
+                                  </p:childTnLst>
+                                </p:cTn>
+                              </p:par>
+                              <p:par>
+                                <p:cTn id="23" presetID="10" presetClass="entr" presetSubtype="0" fill="hold" nodeType="withEffect">
+                                  <p:stCondLst>
+                                    <p:cond delay="0"/>
+                                  </p:stCondLst>
+                                  <p:childTnLst>
+                                    <p:set>
+                                      <p:cBhvr>
+                                        <p:cTn id="24" dur="1" fill="hold">
+                                          <p:stCondLst>
+                                            <p:cond delay="0"/>
+                                          </p:stCondLst>
+                                        </p:cTn>
+                                        <p:tgtEl>
+                                          <p:spTgt spid="20"/>
+                                        </p:tgtEl>
+                                        <p:attrNameLst>
+                                          <p:attrName>style.visibility</p:attrName>
+                                        </p:attrNameLst>
+                                      </p:cBhvr>
+                                      <p:to>
+                                        <p:strVal val="visible"/>
+                                      </p:to>
+                                    </p:set>
+                                    <p:animEffect transition="in" filter="fade">
+                                      <p:cBhvr>
+                                        <p:cTn id="25" dur="500"/>
+                                        <p:tgtEl>
+                                          <p:spTgt spid="20"/>
+                                        </p:tgtEl>
+                                      </p:cBhvr>
+                                    </p:animEffect>
+                                  </p:childTnLst>
+                                </p:cTn>
+                              </p:par>
+                              <p:par>
+                                <p:cTn id="26" presetID="10" presetClass="entr" presetSubtype="0" fill="hold" grpId="0" nodeType="withEffect">
+                                  <p:stCondLst>
+                                    <p:cond delay="0"/>
+                                  </p:stCondLst>
+                                  <p:childTnLst>
+                                    <p:set>
+                                      <p:cBhvr>
+                                        <p:cTn id="27" dur="1" fill="hold">
+                                          <p:stCondLst>
+                                            <p:cond delay="0"/>
+                                          </p:stCondLst>
+                                        </p:cTn>
+                                        <p:tgtEl>
+                                          <p:spTgt spid="14"/>
+                                        </p:tgtEl>
+                                        <p:attrNameLst>
+                                          <p:attrName>style.visibility</p:attrName>
+                                        </p:attrNameLst>
+                                      </p:cBhvr>
+                                      <p:to>
+                                        <p:strVal val="visible"/>
+                                      </p:to>
+                                    </p:set>
+                                    <p:animEffect transition="in" filter="fade">
+                                      <p:cBhvr>
+                                        <p:cTn id="28" dur="500"/>
+                                        <p:tgtEl>
+                                          <p:spTgt spid="14"/>
+                                        </p:tgtEl>
+                                      </p:cBhvr>
+                                    </p:animEffect>
+                                  </p:childTnLst>
+                                </p:cTn>
+                              </p:par>
+                              <p:par>
+                                <p:cTn id="29" presetID="10" presetClass="entr" presetSubtype="0" fill="hold" grpId="0" nodeType="withEffect">
+                                  <p:stCondLst>
+                                    <p:cond delay="0"/>
+                                  </p:stCondLst>
+                                  <p:childTnLst>
+                                    <p:set>
+                                      <p:cBhvr>
+                                        <p:cTn id="30" dur="1" fill="hold">
+                                          <p:stCondLst>
+                                            <p:cond delay="0"/>
+                                          </p:stCondLst>
+                                        </p:cTn>
+                                        <p:tgtEl>
+                                          <p:spTgt spid="13"/>
+                                        </p:tgtEl>
+                                        <p:attrNameLst>
+                                          <p:attrName>style.visibility</p:attrName>
+                                        </p:attrNameLst>
+                                      </p:cBhvr>
+                                      <p:to>
+                                        <p:strVal val="visible"/>
+                                      </p:to>
+                                    </p:set>
+                                    <p:animEffect transition="in" filter="fade">
+                                      <p:cBhvr>
+                                        <p:cTn id="31" dur="500"/>
+                                        <p:tgtEl>
+                                          <p:spTgt spid="13"/>
+                                        </p:tgtEl>
+                                      </p:cBhvr>
+                                    </p:animEffect>
+                                  </p:childTnLst>
+                                </p:cTn>
+                              </p:par>
+                            </p:childTnLst>
+                          </p:cTn>
+                        </p:par>
+                      </p:childTnLst>
+                    </p:cTn>
+                  </p:par>
+                  <p:par>
+                    <p:cTn id="32" fill="hold">
+                      <p:stCondLst>
+                        <p:cond delay="indefinite"/>
+                      </p:stCondLst>
+                      <p:childTnLst>
+                        <p:par>
+                          <p:cTn id="33" fill="hold">
+                            <p:stCondLst>
+                              <p:cond delay="0"/>
+                            </p:stCondLst>
+                            <p:childTnLst>
+                              <p:par>
+                                <p:cTn id="34" presetID="10" presetClass="entr" presetSubtype="0" fill="hold" grpId="0" nodeType="clickEffect">
+                                  <p:stCondLst>
+                                    <p:cond delay="0"/>
+                                  </p:stCondLst>
+                                  <p:childTnLst>
+                                    <p:set>
+                                      <p:cBhvr>
+                                        <p:cTn id="35" dur="1" fill="hold">
+                                          <p:stCondLst>
+                                            <p:cond delay="0"/>
+                                          </p:stCondLst>
+                                        </p:cTn>
+                                        <p:tgtEl>
+                                          <p:spTgt spid="11"/>
+                                        </p:tgtEl>
+                                        <p:attrNameLst>
+                                          <p:attrName>style.visibility</p:attrName>
+                                        </p:attrNameLst>
+                                      </p:cBhvr>
+                                      <p:to>
+                                        <p:strVal val="visible"/>
+                                      </p:to>
+                                    </p:set>
+                                    <p:animEffect transition="in" filter="fade">
+                                      <p:cBhvr>
+                                        <p:cTn id="36" dur="500"/>
+                                        <p:tgtEl>
+                                          <p:spTgt spid="11"/>
+                                        </p:tgtEl>
+                                      </p:cBhvr>
+                                    </p:animEffect>
+                                  </p:childTnLst>
+                                </p:cTn>
+                              </p:par>
+                              <p:par>
+                                <p:cTn id="37" presetID="10" presetClass="entr" presetSubtype="0" fill="hold" nodeType="withEffect">
+                                  <p:stCondLst>
+                                    <p:cond delay="0"/>
+                                  </p:stCondLst>
+                                  <p:childTnLst>
+                                    <p:set>
+                                      <p:cBhvr>
+                                        <p:cTn id="38" dur="1" fill="hold">
+                                          <p:stCondLst>
+                                            <p:cond delay="0"/>
+                                          </p:stCondLst>
+                                        </p:cTn>
+                                        <p:tgtEl>
+                                          <p:spTgt spid="15"/>
+                                        </p:tgtEl>
+                                        <p:attrNameLst>
+                                          <p:attrName>style.visibility</p:attrName>
+                                        </p:attrNameLst>
+                                      </p:cBhvr>
+                                      <p:to>
+                                        <p:strVal val="visible"/>
+                                      </p:to>
+                                    </p:set>
+                                    <p:animEffect transition="in" filter="fade">
+                                      <p:cBhvr>
+                                        <p:cTn id="39" dur="500"/>
+                                        <p:tgtEl>
+                                          <p:spTgt spid="15"/>
+                                        </p:tgtEl>
+                                      </p:cBhvr>
+                                    </p:animEffect>
+                                  </p:childTnLst>
+                                </p:cTn>
+                              </p:par>
+                              <p:par>
+                                <p:cTn id="40" presetID="10" presetClass="entr" presetSubtype="0" fill="hold" grpId="0" nodeType="withEffect">
+                                  <p:stCondLst>
+                                    <p:cond delay="0"/>
+                                  </p:stCondLst>
+                                  <p:childTnLst>
+                                    <p:set>
+                                      <p:cBhvr>
+                                        <p:cTn id="41" dur="1" fill="hold">
+                                          <p:stCondLst>
+                                            <p:cond delay="0"/>
+                                          </p:stCondLst>
+                                        </p:cTn>
+                                        <p:tgtEl>
+                                          <p:spTgt spid="12"/>
+                                        </p:tgtEl>
+                                        <p:attrNameLst>
+                                          <p:attrName>style.visibility</p:attrName>
+                                        </p:attrNameLst>
+                                      </p:cBhvr>
+                                      <p:to>
+                                        <p:strVal val="visible"/>
+                                      </p:to>
+                                    </p:set>
+                                    <p:animEffect transition="in" filter="fade">
+                                      <p:cBhvr>
+                                        <p:cTn id="42" dur="500"/>
+                                        <p:tgtEl>
+                                          <p:spTgt spid="12"/>
+                                        </p:tgtEl>
+                                      </p:cBhvr>
+                                    </p:animEffect>
+                                  </p:childTnLst>
+                                </p:cTn>
+                              </p:par>
+                              <p:par>
+                                <p:cTn id="43" presetID="10" presetClass="entr" presetSubtype="0" fill="hold" nodeType="withEffect">
+                                  <p:stCondLst>
+                                    <p:cond delay="0"/>
+                                  </p:stCondLst>
+                                  <p:childTnLst>
+                                    <p:set>
+                                      <p:cBhvr>
+                                        <p:cTn id="44" dur="1" fill="hold">
+                                          <p:stCondLst>
+                                            <p:cond delay="0"/>
+                                          </p:stCondLst>
+                                        </p:cTn>
+                                        <p:tgtEl>
+                                          <p:spTgt spid="17"/>
+                                        </p:tgtEl>
+                                        <p:attrNameLst>
+                                          <p:attrName>style.visibility</p:attrName>
+                                        </p:attrNameLst>
+                                      </p:cBhvr>
+                                      <p:to>
+                                        <p:strVal val="visible"/>
+                                      </p:to>
+                                    </p:set>
+                                    <p:animEffect transition="in" filter="fade">
+                                      <p:cBhvr>
+                                        <p:cTn id="45" dur="500"/>
+                                        <p:tgtEl>
+                                          <p:spTgt spid="17"/>
+                                        </p:tgtEl>
+                                      </p:cBhvr>
+                                    </p:animEffect>
+                                  </p:childTnLst>
+                                </p:cTn>
+                              </p:par>
+                              <p:par>
+                                <p:cTn id="46" presetID="10" presetClass="entr" presetSubtype="0" fill="hold" nodeType="withEffect">
+                                  <p:stCondLst>
+                                    <p:cond delay="0"/>
+                                  </p:stCondLst>
+                                  <p:childTnLst>
+                                    <p:set>
+                                      <p:cBhvr>
+                                        <p:cTn id="47" dur="1" fill="hold">
+                                          <p:stCondLst>
+                                            <p:cond delay="0"/>
+                                          </p:stCondLst>
+                                        </p:cTn>
+                                        <p:tgtEl>
+                                          <p:spTgt spid="31"/>
+                                        </p:tgtEl>
+                                        <p:attrNameLst>
+                                          <p:attrName>style.visibility</p:attrName>
+                                        </p:attrNameLst>
+                                      </p:cBhvr>
+                                      <p:to>
+                                        <p:strVal val="visible"/>
+                                      </p:to>
+                                    </p:set>
+                                    <p:animEffect transition="in" filter="fade">
+                                      <p:cBhvr>
+                                        <p:cTn id="48" dur="500"/>
+                                        <p:tgtEl>
+                                          <p:spTgt spid="31"/>
+                                        </p:tgtEl>
+                                      </p:cBhvr>
+                                    </p:animEffect>
+                                  </p:childTnLst>
+                                </p:cTn>
+                              </p:par>
+                              <p:par>
+                                <p:cTn id="49" presetID="10" presetClass="entr" presetSubtype="0" fill="hold" grpId="0" nodeType="withEffect">
+                                  <p:stCondLst>
+                                    <p:cond delay="0"/>
+                                  </p:stCondLst>
+                                  <p:childTnLst>
+                                    <p:set>
+                                      <p:cBhvr>
+                                        <p:cTn id="50" dur="1" fill="hold">
+                                          <p:stCondLst>
+                                            <p:cond delay="0"/>
+                                          </p:stCondLst>
+                                        </p:cTn>
+                                        <p:tgtEl>
+                                          <p:spTgt spid="30"/>
+                                        </p:tgtEl>
+                                        <p:attrNameLst>
+                                          <p:attrName>style.visibility</p:attrName>
+                                        </p:attrNameLst>
+                                      </p:cBhvr>
+                                      <p:to>
+                                        <p:strVal val="visible"/>
+                                      </p:to>
+                                    </p:set>
+                                    <p:animEffect transition="in" filter="fade">
+                                      <p:cBhvr>
+                                        <p:cTn id="51" dur="500"/>
+                                        <p:tgtEl>
+                                          <p:spTgt spid="30"/>
+                                        </p:tgtEl>
+                                      </p:cBhvr>
+                                    </p:animEffect>
+                                  </p:childTnLst>
+                                </p:cTn>
+                              </p:par>
+                            </p:childTnLst>
+                          </p:cTn>
+                        </p:par>
+                      </p:childTnLst>
+                    </p:cTn>
+                  </p:par>
+                </p:childTnLst>
+              </p:cTn>
+              <p:prevCondLst>
+                <p:cond evt="onPrev" delay="0">
+                  <p:tgtEl>
+                    <p:sldTgt/>
+                  </p:tgtEl>
+                </p:cond>
+              </p:prevCondLst>
+              <p:nextCondLst>
+                <p:cond evt="onNext" delay="0">
+                  <p:tgtEl>
+                    <p:sldTgt/>
+                  </p:tgtEl>
+                </p:cond>
+              </p:nextCondLst>
+            </p:seq>
+          </p:childTnLst>
+        </p:cTn>
       </p:par>
     </p:tnLst>
+    <p:bldLst>
+      <p:bldP spid="5" grpId="0" animBg="1"/>
+      <p:bldP spid="7" grpId="0" animBg="1"/>
+      <p:bldP spid="8" grpId="0" animBg="1"/>
+      <p:bldP spid="11" grpId="0" animBg="1"/>
+      <p:bldP spid="12" grpId="0" animBg="1"/>
+      <p:bldP spid="13" grpId="0" animBg="1"/>
+      <p:bldP spid="14" grpId="0" animBg="1"/>
+      <p:bldP spid="30" grpId="0" animBg="1"/>
+    </p:bldLst>
   </p:timing>
 </p:sld>
 </file>
@@ -7452,6 +8870,13 @@
   <p:clrMapOvr>
     <a:masterClrMapping/>
   </p:clrMapOvr>
+  <p:timing>
+    <p:tnLst>
+      <p:par>
+        <p:cTn id="1" dur="indefinite" restart="never" nodeType="tmRoot"/>
+      </p:par>
+    </p:tnLst>
+  </p:timing>
 </p:sld>
 </file>
 
@@ -7988,7 +9413,7 @@
           <a:p>
             <a:fld id="{8FCA521A-5C8A-4933-9234-1A0DD0C7D7AC}" type="datetime1">
               <a:rPr lang="en-US" smtClean="0"/>
-              <a:t>1/14/2014</a:t>
+              <a:t>1/19/2014</a:t>
             </a:fld>
             <a:endParaRPr lang="en-US"/>
           </a:p>
@@ -8446,6 +9871,13 @@
   <p:clrMapOvr>
     <a:masterClrMapping/>
   </p:clrMapOvr>
+  <p:timing>
+    <p:tnLst>
+      <p:par>
+        <p:cTn id="1" dur="indefinite" restart="never" nodeType="tmRoot"/>
+      </p:par>
+    </p:tnLst>
+  </p:timing>
 </p:sld>
 </file>
 
@@ -9384,6 +10816,13 @@
   <p:clrMapOvr>
     <a:masterClrMapping/>
   </p:clrMapOvr>
+  <p:timing>
+    <p:tnLst>
+      <p:par>
+        <p:cTn id="1" dur="indefinite" restart="never" nodeType="tmRoot"/>
+      </p:par>
+    </p:tnLst>
+  </p:timing>
 </p:sld>
 </file>
 
@@ -11680,6 +13119,13 @@
   <p:clrMapOvr>
     <a:masterClrMapping/>
   </p:clrMapOvr>
+  <p:timing>
+    <p:tnLst>
+      <p:par>
+        <p:cTn id="1" dur="indefinite" restart="never" nodeType="tmRoot"/>
+      </p:par>
+    </p:tnLst>
+  </p:timing>
 </p:sld>
 </file>
 
@@ -11884,7 +13330,7 @@
           <a:p>
             <a:r>
               <a:rPr lang="en-US" dirty="0" smtClean="0"/>
-              <a:t>About your organization</a:t>
+              <a:t>Who has looked at Profile in the spec?</a:t>
             </a:r>
           </a:p>
           <a:p>
@@ -11893,7 +13339,15 @@
           <a:p>
             <a:r>
               <a:rPr lang="en-US" dirty="0" smtClean="0"/>
-              <a:t>Interest in authoring profiles</a:t>
+              <a:t>Who has near-future </a:t>
+            </a:r>
+            <a:r>
+              <a:rPr lang="en-US" dirty="0" smtClean="0"/>
+              <a:t>needs for </a:t>
+            </a:r>
+            <a:r>
+              <a:rPr lang="en-US" dirty="0" smtClean="0"/>
+              <a:t>authoring profiles?</a:t>
             </a:r>
           </a:p>
           <a:p>
@@ -11902,8 +13356,12 @@
           <a:p>
             <a:r>
               <a:rPr lang="en-US" dirty="0" smtClean="0"/>
-              <a:t>Near-future needs for profiles</a:t>
-            </a:r>
+              <a:t>Who’s comfortable looking at XML?</a:t>
+            </a:r>
+            <a:endParaRPr lang="en-US" dirty="0"/>
+          </a:p>
+          <a:p>
+            <a:endParaRPr lang="en-US" dirty="0" smtClean="0"/>
           </a:p>
           <a:p>
             <a:pPr marL="0" indent="0">
@@ -11950,9 +13408,218 @@
   <p:timing>
     <p:tnLst>
       <p:par>
-        <p:cTn id="1" dur="indefinite" restart="never" nodeType="tmRoot"/>
+        <p:cTn id="1" dur="indefinite" restart="never" nodeType="tmRoot">
+          <p:childTnLst>
+            <p:seq concurrent="1" nextAc="seek">
+              <p:cTn id="2" dur="indefinite" nodeType="mainSeq">
+                <p:childTnLst>
+                  <p:par>
+                    <p:cTn id="3" fill="hold">
+                      <p:stCondLst>
+                        <p:cond delay="indefinite"/>
+                      </p:stCondLst>
+                      <p:childTnLst>
+                        <p:par>
+                          <p:cTn id="4" fill="hold">
+                            <p:stCondLst>
+                              <p:cond delay="0"/>
+                            </p:stCondLst>
+                            <p:childTnLst>
+                              <p:par>
+                                <p:cTn id="5" presetID="10" presetClass="entr" presetSubtype="0" fill="hold" grpId="0" nodeType="clickEffect">
+                                  <p:stCondLst>
+                                    <p:cond delay="0"/>
+                                  </p:stCondLst>
+                                  <p:childTnLst>
+                                    <p:set>
+                                      <p:cBhvr>
+                                        <p:cTn id="6" dur="1" fill="hold">
+                                          <p:stCondLst>
+                                            <p:cond delay="0"/>
+                                          </p:stCondLst>
+                                        </p:cTn>
+                                        <p:tgtEl>
+                                          <p:spTgt spid="8195">
+                                            <p:txEl>
+                                              <p:pRg st="0" end="0"/>
+                                            </p:txEl>
+                                          </p:spTgt>
+                                        </p:tgtEl>
+                                        <p:attrNameLst>
+                                          <p:attrName>style.visibility</p:attrName>
+                                        </p:attrNameLst>
+                                      </p:cBhvr>
+                                      <p:to>
+                                        <p:strVal val="visible"/>
+                                      </p:to>
+                                    </p:set>
+                                    <p:animEffect transition="in" filter="fade">
+                                      <p:cBhvr>
+                                        <p:cTn id="7" dur="500"/>
+                                        <p:tgtEl>
+                                          <p:spTgt spid="8195">
+                                            <p:txEl>
+                                              <p:pRg st="0" end="0"/>
+                                            </p:txEl>
+                                          </p:spTgt>
+                                        </p:tgtEl>
+                                      </p:cBhvr>
+                                    </p:animEffect>
+                                  </p:childTnLst>
+                                </p:cTn>
+                              </p:par>
+                            </p:childTnLst>
+                          </p:cTn>
+                        </p:par>
+                      </p:childTnLst>
+                    </p:cTn>
+                  </p:par>
+                  <p:par>
+                    <p:cTn id="8" fill="hold">
+                      <p:stCondLst>
+                        <p:cond delay="indefinite"/>
+                      </p:stCondLst>
+                      <p:childTnLst>
+                        <p:par>
+                          <p:cTn id="9" fill="hold">
+                            <p:stCondLst>
+                              <p:cond delay="0"/>
+                            </p:stCondLst>
+                            <p:childTnLst>
+                              <p:par>
+                                <p:cTn id="10" presetID="10" presetClass="entr" presetSubtype="0" fill="hold" grpId="0" nodeType="clickEffect">
+                                  <p:stCondLst>
+                                    <p:cond delay="0"/>
+                                  </p:stCondLst>
+                                  <p:childTnLst>
+                                    <p:set>
+                                      <p:cBhvr>
+                                        <p:cTn id="11" dur="1" fill="hold">
+                                          <p:stCondLst>
+                                            <p:cond delay="0"/>
+                                          </p:stCondLst>
+                                        </p:cTn>
+                                        <p:tgtEl>
+                                          <p:spTgt spid="8195">
+                                            <p:txEl>
+                                              <p:pRg st="2" end="2"/>
+                                            </p:txEl>
+                                          </p:spTgt>
+                                        </p:tgtEl>
+                                        <p:attrNameLst>
+                                          <p:attrName>style.visibility</p:attrName>
+                                        </p:attrNameLst>
+                                      </p:cBhvr>
+                                      <p:to>
+                                        <p:strVal val="visible"/>
+                                      </p:to>
+                                    </p:set>
+                                    <p:animEffect transition="in" filter="fade">
+                                      <p:cBhvr>
+                                        <p:cTn id="12" dur="500"/>
+                                        <p:tgtEl>
+                                          <p:spTgt spid="8195">
+                                            <p:txEl>
+                                              <p:pRg st="2" end="2"/>
+                                            </p:txEl>
+                                          </p:spTgt>
+                                        </p:tgtEl>
+                                      </p:cBhvr>
+                                    </p:animEffect>
+                                  </p:childTnLst>
+                                </p:cTn>
+                              </p:par>
+                            </p:childTnLst>
+                          </p:cTn>
+                        </p:par>
+                      </p:childTnLst>
+                    </p:cTn>
+                  </p:par>
+                  <p:par>
+                    <p:cTn id="13" fill="hold">
+                      <p:stCondLst>
+                        <p:cond delay="indefinite"/>
+                      </p:stCondLst>
+                      <p:childTnLst>
+                        <p:par>
+                          <p:cTn id="14" fill="hold">
+                            <p:stCondLst>
+                              <p:cond delay="0"/>
+                            </p:stCondLst>
+                            <p:childTnLst>
+                              <p:par>
+                                <p:cTn id="15" presetID="10" presetClass="entr" presetSubtype="0" fill="hold" grpId="0" nodeType="clickEffect">
+                                  <p:stCondLst>
+                                    <p:cond delay="0"/>
+                                  </p:stCondLst>
+                                  <p:childTnLst>
+                                    <p:set>
+                                      <p:cBhvr>
+                                        <p:cTn id="16" dur="1" fill="hold">
+                                          <p:stCondLst>
+                                            <p:cond delay="0"/>
+                                          </p:stCondLst>
+                                        </p:cTn>
+                                        <p:tgtEl>
+                                          <p:spTgt spid="8195">
+                                            <p:txEl>
+                                              <p:pRg st="4" end="4"/>
+                                            </p:txEl>
+                                          </p:spTgt>
+                                        </p:tgtEl>
+                                        <p:attrNameLst>
+                                          <p:attrName>style.visibility</p:attrName>
+                                        </p:attrNameLst>
+                                      </p:cBhvr>
+                                      <p:to>
+                                        <p:strVal val="visible"/>
+                                      </p:to>
+                                    </p:set>
+                                    <p:animEffect transition="in" filter="fade">
+                                      <p:cBhvr>
+                                        <p:cTn id="17" dur="500"/>
+                                        <p:tgtEl>
+                                          <p:spTgt spid="8195">
+                                            <p:txEl>
+                                              <p:pRg st="4" end="4"/>
+                                            </p:txEl>
+                                          </p:spTgt>
+                                        </p:tgtEl>
+                                      </p:cBhvr>
+                                    </p:animEffect>
+                                  </p:childTnLst>
+                                </p:cTn>
+                              </p:par>
+                            </p:childTnLst>
+                          </p:cTn>
+                        </p:par>
+                      </p:childTnLst>
+                    </p:cTn>
+                  </p:par>
+                </p:childTnLst>
+              </p:cTn>
+              <p:prevCondLst>
+                <p:cond evt="onPrev" delay="0">
+                  <p:tgtEl>
+                    <p:sldTgt/>
+                  </p:tgtEl>
+                </p:cond>
+              </p:prevCondLst>
+              <p:nextCondLst>
+                <p:cond evt="onNext" delay="0">
+                  <p:tgtEl>
+                    <p:sldTgt/>
+                  </p:tgtEl>
+                </p:cond>
+              </p:nextCondLst>
+            </p:seq>
+          </p:childTnLst>
+        </p:cTn>
       </p:par>
     </p:tnLst>
+    <p:bldLst>
+      <p:bldP spid="8195" grpId="0" build="p"/>
+    </p:bldLst>
   </p:timing>
 </p:sld>
 </file>
@@ -12674,6 +14341,13 @@
   <p:clrMapOvr>
     <a:masterClrMapping/>
   </p:clrMapOvr>
+  <p:timing>
+    <p:tnLst>
+      <p:par>
+        <p:cTn id="1" dur="indefinite" restart="never" nodeType="tmRoot"/>
+      </p:par>
+    </p:tnLst>
+  </p:timing>
 </p:sld>
 </file>
 
@@ -13222,6 +14896,13 @@
   <p:clrMapOvr>
     <a:masterClrMapping/>
   </p:clrMapOvr>
+  <p:timing>
+    <p:tnLst>
+      <p:par>
+        <p:cTn id="1" dur="indefinite" restart="never" nodeType="tmRoot"/>
+      </p:par>
+    </p:tnLst>
+  </p:timing>
 </p:sld>
 </file>
 
@@ -13984,6 +15665,13 @@
   <p:clrMapOvr>
     <a:masterClrMapping/>
   </p:clrMapOvr>
+  <p:timing>
+    <p:tnLst>
+      <p:par>
+        <p:cTn id="1" dur="indefinite" restart="never" nodeType="tmRoot"/>
+      </p:par>
+    </p:tnLst>
+  </p:timing>
 </p:sld>
 </file>
 
@@ -14084,6 +15772,13 @@
   <p:clrMapOvr>
     <a:masterClrMapping/>
   </p:clrMapOvr>
+  <p:timing>
+    <p:tnLst>
+      <p:par>
+        <p:cTn id="1" dur="indefinite" restart="never" nodeType="tmRoot"/>
+      </p:par>
+    </p:tnLst>
+  </p:timing>
 </p:sld>
 </file>
 
@@ -15402,6 +17097,13 @@
   <p:clrMapOvr>
     <a:masterClrMapping/>
   </p:clrMapOvr>
+  <p:timing>
+    <p:tnLst>
+      <p:par>
+        <p:cTn id="1" dur="indefinite" restart="never" nodeType="tmRoot"/>
+      </p:par>
+    </p:tnLst>
+  </p:timing>
 </p:sld>
 </file>
 
@@ -20447,6 +22149,121 @@
 </p:sld>
 </file>
 
+<file path=ppt/slides/slide43.xml><?xml version="1.0" encoding="utf-8"?>
+<p:sld xmlns:a="http://schemas.openxmlformats.org/drawingml/2006/main" xmlns:r="http://schemas.openxmlformats.org/officeDocument/2006/relationships" xmlns:p="http://schemas.openxmlformats.org/presentationml/2006/main">
+  <p:cSld>
+    <p:spTree>
+      <p:nvGrpSpPr>
+        <p:cNvPr id="1" name=""/>
+        <p:cNvGrpSpPr/>
+        <p:nvPr/>
+      </p:nvGrpSpPr>
+      <p:grpSpPr>
+        <a:xfrm>
+          <a:off x="0" y="0"/>
+          <a:ext cx="0" cy="0"/>
+          <a:chOff x="0" y="0"/>
+          <a:chExt cx="0" cy="0"/>
+        </a:xfrm>
+      </p:grpSpPr>
+      <p:sp>
+        <p:nvSpPr>
+          <p:cNvPr id="2" name="Title 1"/>
+          <p:cNvSpPr>
+            <a:spLocks noGrp="1"/>
+          </p:cNvSpPr>
+          <p:nvPr>
+            <p:ph type="title"/>
+          </p:nvPr>
+        </p:nvSpPr>
+        <p:spPr/>
+        <p:txBody>
+          <a:bodyPr/>
+          <a:lstStyle/>
+          <a:p>
+            <a:endParaRPr lang="nl-NL"/>
+          </a:p>
+        </p:txBody>
+      </p:sp>
+      <p:sp>
+        <p:nvSpPr>
+          <p:cNvPr id="3" name="Content Placeholder 2"/>
+          <p:cNvSpPr>
+            <a:spLocks noGrp="1"/>
+          </p:cNvSpPr>
+          <p:nvPr>
+            <p:ph idx="1"/>
+          </p:nvPr>
+        </p:nvSpPr>
+        <p:spPr/>
+        <p:txBody>
+          <a:bodyPr/>
+          <a:lstStyle/>
+          <a:p>
+            <a:endParaRPr lang="en-US" dirty="0" smtClean="0"/>
+          </a:p>
+          <a:p>
+            <a:endParaRPr lang="en-US" dirty="0"/>
+          </a:p>
+          <a:p>
+            <a:endParaRPr lang="en-US" dirty="0" smtClean="0"/>
+          </a:p>
+          <a:p>
+            <a:pPr marL="0" indent="0" algn="ctr">
+              <a:buNone/>
+            </a:pPr>
+            <a:r>
+              <a:rPr lang="en-US" dirty="0" smtClean="0"/>
+              <a:t>Questions?</a:t>
+            </a:r>
+            <a:endParaRPr lang="nl-NL" dirty="0"/>
+          </a:p>
+        </p:txBody>
+      </p:sp>
+      <p:sp>
+        <p:nvSpPr>
+          <p:cNvPr id="4" name="Slide Number Placeholder 3"/>
+          <p:cNvSpPr>
+            <a:spLocks noGrp="1"/>
+          </p:cNvSpPr>
+          <p:nvPr>
+            <p:ph type="sldNum" sz="quarter" idx="4"/>
+          </p:nvPr>
+        </p:nvSpPr>
+        <p:spPr/>
+        <p:txBody>
+          <a:bodyPr/>
+          <a:lstStyle/>
+          <a:p>
+            <a:fld id="{5CC3E5C4-3E2B-40F1-9F2B-C46CEB0C88DF}" type="slidenum">
+              <a:rPr lang="en-CA" smtClean="0"/>
+              <a:pPr/>
+              <a:t>43</a:t>
+            </a:fld>
+            <a:endParaRPr lang="en-CA" dirty="0"/>
+          </a:p>
+        </p:txBody>
+      </p:sp>
+    </p:spTree>
+    <p:extLst>
+      <p:ext uri="{BB962C8B-B14F-4D97-AF65-F5344CB8AC3E}">
+        <p14:creationId xmlns:p14="http://schemas.microsoft.com/office/powerpoint/2010/main" val="2053805439"/>
+      </p:ext>
+    </p:extLst>
+  </p:cSld>
+  <p:clrMapOvr>
+    <a:masterClrMapping/>
+  </p:clrMapOvr>
+  <p:timing>
+    <p:tnLst>
+      <p:par>
+        <p:cTn id="1" dur="indefinite" restart="never" nodeType="tmRoot"/>
+      </p:par>
+    </p:tnLst>
+  </p:timing>
+</p:sld>
+</file>
+
 <file path=ppt/slides/slide5.xml><?xml version="1.0" encoding="utf-8"?>
 <p:sld xmlns:a="http://schemas.openxmlformats.org/drawingml/2006/main" xmlns:r="http://schemas.openxmlformats.org/officeDocument/2006/relationships" xmlns:p="http://schemas.openxmlformats.org/presentationml/2006/main">
   <p:cSld>
@@ -20615,6 +22432,13 @@
   <p:clrMapOvr>
     <a:masterClrMapping/>
   </p:clrMapOvr>
+  <p:timing>
+    <p:tnLst>
+      <p:par>
+        <p:cTn id="1" dur="indefinite" restart="never" nodeType="tmRoot"/>
+      </p:par>
+    </p:tnLst>
+  </p:timing>
 </p:sld>
 </file>
 
@@ -20991,6 +22815,13 @@
   <p:clrMapOvr>
     <a:masterClrMapping/>
   </p:clrMapOvr>
+  <p:timing>
+    <p:tnLst>
+      <p:par>
+        <p:cTn id="1" dur="indefinite" restart="never" nodeType="tmRoot"/>
+      </p:par>
+    </p:tnLst>
+  </p:timing>
 </p:sld>
 </file>
 
@@ -21157,293 +22988,7 @@
       </p:grpSpPr>
       <p:sp>
         <p:nvSpPr>
-          <p:cNvPr id="13" name="Down Arrow 12"/>
-          <p:cNvSpPr/>
-          <p:nvPr/>
-        </p:nvSpPr>
-        <p:spPr>
-          <a:xfrm>
-            <a:off x="2729305" y="2312064"/>
-            <a:ext cx="1008112" cy="3201176"/>
-          </a:xfrm>
-          <a:prstGeom prst="downArrow">
-            <a:avLst/>
-          </a:prstGeom>
-        </p:spPr>
-        <p:style>
-          <a:lnRef idx="0">
-            <a:schemeClr val="accent5"/>
-          </a:lnRef>
-          <a:fillRef idx="3">
-            <a:schemeClr val="accent5"/>
-          </a:fillRef>
-          <a:effectRef idx="3">
-            <a:schemeClr val="accent5"/>
-          </a:effectRef>
-          <a:fontRef idx="minor">
-            <a:schemeClr val="lt1"/>
-          </a:fontRef>
-        </p:style>
-        <p:txBody>
-          <a:bodyPr rtlCol="0" anchor="ctr"/>
-          <a:lstStyle/>
-          <a:p>
-            <a:pPr algn="ctr"/>
-            <a:endParaRPr lang="nl-NL">
-              <a:solidFill>
-                <a:prstClr val="white"/>
-              </a:solidFill>
-            </a:endParaRPr>
-          </a:p>
-        </p:txBody>
-      </p:sp>
-      <p:pic>
-        <p:nvPicPr>
-          <p:cNvPr id="21" name="Picture 7" descr="http://www.freeworldmaps.net/europe/netherlands/netherlands-politcal-map-highres.jpg"/>
-          <p:cNvPicPr>
-            <a:picLocks noChangeAspect="1" noChangeArrowheads="1"/>
-          </p:cNvPicPr>
-          <p:nvPr/>
-        </p:nvPicPr>
-        <p:blipFill>
-          <a:blip r:embed="rId3" cstate="print">
-            <a:extLst>
-              <a:ext uri="{28A0092B-C50C-407E-A947-70E740481C1C}">
-                <a14:useLocalDpi xmlns:a14="http://schemas.microsoft.com/office/drawing/2010/main" val="0"/>
-              </a:ext>
-            </a:extLst>
-          </a:blip>
-          <a:stretch>
-            <a:fillRect/>
-          </a:stretch>
-        </p:blipFill>
-        <p:spPr bwMode="auto">
-          <a:xfrm>
-            <a:off x="1547664" y="3229031"/>
-            <a:ext cx="781396" cy="1136073"/>
-          </a:xfrm>
-          <a:prstGeom prst="rect">
-            <a:avLst/>
-          </a:prstGeom>
-          <a:ln>
-            <a:noFill/>
-          </a:ln>
-          <a:effectLst>
-            <a:outerShdw blurRad="292100" dist="139700" dir="2700000" algn="tl" rotWithShape="0">
-              <a:srgbClr val="333333">
-                <a:alpha val="65000"/>
-              </a:srgbClr>
-            </a:outerShdw>
-          </a:effectLst>
-          <a:extLst>
-            <a:ext uri="{909E8E84-426E-40DD-AFC4-6F175D3DCCD1}">
-              <a14:hiddenFill xmlns:a14="http://schemas.microsoft.com/office/drawing/2010/main">
-                <a:solidFill>
-                  <a:srgbClr val="FFFFFF"/>
-                </a:solidFill>
-              </a14:hiddenFill>
-            </a:ext>
-          </a:extLst>
-        </p:spPr>
-      </p:pic>
-      <p:grpSp>
-        <p:nvGrpSpPr>
-          <p:cNvPr id="2" name="Group 1"/>
-          <p:cNvGrpSpPr/>
-          <p:nvPr/>
-        </p:nvGrpSpPr>
-        <p:grpSpPr>
-          <a:xfrm>
-            <a:off x="971600" y="4684303"/>
-            <a:ext cx="1757705" cy="1553009"/>
-            <a:chOff x="1068853" y="3382231"/>
-            <a:chExt cx="1757705" cy="1164757"/>
-          </a:xfrm>
-        </p:grpSpPr>
-        <p:pic>
-          <p:nvPicPr>
-            <p:cNvPr id="25" name="Picture 10"/>
-            <p:cNvPicPr>
-              <a:picLocks noChangeAspect="1" noChangeArrowheads="1"/>
-            </p:cNvPicPr>
-            <p:nvPr/>
-          </p:nvPicPr>
-          <p:blipFill>
-            <a:blip r:embed="rId4">
-              <a:extLst>
-                <a:ext uri="{28A0092B-C50C-407E-A947-70E740481C1C}">
-                  <a14:useLocalDpi xmlns:a14="http://schemas.microsoft.com/office/drawing/2010/main" val="0"/>
-                </a:ext>
-              </a:extLst>
-            </a:blip>
-            <a:srcRect/>
-            <a:stretch>
-              <a:fillRect/>
-            </a:stretch>
-          </p:blipFill>
-          <p:spPr bwMode="auto">
-            <a:xfrm>
-              <a:off x="1068853" y="3614434"/>
-              <a:ext cx="957064" cy="621703"/>
-            </a:xfrm>
-            <a:prstGeom prst="rect">
-              <a:avLst/>
-            </a:prstGeom>
-            <a:ln>
-              <a:noFill/>
-            </a:ln>
-            <a:effectLst>
-              <a:outerShdw blurRad="292100" dist="139700" dir="2700000" algn="tl" rotWithShape="0">
-                <a:srgbClr val="333333">
-                  <a:alpha val="65000"/>
-                </a:srgbClr>
-              </a:outerShdw>
-            </a:effectLst>
-            <a:extLst>
-              <a:ext uri="{909E8E84-426E-40DD-AFC4-6F175D3DCCD1}">
-                <a14:hiddenFill xmlns:a14="http://schemas.microsoft.com/office/drawing/2010/main">
-                  <a:solidFill>
-                    <a:schemeClr val="accent1"/>
-                  </a:solidFill>
-                </a14:hiddenFill>
-              </a:ext>
-              <a:ext uri="{91240B29-F687-4F45-9708-019B960494DF}">
-                <a14:hiddenLine xmlns:a14="http://schemas.microsoft.com/office/drawing/2010/main" w="9525">
-                  <a:solidFill>
-                    <a:schemeClr val="tx1"/>
-                  </a:solidFill>
-                  <a:miter lim="800000"/>
-                  <a:headEnd/>
-                  <a:tailEnd/>
-                </a14:hiddenLine>
-              </a:ext>
-            </a:extLst>
-          </p:spPr>
-        </p:pic>
-        <p:pic>
-          <p:nvPicPr>
-            <p:cNvPr id="29" name="Picture 10"/>
-            <p:cNvPicPr>
-              <a:picLocks noChangeAspect="1" noChangeArrowheads="1"/>
-            </p:cNvPicPr>
-            <p:nvPr/>
-          </p:nvPicPr>
-          <p:blipFill>
-            <a:blip r:embed="rId4">
-              <a:extLst>
-                <a:ext uri="{28A0092B-C50C-407E-A947-70E740481C1C}">
-                  <a14:useLocalDpi xmlns:a14="http://schemas.microsoft.com/office/drawing/2010/main" val="0"/>
-                </a:ext>
-              </a:extLst>
-            </a:blip>
-            <a:srcRect/>
-            <a:stretch>
-              <a:fillRect/>
-            </a:stretch>
-          </p:blipFill>
-          <p:spPr bwMode="auto">
-            <a:xfrm>
-              <a:off x="1742449" y="3382231"/>
-              <a:ext cx="957064" cy="621703"/>
-            </a:xfrm>
-            <a:prstGeom prst="rect">
-              <a:avLst/>
-            </a:prstGeom>
-            <a:ln>
-              <a:noFill/>
-            </a:ln>
-            <a:effectLst>
-              <a:outerShdw blurRad="292100" dist="139700" dir="2700000" algn="tl" rotWithShape="0">
-                <a:srgbClr val="333333">
-                  <a:alpha val="65000"/>
-                </a:srgbClr>
-              </a:outerShdw>
-            </a:effectLst>
-            <a:extLst>
-              <a:ext uri="{909E8E84-426E-40DD-AFC4-6F175D3DCCD1}">
-                <a14:hiddenFill xmlns:a14="http://schemas.microsoft.com/office/drawing/2010/main">
-                  <a:solidFill>
-                    <a:schemeClr val="accent1"/>
-                  </a:solidFill>
-                </a14:hiddenFill>
-              </a:ext>
-              <a:ext uri="{91240B29-F687-4F45-9708-019B960494DF}">
-                <a14:hiddenLine xmlns:a14="http://schemas.microsoft.com/office/drawing/2010/main" w="9525">
-                  <a:solidFill>
-                    <a:schemeClr val="tx1"/>
-                  </a:solidFill>
-                  <a:miter lim="800000"/>
-                  <a:headEnd/>
-                  <a:tailEnd/>
-                </a14:hiddenLine>
-              </a:ext>
-            </a:extLst>
-          </p:spPr>
-        </p:pic>
-        <p:pic>
-          <p:nvPicPr>
-            <p:cNvPr id="30" name="Picture 10"/>
-            <p:cNvPicPr>
-              <a:picLocks noChangeAspect="1" noChangeArrowheads="1"/>
-            </p:cNvPicPr>
-            <p:nvPr/>
-          </p:nvPicPr>
-          <p:blipFill>
-            <a:blip r:embed="rId4">
-              <a:extLst>
-                <a:ext uri="{28A0092B-C50C-407E-A947-70E740481C1C}">
-                  <a14:useLocalDpi xmlns:a14="http://schemas.microsoft.com/office/drawing/2010/main" val="0"/>
-                </a:ext>
-              </a:extLst>
-            </a:blip>
-            <a:srcRect/>
-            <a:stretch>
-              <a:fillRect/>
-            </a:stretch>
-          </p:blipFill>
-          <p:spPr bwMode="auto">
-            <a:xfrm>
-              <a:off x="1869494" y="3925285"/>
-              <a:ext cx="957064" cy="621703"/>
-            </a:xfrm>
-            <a:prstGeom prst="rect">
-              <a:avLst/>
-            </a:prstGeom>
-            <a:ln>
-              <a:noFill/>
-            </a:ln>
-            <a:effectLst>
-              <a:outerShdw blurRad="292100" dist="139700" dir="2700000" algn="tl" rotWithShape="0">
-                <a:srgbClr val="333333">
-                  <a:alpha val="65000"/>
-                </a:srgbClr>
-              </a:outerShdw>
-            </a:effectLst>
-            <a:extLst>
-              <a:ext uri="{909E8E84-426E-40DD-AFC4-6F175D3DCCD1}">
-                <a14:hiddenFill xmlns:a14="http://schemas.microsoft.com/office/drawing/2010/main">
-                  <a:solidFill>
-                    <a:schemeClr val="accent1"/>
-                  </a:solidFill>
-                </a14:hiddenFill>
-              </a:ext>
-              <a:ext uri="{91240B29-F687-4F45-9708-019B960494DF}">
-                <a14:hiddenLine xmlns:a14="http://schemas.microsoft.com/office/drawing/2010/main" w="9525">
-                  <a:solidFill>
-                    <a:schemeClr val="tx1"/>
-                  </a:solidFill>
-                  <a:miter lim="800000"/>
-                  <a:headEnd/>
-                  <a:tailEnd/>
-                </a14:hiddenLine>
-              </a:ext>
-            </a:extLst>
-          </p:spPr>
-        </p:pic>
-      </p:grpSp>
-      <p:sp>
-        <p:nvSpPr>
-          <p:cNvPr id="4" name="Title 3"/>
+          <p:cNvPr id="2" name="Title 1"/>
           <p:cNvSpPr>
             <a:spLocks noGrp="1"/>
           </p:cNvSpPr>
@@ -21451,19 +22996,14 @@
             <p:ph type="title"/>
           </p:nvPr>
         </p:nvSpPr>
-        <p:spPr>
-          <a:xfrm>
-            <a:off x="395536" y="332657"/>
-            <a:ext cx="6552728" cy="1152128"/>
-          </a:xfrm>
-        </p:spPr>
+        <p:spPr/>
         <p:txBody>
           <a:bodyPr/>
           <a:lstStyle/>
           <a:p>
             <a:r>
               <a:rPr lang="en-US" dirty="0" smtClean="0"/>
-              <a:t>Who publishes?</a:t>
+              <a:t>Using profiles</a:t>
             </a:r>
             <a:endParaRPr lang="nl-NL" dirty="0"/>
           </a:p>
@@ -21471,404 +23011,79 @@
       </p:sp>
       <p:sp>
         <p:nvSpPr>
-          <p:cNvPr id="6" name="TextBox 5"/>
-          <p:cNvSpPr txBox="1"/>
-          <p:nvPr/>
-        </p:nvSpPr>
-        <p:spPr>
-          <a:xfrm>
-            <a:off x="3851920" y="2339588"/>
-            <a:ext cx="4608512" cy="369332"/>
-          </a:xfrm>
-          <a:prstGeom prst="rect">
-            <a:avLst/>
-          </a:prstGeom>
-          <a:noFill/>
-        </p:spPr>
-        <p:txBody>
-          <a:bodyPr wrap="square" rtlCol="0">
-            <a:spAutoFit/>
-          </a:bodyPr>
+          <p:cNvPr id="3" name="Content Placeholder 2"/>
+          <p:cNvSpPr>
+            <a:spLocks noGrp="1"/>
+          </p:cNvSpPr>
+          <p:nvPr>
+            <p:ph idx="1"/>
+          </p:nvPr>
+        </p:nvSpPr>
+        <p:spPr/>
+        <p:txBody>
+          <a:bodyPr/>
           <a:lstStyle/>
           <a:p>
             <a:r>
               <a:rPr lang="en-US" dirty="0" smtClean="0"/>
-              <a:t>http://www.hl7.org/fhir/Profile/iso-21090</a:t>
+              <a:t>When communicating a resource, you can indicate the profiles it conforms to.</a:t>
+            </a:r>
+          </a:p>
+          <a:p>
+            <a:r>
+              <a:rPr lang="en-US" dirty="0" smtClean="0"/>
+              <a:t>A server might explicitly state it only accepts resources conforming to a certain profile (and verify!)</a:t>
+            </a:r>
+          </a:p>
+          <a:p>
+            <a:r>
+              <a:rPr lang="en-US" dirty="0" smtClean="0"/>
+              <a:t>You can ask a FHIR server to validate a resource against a given profile</a:t>
             </a:r>
             <a:endParaRPr lang="nl-NL" dirty="0"/>
           </a:p>
         </p:txBody>
       </p:sp>
-      <p:pic>
-        <p:nvPicPr>
-          <p:cNvPr id="1026" name="Picture 2" descr=" by Allen Enterprises"/>
-          <p:cNvPicPr>
-            <a:picLocks noChangeAspect="1" noChangeArrowheads="1"/>
-          </p:cNvPicPr>
-          <p:nvPr/>
-        </p:nvPicPr>
-        <p:blipFill>
-          <a:blip r:embed="rId5" cstate="print">
-            <a:extLst>
-              <a:ext uri="{28A0092B-C50C-407E-A947-70E740481C1C}">
-                <a14:useLocalDpi xmlns:a14="http://schemas.microsoft.com/office/drawing/2010/main" val="0"/>
-              </a:ext>
-            </a:extLst>
-          </a:blip>
-          <a:srcRect/>
-          <a:stretch>
-            <a:fillRect/>
-          </a:stretch>
-        </p:blipFill>
-        <p:spPr bwMode="auto">
-          <a:xfrm>
-            <a:off x="1153431" y="1673464"/>
-            <a:ext cx="1432132" cy="1432132"/>
-          </a:xfrm>
-          <a:prstGeom prst="rect">
-            <a:avLst/>
-          </a:prstGeom>
-          <a:noFill/>
-          <a:extLst>
-            <a:ext uri="{909E8E84-426E-40DD-AFC4-6F175D3DCCD1}">
-              <a14:hiddenFill xmlns:a14="http://schemas.microsoft.com/office/drawing/2010/main">
-                <a:solidFill>
-                  <a:srgbClr val="FFFFFF"/>
-                </a:solidFill>
-              </a14:hiddenFill>
-            </a:ext>
-          </a:extLst>
-        </p:spPr>
-      </p:pic>
-      <p:sp>
-        <p:nvSpPr>
-          <p:cNvPr id="18" name="TextBox 17"/>
-          <p:cNvSpPr txBox="1"/>
-          <p:nvPr/>
-        </p:nvSpPr>
-        <p:spPr>
-          <a:xfrm>
-            <a:off x="3851921" y="3638249"/>
-            <a:ext cx="4608512" cy="369332"/>
-          </a:xfrm>
-          <a:prstGeom prst="rect">
-            <a:avLst/>
-          </a:prstGeom>
-          <a:noFill/>
-        </p:spPr>
-        <p:txBody>
-          <a:bodyPr wrap="square" rtlCol="0">
-            <a:spAutoFit/>
-          </a:bodyPr>
+      <p:sp>
+        <p:nvSpPr>
+          <p:cNvPr id="4" name="Slide Number Placeholder 3"/>
+          <p:cNvSpPr>
+            <a:spLocks noGrp="1"/>
+          </p:cNvSpPr>
+          <p:nvPr>
+            <p:ph type="sldNum" sz="quarter" idx="4"/>
+          </p:nvPr>
+        </p:nvSpPr>
+        <p:spPr/>
+        <p:txBody>
+          <a:bodyPr/>
           <a:lstStyle/>
           <a:p>
-            <a:r>
-              <a:rPr lang="en-US" dirty="0" smtClean="0"/>
-              <a:t>http://www.hl7.nl/fhir/Profile/patient-nl</a:t>
-            </a:r>
-            <a:endParaRPr lang="nl-NL" dirty="0"/>
-          </a:p>
-        </p:txBody>
-      </p:sp>
-      <p:sp>
-        <p:nvSpPr>
-          <p:cNvPr id="19" name="TextBox 18"/>
-          <p:cNvSpPr txBox="1"/>
-          <p:nvPr/>
-        </p:nvSpPr>
-        <p:spPr>
-          <a:xfrm>
-            <a:off x="3851920" y="5147900"/>
-            <a:ext cx="4608512" cy="369332"/>
-          </a:xfrm>
-          <a:prstGeom prst="rect">
-            <a:avLst/>
-          </a:prstGeom>
-          <a:noFill/>
-        </p:spPr>
-        <p:txBody>
-          <a:bodyPr wrap="square" rtlCol="0">
-            <a:spAutoFit/>
-          </a:bodyPr>
-          <a:lstStyle/>
-          <a:p>
-            <a:r>
-              <a:rPr lang="en-US" dirty="0" smtClean="0"/>
-              <a:t>http://www.health4all.org/fhir/Profile/</a:t>
-            </a:r>
-            <a:endParaRPr lang="nl-NL" dirty="0"/>
-          </a:p>
-        </p:txBody>
-      </p:sp>
-      <p:sp>
-        <p:nvSpPr>
-          <p:cNvPr id="12" name="Down Arrow 11"/>
-          <p:cNvSpPr/>
-          <p:nvPr/>
-        </p:nvSpPr>
-        <p:spPr>
-          <a:xfrm rot="10800000">
-            <a:off x="165336" y="2207199"/>
-            <a:ext cx="1008112" cy="3201176"/>
-          </a:xfrm>
-          <a:prstGeom prst="downArrow">
-            <a:avLst/>
-          </a:prstGeom>
-        </p:spPr>
-        <p:style>
-          <a:lnRef idx="0">
-            <a:schemeClr val="accent5"/>
-          </a:lnRef>
-          <a:fillRef idx="3">
-            <a:schemeClr val="accent5"/>
-          </a:fillRef>
-          <a:effectRef idx="3">
-            <a:schemeClr val="accent5"/>
-          </a:effectRef>
-          <a:fontRef idx="minor">
-            <a:schemeClr val="lt1"/>
-          </a:fontRef>
-        </p:style>
-        <p:txBody>
-          <a:bodyPr rtlCol="0" anchor="ctr"/>
-          <a:lstStyle/>
-          <a:p>
-            <a:pPr algn="ctr"/>
-            <a:endParaRPr lang="nl-NL">
-              <a:solidFill>
-                <a:prstClr val="white"/>
-              </a:solidFill>
-            </a:endParaRPr>
+            <a:fld id="{5CC3E5C4-3E2B-40F1-9F2B-C46CEB0C88DF}" type="slidenum">
+              <a:rPr lang="en-CA" smtClean="0"/>
+              <a:pPr/>
+              <a:t>8</a:t>
+            </a:fld>
+            <a:endParaRPr lang="en-CA"/>
           </a:p>
         </p:txBody>
       </p:sp>
     </p:spTree>
     <p:extLst>
       <p:ext uri="{BB962C8B-B14F-4D97-AF65-F5344CB8AC3E}">
-        <p14:creationId xmlns:p14="http://schemas.microsoft.com/office/powerpoint/2010/main" val="3291092443"/>
+        <p14:creationId xmlns:p14="http://schemas.microsoft.com/office/powerpoint/2010/main" val="2586004379"/>
       </p:ext>
     </p:extLst>
   </p:cSld>
   <p:clrMapOvr>
     <a:masterClrMapping/>
   </p:clrMapOvr>
-  <mc:AlternateContent xmlns:mc="http://schemas.openxmlformats.org/markup-compatibility/2006" xmlns:p14="http://schemas.microsoft.com/office/powerpoint/2010/main">
-    <mc:Choice Requires="p14">
-      <p:transition spd="slow" p14:dur="2000"/>
-    </mc:Choice>
-    <mc:Fallback xmlns="">
-      <p:transition spd="slow"/>
-    </mc:Fallback>
-  </mc:AlternateContent>
   <p:timing>
     <p:tnLst>
       <p:par>
-        <p:cTn id="1" dur="indefinite" restart="never" nodeType="tmRoot">
-          <p:childTnLst>
-            <p:seq concurrent="1" nextAc="seek">
-              <p:cTn id="2" dur="indefinite" nodeType="mainSeq">
-                <p:childTnLst>
-                  <p:par>
-                    <p:cTn id="3" fill="hold">
-                      <p:stCondLst>
-                        <p:cond delay="indefinite"/>
-                      </p:stCondLst>
-                      <p:childTnLst>
-                        <p:par>
-                          <p:cTn id="4" fill="hold">
-                            <p:stCondLst>
-                              <p:cond delay="0"/>
-                            </p:stCondLst>
-                            <p:childTnLst>
-                              <p:par>
-                                <p:cTn id="5" presetID="10" presetClass="entr" presetSubtype="0" fill="hold" nodeType="clickEffect">
-                                  <p:stCondLst>
-                                    <p:cond delay="0"/>
-                                  </p:stCondLst>
-                                  <p:childTnLst>
-                                    <p:set>
-                                      <p:cBhvr>
-                                        <p:cTn id="6" dur="1" fill="hold">
-                                          <p:stCondLst>
-                                            <p:cond delay="0"/>
-                                          </p:stCondLst>
-                                        </p:cTn>
-                                        <p:tgtEl>
-                                          <p:spTgt spid="2"/>
-                                        </p:tgtEl>
-                                        <p:attrNameLst>
-                                          <p:attrName>style.visibility</p:attrName>
-                                        </p:attrNameLst>
-                                      </p:cBhvr>
-                                      <p:to>
-                                        <p:strVal val="visible"/>
-                                      </p:to>
-                                    </p:set>
-                                    <p:animEffect transition="in" filter="fade">
-                                      <p:cBhvr>
-                                        <p:cTn id="7" dur="500"/>
-                                        <p:tgtEl>
-                                          <p:spTgt spid="2"/>
-                                        </p:tgtEl>
-                                      </p:cBhvr>
-                                    </p:animEffect>
-                                  </p:childTnLst>
-                                </p:cTn>
-                              </p:par>
-                            </p:childTnLst>
-                          </p:cTn>
-                        </p:par>
-                      </p:childTnLst>
-                    </p:cTn>
-                  </p:par>
-                  <p:par>
-                    <p:cTn id="8" fill="hold">
-                      <p:stCondLst>
-                        <p:cond delay="indefinite"/>
-                      </p:stCondLst>
-                      <p:childTnLst>
-                        <p:par>
-                          <p:cTn id="9" fill="hold">
-                            <p:stCondLst>
-                              <p:cond delay="0"/>
-                            </p:stCondLst>
-                            <p:childTnLst>
-                              <p:par>
-                                <p:cTn id="10" presetID="10" presetClass="entr" presetSubtype="0" fill="hold" nodeType="clickEffect">
-                                  <p:stCondLst>
-                                    <p:cond delay="0"/>
-                                  </p:stCondLst>
-                                  <p:childTnLst>
-                                    <p:set>
-                                      <p:cBhvr>
-                                        <p:cTn id="11" dur="1" fill="hold">
-                                          <p:stCondLst>
-                                            <p:cond delay="0"/>
-                                          </p:stCondLst>
-                                        </p:cTn>
-                                        <p:tgtEl>
-                                          <p:spTgt spid="21"/>
-                                        </p:tgtEl>
-                                        <p:attrNameLst>
-                                          <p:attrName>style.visibility</p:attrName>
-                                        </p:attrNameLst>
-                                      </p:cBhvr>
-                                      <p:to>
-                                        <p:strVal val="visible"/>
-                                      </p:to>
-                                    </p:set>
-                                    <p:animEffect transition="in" filter="fade">
-                                      <p:cBhvr>
-                                        <p:cTn id="12" dur="500"/>
-                                        <p:tgtEl>
-                                          <p:spTgt spid="21"/>
-                                        </p:tgtEl>
-                                      </p:cBhvr>
-                                    </p:animEffect>
-                                  </p:childTnLst>
-                                </p:cTn>
-                              </p:par>
-                              <p:par>
-                                <p:cTn id="13" presetID="10" presetClass="entr" presetSubtype="0" fill="hold" grpId="0" nodeType="withEffect">
-                                  <p:stCondLst>
-                                    <p:cond delay="0"/>
-                                  </p:stCondLst>
-                                  <p:childTnLst>
-                                    <p:set>
-                                      <p:cBhvr>
-                                        <p:cTn id="14" dur="1" fill="hold">
-                                          <p:stCondLst>
-                                            <p:cond delay="0"/>
-                                          </p:stCondLst>
-                                        </p:cTn>
-                                        <p:tgtEl>
-                                          <p:spTgt spid="12"/>
-                                        </p:tgtEl>
-                                        <p:attrNameLst>
-                                          <p:attrName>style.visibility</p:attrName>
-                                        </p:attrNameLst>
-                                      </p:cBhvr>
-                                      <p:to>
-                                        <p:strVal val="visible"/>
-                                      </p:to>
-                                    </p:set>
-                                    <p:animEffect transition="in" filter="fade">
-                                      <p:cBhvr>
-                                        <p:cTn id="15" dur="500"/>
-                                        <p:tgtEl>
-                                          <p:spTgt spid="12"/>
-                                        </p:tgtEl>
-                                      </p:cBhvr>
-                                    </p:animEffect>
-                                  </p:childTnLst>
-                                </p:cTn>
-                              </p:par>
-                              <p:par>
-                                <p:cTn id="16" presetID="10" presetClass="entr" presetSubtype="0" fill="hold" grpId="0" nodeType="withEffect">
-                                  <p:stCondLst>
-                                    <p:cond delay="0"/>
-                                  </p:stCondLst>
-                                  <p:childTnLst>
-                                    <p:set>
-                                      <p:cBhvr>
-                                        <p:cTn id="17" dur="1" fill="hold">
-                                          <p:stCondLst>
-                                            <p:cond delay="0"/>
-                                          </p:stCondLst>
-                                        </p:cTn>
-                                        <p:tgtEl>
-                                          <p:spTgt spid="13"/>
-                                        </p:tgtEl>
-                                        <p:attrNameLst>
-                                          <p:attrName>style.visibility</p:attrName>
-                                        </p:attrNameLst>
-                                      </p:cBhvr>
-                                      <p:to>
-                                        <p:strVal val="visible"/>
-                                      </p:to>
-                                    </p:set>
-                                    <p:animEffect transition="in" filter="fade">
-                                      <p:cBhvr>
-                                        <p:cTn id="18" dur="500"/>
-                                        <p:tgtEl>
-                                          <p:spTgt spid="13"/>
-                                        </p:tgtEl>
-                                      </p:cBhvr>
-                                    </p:animEffect>
-                                  </p:childTnLst>
-                                </p:cTn>
-                              </p:par>
-                            </p:childTnLst>
-                          </p:cTn>
-                        </p:par>
-                      </p:childTnLst>
-                    </p:cTn>
-                  </p:par>
-                </p:childTnLst>
-              </p:cTn>
-              <p:prevCondLst>
-                <p:cond evt="onPrev" delay="0">
-                  <p:tgtEl>
-                    <p:sldTgt/>
-                  </p:tgtEl>
-                </p:cond>
-              </p:prevCondLst>
-              <p:nextCondLst>
-                <p:cond evt="onNext" delay="0">
-                  <p:tgtEl>
-                    <p:sldTgt/>
-                  </p:tgtEl>
-                </p:cond>
-              </p:nextCondLst>
-            </p:seq>
-          </p:childTnLst>
-        </p:cTn>
+        <p:cTn id="1" dur="indefinite" restart="never" nodeType="tmRoot"/>
       </p:par>
     </p:tnLst>
-    <p:bldLst>
-      <p:bldP spid="13" grpId="0" animBg="1"/>
-      <p:bldP spid="12" grpId="0" animBg="1"/>
-    </p:bldLst>
   </p:timing>
 </p:sld>
 </file>
@@ -21907,7 +23122,7 @@
           <a:p>
             <a:r>
               <a:rPr lang="en-US" dirty="0" smtClean="0"/>
-              <a:t>Using profiles</a:t>
+              <a:t>Tagging a Resource</a:t>
             </a:r>
             <a:endParaRPr lang="nl-NL" dirty="0"/>
           </a:p>
@@ -21915,73 +23130,593 @@
       </p:sp>
       <p:sp>
         <p:nvSpPr>
-          <p:cNvPr id="3" name="Content Placeholder 2"/>
-          <p:cNvSpPr>
-            <a:spLocks noGrp="1"/>
-          </p:cNvSpPr>
-          <p:nvPr>
-            <p:ph idx="1"/>
-          </p:nvPr>
-        </p:nvSpPr>
-        <p:spPr/>
-        <p:txBody>
-          <a:bodyPr/>
+          <p:cNvPr id="5" name="Rectangle 4"/>
+          <p:cNvSpPr/>
+          <p:nvPr/>
+        </p:nvSpPr>
+        <p:spPr bwMode="auto">
+          <a:xfrm>
+            <a:off x="1043608" y="1844824"/>
+            <a:ext cx="2448272" cy="3672408"/>
+          </a:xfrm>
+          <a:prstGeom prst="rect">
+            <a:avLst/>
+          </a:prstGeom>
+          <a:solidFill>
+            <a:schemeClr val="accent1">
+              <a:lumMod val="40000"/>
+              <a:lumOff val="60000"/>
+            </a:schemeClr>
+          </a:solidFill>
+          <a:ln w="9525" cap="flat" cmpd="sng" algn="ctr">
+            <a:solidFill>
+              <a:schemeClr val="tx1"/>
+            </a:solidFill>
+            <a:prstDash val="solid"/>
+            <a:round/>
+            <a:headEnd type="none" w="med" len="med"/>
+            <a:tailEnd type="none" w="med" len="med"/>
+          </a:ln>
+          <a:effectLst/>
+          <a:extLst/>
+        </p:spPr>
+        <p:txBody>
+          <a:bodyPr vert="horz" wrap="square" lIns="91440" tIns="45720" rIns="91440" bIns="45720" numCol="1" rtlCol="0" anchor="t" anchorCtr="0" compatLnSpc="1">
+            <a:prstTxWarp prst="textNoShape">
+              <a:avLst/>
+            </a:prstTxWarp>
+          </a:bodyPr>
           <a:lstStyle/>
           <a:p>
-            <a:r>
-              <a:rPr lang="en-US" dirty="0" smtClean="0"/>
-              <a:t>When communicating a resource, you can indicate the profiles it conforms to.</a:t>
-            </a:r>
-          </a:p>
-          <a:p>
-            <a:r>
-              <a:rPr lang="en-US" dirty="0" smtClean="0"/>
-              <a:t>A server might explicitly state it only accepts resources conforming to a certain profile (and verify!)</a:t>
-            </a:r>
-          </a:p>
-          <a:p>
-            <a:r>
-              <a:rPr lang="en-US" dirty="0" smtClean="0"/>
-              <a:t>You can ask a FHIR server to validate a resource against a given profile</a:t>
+            <a:pPr marL="0" marR="0" indent="0" algn="l" defTabSz="914400" rtl="0" eaLnBrk="0" fontAlgn="base" latinLnBrk="0" hangingPunct="0">
+              <a:lnSpc>
+                <a:spcPct val="100000"/>
+              </a:lnSpc>
+              <a:spcBef>
+                <a:spcPct val="0"/>
+              </a:spcBef>
+              <a:spcAft>
+                <a:spcPct val="0"/>
+              </a:spcAft>
+              <a:buClrTx/>
+              <a:buSzTx/>
+              <a:buFontTx/>
+              <a:buNone/>
+              <a:tabLst/>
+            </a:pPr>
+            <a:r>
+              <a:rPr kumimoji="0" lang="en-US" sz="1800" b="1" i="0" u="none" strike="noStrike" cap="none" normalizeH="0" baseline="0" dirty="0" smtClean="0">
+                <a:ln>
+                  <a:noFill/>
+                </a:ln>
+                <a:solidFill>
+                  <a:schemeClr val="tx1"/>
+                </a:solidFill>
+                <a:effectLst/>
+                <a:latin typeface="Arial" charset="0"/>
+              </a:rPr>
+              <a:t>Patient</a:t>
+            </a:r>
+          </a:p>
+          <a:p>
+            <a:pPr marL="0" marR="0" indent="0" algn="l" defTabSz="914400" rtl="0" eaLnBrk="0" fontAlgn="base" latinLnBrk="0" hangingPunct="0">
+              <a:lnSpc>
+                <a:spcPct val="100000"/>
+              </a:lnSpc>
+              <a:spcBef>
+                <a:spcPct val="0"/>
+              </a:spcBef>
+              <a:spcAft>
+                <a:spcPct val="0"/>
+              </a:spcAft>
+              <a:buClrTx/>
+              <a:buSzTx/>
+              <a:buFontTx/>
+              <a:buNone/>
+              <a:tabLst/>
+            </a:pPr>
+            <a:endParaRPr lang="en-US" b="1" dirty="0" smtClean="0">
+              <a:latin typeface="Arial" charset="0"/>
+            </a:endParaRPr>
+          </a:p>
+          <a:p>
+            <a:pPr marL="0" marR="0" indent="0" algn="l" defTabSz="914400" rtl="0" eaLnBrk="0" fontAlgn="base" latinLnBrk="0" hangingPunct="0">
+              <a:lnSpc>
+                <a:spcPct val="100000"/>
+              </a:lnSpc>
+              <a:spcBef>
+                <a:spcPct val="0"/>
+              </a:spcBef>
+              <a:spcAft>
+                <a:spcPct val="0"/>
+              </a:spcAft>
+              <a:buClrTx/>
+              <a:buSzTx/>
+              <a:buFontTx/>
+              <a:buNone/>
+              <a:tabLst/>
+            </a:pPr>
+            <a:r>
+              <a:rPr lang="en-US" sz="1400" dirty="0" smtClean="0">
+                <a:latin typeface="Arial" charset="0"/>
+              </a:rPr>
+              <a:t>MRN </a:t>
+            </a:r>
+            <a:r>
+              <a:rPr lang="en-US" sz="1400" dirty="0">
+                <a:latin typeface="Arial" charset="0"/>
+              </a:rPr>
+              <a:t>22234</a:t>
+            </a:r>
+          </a:p>
+          <a:p>
+            <a:pPr marL="0" marR="0" indent="0" algn="l" defTabSz="914400" rtl="0" eaLnBrk="0" fontAlgn="base" latinLnBrk="0" hangingPunct="0">
+              <a:lnSpc>
+                <a:spcPct val="100000"/>
+              </a:lnSpc>
+              <a:spcBef>
+                <a:spcPct val="0"/>
+              </a:spcBef>
+              <a:spcAft>
+                <a:spcPct val="0"/>
+              </a:spcAft>
+              <a:buClrTx/>
+              <a:buSzTx/>
+              <a:buFontTx/>
+              <a:buNone/>
+              <a:tabLst/>
+            </a:pPr>
+            <a:r>
+              <a:rPr kumimoji="0" lang="en-US" sz="1400" i="0" u="none" strike="noStrike" cap="none" normalizeH="0" baseline="0" dirty="0" smtClean="0">
+                <a:ln>
+                  <a:noFill/>
+                </a:ln>
+                <a:solidFill>
+                  <a:schemeClr val="tx1"/>
+                </a:solidFill>
+                <a:effectLst/>
+                <a:latin typeface="Arial" charset="0"/>
+              </a:rPr>
+              <a:t>“</a:t>
+            </a:r>
+            <a:r>
+              <a:rPr kumimoji="0" lang="en-US" sz="1400" i="0" u="none" strike="noStrike" cap="none" normalizeH="0" baseline="0" dirty="0" err="1" smtClean="0">
+                <a:ln>
+                  <a:noFill/>
+                </a:ln>
+                <a:solidFill>
+                  <a:schemeClr val="tx1"/>
+                </a:solidFill>
+                <a:effectLst/>
+                <a:latin typeface="Arial" charset="0"/>
+              </a:rPr>
+              <a:t>Ewout</a:t>
+            </a:r>
+            <a:r>
+              <a:rPr kumimoji="0" lang="en-US" sz="1400" i="0" u="none" strike="noStrike" cap="none" normalizeH="0" baseline="0" dirty="0" smtClean="0">
+                <a:ln>
+                  <a:noFill/>
+                </a:ln>
+                <a:solidFill>
+                  <a:schemeClr val="tx1"/>
+                </a:solidFill>
+                <a:effectLst/>
+                <a:latin typeface="Arial" charset="0"/>
+              </a:rPr>
+              <a:t> Kramer”</a:t>
+            </a:r>
+          </a:p>
+          <a:p>
+            <a:pPr marL="0" marR="0" indent="0" algn="l" defTabSz="914400" rtl="0" eaLnBrk="0" fontAlgn="base" latinLnBrk="0" hangingPunct="0">
+              <a:lnSpc>
+                <a:spcPct val="100000"/>
+              </a:lnSpc>
+              <a:spcBef>
+                <a:spcPct val="0"/>
+              </a:spcBef>
+              <a:spcAft>
+                <a:spcPct val="0"/>
+              </a:spcAft>
+              <a:buClrTx/>
+              <a:buSzTx/>
+              <a:buFontTx/>
+              <a:buNone/>
+              <a:tabLst/>
+            </a:pPr>
+            <a:r>
+              <a:rPr lang="en-US" sz="1400" dirty="0" smtClean="0">
+                <a:latin typeface="Arial" charset="0"/>
+              </a:rPr>
+              <a:t>30-11-1972</a:t>
+            </a:r>
+          </a:p>
+          <a:p>
+            <a:pPr marL="0" marR="0" indent="0" algn="l" defTabSz="914400" rtl="0" eaLnBrk="0" fontAlgn="base" latinLnBrk="0" hangingPunct="0">
+              <a:lnSpc>
+                <a:spcPct val="100000"/>
+              </a:lnSpc>
+              <a:spcBef>
+                <a:spcPct val="0"/>
+              </a:spcBef>
+              <a:spcAft>
+                <a:spcPct val="0"/>
+              </a:spcAft>
+              <a:buClrTx/>
+              <a:buSzTx/>
+              <a:buFontTx/>
+              <a:buNone/>
+              <a:tabLst/>
+            </a:pPr>
+            <a:r>
+              <a:rPr kumimoji="0" lang="en-US" sz="1400" i="0" u="none" strike="noStrike" cap="none" normalizeH="0" baseline="0" dirty="0" smtClean="0">
+                <a:ln>
+                  <a:noFill/>
+                </a:ln>
+                <a:solidFill>
+                  <a:schemeClr val="tx1"/>
+                </a:solidFill>
+                <a:effectLst/>
+                <a:latin typeface="Arial" charset="0"/>
+              </a:rPr>
+              <a:t>Amsterdam</a:t>
+            </a:r>
+          </a:p>
+          <a:p>
+            <a:pPr marL="0" marR="0" indent="0" algn="l" defTabSz="914400" rtl="0" eaLnBrk="0" fontAlgn="base" latinLnBrk="0" hangingPunct="0">
+              <a:lnSpc>
+                <a:spcPct val="100000"/>
+              </a:lnSpc>
+              <a:spcBef>
+                <a:spcPct val="0"/>
+              </a:spcBef>
+              <a:spcAft>
+                <a:spcPct val="0"/>
+              </a:spcAft>
+              <a:buClrTx/>
+              <a:buSzTx/>
+              <a:buFontTx/>
+              <a:buNone/>
+              <a:tabLst/>
+            </a:pPr>
+            <a:endParaRPr kumimoji="0" lang="nl-NL" sz="1800" b="1" i="0" u="none" strike="noStrike" cap="none" normalizeH="0" baseline="0" dirty="0" smtClean="0">
+              <a:ln>
+                <a:noFill/>
+              </a:ln>
+              <a:solidFill>
+                <a:schemeClr val="tx1"/>
+              </a:solidFill>
+              <a:effectLst/>
+              <a:latin typeface="Arial" charset="0"/>
+            </a:endParaRPr>
+          </a:p>
+        </p:txBody>
+      </p:sp>
+      <p:sp>
+        <p:nvSpPr>
+          <p:cNvPr id="6" name="Flowchart: Card 5"/>
+          <p:cNvSpPr/>
+          <p:nvPr/>
+        </p:nvSpPr>
+        <p:spPr bwMode="auto">
+          <a:xfrm>
+            <a:off x="2843808" y="1853054"/>
+            <a:ext cx="3600400" cy="1071889"/>
+          </a:xfrm>
+          <a:prstGeom prst="flowChartPunchedCard">
+            <a:avLst/>
+          </a:prstGeom>
+          <a:solidFill>
+            <a:srgbClr val="FFFF00"/>
+          </a:solidFill>
+          <a:ln w="9525" cap="flat" cmpd="sng" algn="ctr">
+            <a:solidFill>
+              <a:schemeClr val="tx1"/>
+            </a:solidFill>
+            <a:prstDash val="solid"/>
+            <a:round/>
+            <a:headEnd type="none" w="med" len="med"/>
+            <a:tailEnd type="none" w="med" len="med"/>
+          </a:ln>
+          <a:effectLst/>
+          <a:extLst/>
+        </p:spPr>
+        <p:txBody>
+          <a:bodyPr vert="horz" wrap="square" lIns="91440" tIns="45720" rIns="91440" bIns="45720" numCol="1" rtlCol="0" anchor="t" anchorCtr="0" compatLnSpc="1">
+            <a:prstTxWarp prst="textNoShape">
+              <a:avLst/>
+            </a:prstTxWarp>
+          </a:bodyPr>
+          <a:lstStyle/>
+          <a:p>
+            <a:pPr eaLnBrk="0" fontAlgn="base" hangingPunct="0">
+              <a:spcBef>
+                <a:spcPct val="0"/>
+              </a:spcBef>
+              <a:spcAft>
+                <a:spcPct val="0"/>
+              </a:spcAft>
+            </a:pPr>
+            <a:r>
+              <a:rPr lang="nl-NL" sz="1600" i="1" dirty="0"/>
+              <a:t>http://</a:t>
+            </a:r>
+            <a:r>
+              <a:rPr lang="nl-NL" sz="1600" i="1" dirty="0" smtClean="0"/>
+              <a:t>hl7.org/fhir/tag/security</a:t>
+            </a:r>
+          </a:p>
+          <a:p>
+            <a:pPr eaLnBrk="0" fontAlgn="base" hangingPunct="0">
+              <a:spcBef>
+                <a:spcPct val="0"/>
+              </a:spcBef>
+              <a:spcAft>
+                <a:spcPct val="0"/>
+              </a:spcAft>
+            </a:pPr>
+            <a:r>
+              <a:rPr lang="nl-NL" sz="1600" dirty="0" smtClean="0"/>
+              <a:t>http</a:t>
+            </a:r>
+            <a:r>
+              <a:rPr lang="nl-NL" sz="1600" dirty="0"/>
+              <a:t>://hl7.org/fhir/v3/ActCode#TABOO</a:t>
+            </a:r>
+            <a:endParaRPr lang="nl-NL" sz="1600" dirty="0" smtClean="0"/>
+          </a:p>
+          <a:p>
+            <a:pPr eaLnBrk="0" fontAlgn="base" hangingPunct="0">
+              <a:spcBef>
+                <a:spcPct val="0"/>
+              </a:spcBef>
+              <a:spcAft>
+                <a:spcPct val="0"/>
+              </a:spcAft>
+            </a:pPr>
+            <a:endParaRPr kumimoji="0" lang="nl-NL" sz="1800" b="0" i="0" u="none" strike="noStrike" cap="none" normalizeH="0" baseline="0" dirty="0" smtClean="0">
+              <a:ln>
+                <a:noFill/>
+              </a:ln>
+              <a:solidFill>
+                <a:schemeClr val="tx1"/>
+              </a:solidFill>
+              <a:effectLst/>
+              <a:latin typeface="Arial" charset="0"/>
+            </a:endParaRPr>
+          </a:p>
+        </p:txBody>
+      </p:sp>
+      <p:sp>
+        <p:nvSpPr>
+          <p:cNvPr id="8" name="Flowchart: Card 7"/>
+          <p:cNvSpPr/>
+          <p:nvPr/>
+        </p:nvSpPr>
+        <p:spPr bwMode="auto">
+          <a:xfrm>
+            <a:off x="2195736" y="3356992"/>
+            <a:ext cx="3600400" cy="1008112"/>
+          </a:xfrm>
+          <a:prstGeom prst="flowChartPunchedCard">
+            <a:avLst/>
+          </a:prstGeom>
+          <a:solidFill>
+            <a:srgbClr val="FFFF00"/>
+          </a:solidFill>
+          <a:ln w="9525" cap="flat" cmpd="sng" algn="ctr">
+            <a:solidFill>
+              <a:schemeClr val="tx1"/>
+            </a:solidFill>
+            <a:prstDash val="solid"/>
+            <a:round/>
+            <a:headEnd type="none" w="med" len="med"/>
+            <a:tailEnd type="none" w="med" len="med"/>
+          </a:ln>
+          <a:effectLst/>
+          <a:extLst/>
+        </p:spPr>
+        <p:txBody>
+          <a:bodyPr vert="horz" wrap="square" lIns="91440" tIns="45720" rIns="91440" bIns="45720" numCol="1" rtlCol="0" anchor="t" anchorCtr="0" compatLnSpc="1">
+            <a:prstTxWarp prst="textNoShape">
+              <a:avLst/>
+            </a:prstTxWarp>
+          </a:bodyPr>
+          <a:lstStyle/>
+          <a:p>
+            <a:pPr eaLnBrk="0" fontAlgn="base" hangingPunct="0">
+              <a:spcBef>
+                <a:spcPct val="0"/>
+              </a:spcBef>
+              <a:spcAft>
+                <a:spcPct val="0"/>
+              </a:spcAft>
+            </a:pPr>
+            <a:r>
+              <a:rPr lang="nl-NL" sz="1600" i="1" dirty="0"/>
+              <a:t>http://</a:t>
+            </a:r>
+            <a:r>
+              <a:rPr lang="nl-NL" sz="1600" i="1" dirty="0" smtClean="0"/>
+              <a:t>hl7.org/fhir/tag</a:t>
+            </a:r>
+            <a:br>
+              <a:rPr lang="nl-NL" sz="1600" i="1" dirty="0" smtClean="0"/>
+            </a:br>
+            <a:r>
+              <a:rPr lang="nl-NL" sz="1600" dirty="0" smtClean="0"/>
+              <a:t>http://example.org/fhir/Status#Test</a:t>
+            </a:r>
+          </a:p>
+          <a:p>
+            <a:pPr eaLnBrk="0" fontAlgn="base" hangingPunct="0">
+              <a:spcBef>
+                <a:spcPct val="0"/>
+              </a:spcBef>
+              <a:spcAft>
+                <a:spcPct val="0"/>
+              </a:spcAft>
+            </a:pPr>
+            <a:endParaRPr kumimoji="0" lang="nl-NL" sz="1800" b="0" i="0" u="none" strike="noStrike" cap="none" normalizeH="0" baseline="0" dirty="0" smtClean="0">
+              <a:ln>
+                <a:noFill/>
+              </a:ln>
+              <a:solidFill>
+                <a:schemeClr val="tx1"/>
+              </a:solidFill>
+              <a:effectLst/>
+              <a:latin typeface="Arial" charset="0"/>
+            </a:endParaRPr>
+          </a:p>
+        </p:txBody>
+      </p:sp>
+      <p:sp>
+        <p:nvSpPr>
+          <p:cNvPr id="9" name="Flowchart: Card 8"/>
+          <p:cNvSpPr/>
+          <p:nvPr/>
+        </p:nvSpPr>
+        <p:spPr bwMode="auto">
+          <a:xfrm>
+            <a:off x="1187624" y="4653136"/>
+            <a:ext cx="3600400" cy="987152"/>
+          </a:xfrm>
+          <a:prstGeom prst="flowChartPunchedCard">
+            <a:avLst/>
+          </a:prstGeom>
+          <a:solidFill>
+            <a:srgbClr val="FFFF00"/>
+          </a:solidFill>
+          <a:ln w="9525" cap="flat" cmpd="sng" algn="ctr">
+            <a:solidFill>
+              <a:schemeClr val="tx1"/>
+            </a:solidFill>
+            <a:prstDash val="solid"/>
+            <a:round/>
+            <a:headEnd type="none" w="med" len="med"/>
+            <a:tailEnd type="none" w="med" len="med"/>
+          </a:ln>
+          <a:effectLst/>
+          <a:extLst/>
+        </p:spPr>
+        <p:txBody>
+          <a:bodyPr vert="horz" wrap="square" lIns="91440" tIns="45720" rIns="91440" bIns="45720" numCol="1" rtlCol="0" anchor="t" anchorCtr="0" compatLnSpc="1">
+            <a:prstTxWarp prst="textNoShape">
+              <a:avLst/>
+            </a:prstTxWarp>
+          </a:bodyPr>
+          <a:lstStyle/>
+          <a:p>
+            <a:pPr eaLnBrk="0" fontAlgn="base" hangingPunct="0">
+              <a:spcBef>
+                <a:spcPct val="0"/>
+              </a:spcBef>
+              <a:spcAft>
+                <a:spcPct val="0"/>
+              </a:spcAft>
+            </a:pPr>
+            <a:r>
+              <a:rPr lang="nl-NL" sz="1600" i="1" dirty="0"/>
+              <a:t>http://</a:t>
+            </a:r>
+            <a:r>
+              <a:rPr lang="nl-NL" sz="1600" i="1" dirty="0" smtClean="0"/>
+              <a:t>hl7.org/fhir/tag/profile</a:t>
+            </a:r>
+            <a:br>
+              <a:rPr lang="nl-NL" sz="1600" i="1" dirty="0" smtClean="0"/>
+            </a:br>
+            <a:r>
+              <a:rPr lang="nl-NL" sz="1600" dirty="0" smtClean="0"/>
+              <a:t>http://hl7.org/fhir/Profile/us-core</a:t>
+            </a:r>
+          </a:p>
+          <a:p>
+            <a:pPr eaLnBrk="0" fontAlgn="base" hangingPunct="0">
+              <a:spcBef>
+                <a:spcPct val="0"/>
+              </a:spcBef>
+              <a:spcAft>
+                <a:spcPct val="0"/>
+              </a:spcAft>
+            </a:pPr>
+            <a:endParaRPr kumimoji="0" lang="nl-NL" sz="1800" b="0" i="0" u="none" strike="noStrike" cap="none" normalizeH="0" baseline="0" dirty="0" smtClean="0">
+              <a:ln>
+                <a:noFill/>
+              </a:ln>
+              <a:solidFill>
+                <a:schemeClr val="tx1"/>
+              </a:solidFill>
+              <a:effectLst/>
+              <a:latin typeface="Arial" charset="0"/>
+            </a:endParaRPr>
+          </a:p>
+        </p:txBody>
+      </p:sp>
+      <p:sp>
+        <p:nvSpPr>
+          <p:cNvPr id="11" name="Oval Callout 10"/>
+          <p:cNvSpPr/>
+          <p:nvPr/>
+        </p:nvSpPr>
+        <p:spPr bwMode="auto">
+          <a:xfrm>
+            <a:off x="4860032" y="4753488"/>
+            <a:ext cx="4032448" cy="1527488"/>
+          </a:xfrm>
+          <a:prstGeom prst="wedgeEllipseCallout">
+            <a:avLst>
+              <a:gd name="adj1" fmla="val -61065"/>
+              <a:gd name="adj2" fmla="val -3156"/>
+            </a:avLst>
+          </a:prstGeom>
+          <a:solidFill>
+            <a:schemeClr val="bg1"/>
+          </a:solidFill>
+          <a:ln w="9525" cap="flat" cmpd="sng" algn="ctr">
+            <a:solidFill>
+              <a:schemeClr val="tx1"/>
+            </a:solidFill>
+            <a:prstDash val="solid"/>
+            <a:round/>
+            <a:headEnd type="none" w="med" len="med"/>
+            <a:tailEnd type="none" w="med" len="med"/>
+          </a:ln>
+          <a:effectLst/>
+          <a:extLst/>
+        </p:spPr>
+        <p:txBody>
+          <a:bodyPr vert="horz" wrap="square" lIns="91440" tIns="45720" rIns="91440" bIns="45720" numCol="1" rtlCol="0" anchor="t" anchorCtr="0" compatLnSpc="1">
+            <a:prstTxWarp prst="textNoShape">
+              <a:avLst/>
+            </a:prstTxWarp>
+          </a:bodyPr>
+          <a:lstStyle/>
+          <a:p>
+            <a:r>
+              <a:rPr lang="en-US" dirty="0"/>
+              <a:t>“a claim that the Resource conforms to the profile identified in the term”</a:t>
             </a:r>
             <a:endParaRPr lang="nl-NL" dirty="0"/>
-          </a:p>
-        </p:txBody>
-      </p:sp>
-      <p:sp>
-        <p:nvSpPr>
-          <p:cNvPr id="4" name="Slide Number Placeholder 3"/>
-          <p:cNvSpPr>
-            <a:spLocks noGrp="1"/>
-          </p:cNvSpPr>
-          <p:nvPr>
-            <p:ph type="sldNum" sz="quarter" idx="4"/>
-          </p:nvPr>
-        </p:nvSpPr>
-        <p:spPr/>
-        <p:txBody>
-          <a:bodyPr/>
-          <a:lstStyle/>
-          <a:p>
-            <a:fld id="{5CC3E5C4-3E2B-40F1-9F2B-C46CEB0C88DF}" type="slidenum">
-              <a:rPr lang="en-CA" smtClean="0"/>
-              <a:pPr/>
-              <a:t>9</a:t>
-            </a:fld>
-            <a:endParaRPr lang="en-CA"/>
           </a:p>
         </p:txBody>
       </p:sp>
     </p:spTree>
     <p:extLst>
       <p:ext uri="{BB962C8B-B14F-4D97-AF65-F5344CB8AC3E}">
-        <p14:creationId xmlns:p14="http://schemas.microsoft.com/office/powerpoint/2010/main" val="2586004379"/>
+        <p14:creationId xmlns:p14="http://schemas.microsoft.com/office/powerpoint/2010/main" val="1200966379"/>
       </p:ext>
     </p:extLst>
   </p:cSld>
   <p:clrMapOvr>
     <a:masterClrMapping/>
   </p:clrMapOvr>
+  <p:timing>
+    <p:tnLst>
+      <p:par>
+        <p:cTn id="1" dur="indefinite" restart="never" nodeType="tmRoot"/>
+      </p:par>
+    </p:tnLst>
+  </p:timing>
 </p:sld>
 </file>
 
